--- a/04-SPA/Slides/01.02-Seavus Talent Program_SPA.pptx
+++ b/04-SPA/Slides/01.02-Seavus Talent Program_SPA.pptx
@@ -5,10 +5,10 @@
     <p:sldMasterId id="2147483648" r:id="rId2"/>
   </p:sldMasterIdLst>
   <p:notesMasterIdLst>
-    <p:notesMasterId r:id="rId9"/>
+    <p:notesMasterId r:id="rId41"/>
   </p:notesMasterIdLst>
   <p:handoutMasterIdLst>
-    <p:handoutMasterId r:id="rId10"/>
+    <p:handoutMasterId r:id="rId42"/>
   </p:handoutMasterIdLst>
   <p:sldIdLst>
     <p:sldId id="273" r:id="rId3"/>
@@ -17,6 +17,38 @@
     <p:sldId id="282" r:id="rId6"/>
     <p:sldId id="283" r:id="rId7"/>
     <p:sldId id="284" r:id="rId8"/>
+    <p:sldId id="285" r:id="rId9"/>
+    <p:sldId id="286" r:id="rId10"/>
+    <p:sldId id="293" r:id="rId11"/>
+    <p:sldId id="294" r:id="rId12"/>
+    <p:sldId id="291" r:id="rId13"/>
+    <p:sldId id="295" r:id="rId14"/>
+    <p:sldId id="292" r:id="rId15"/>
+    <p:sldId id="287" r:id="rId16"/>
+    <p:sldId id="296" r:id="rId17"/>
+    <p:sldId id="297" r:id="rId18"/>
+    <p:sldId id="298" r:id="rId19"/>
+    <p:sldId id="299" r:id="rId20"/>
+    <p:sldId id="300" r:id="rId21"/>
+    <p:sldId id="289" r:id="rId22"/>
+    <p:sldId id="301" r:id="rId23"/>
+    <p:sldId id="302" r:id="rId24"/>
+    <p:sldId id="303" r:id="rId25"/>
+    <p:sldId id="304" r:id="rId26"/>
+    <p:sldId id="306" r:id="rId27"/>
+    <p:sldId id="305" r:id="rId28"/>
+    <p:sldId id="307" r:id="rId29"/>
+    <p:sldId id="316" r:id="rId30"/>
+    <p:sldId id="308" r:id="rId31"/>
+    <p:sldId id="309" r:id="rId32"/>
+    <p:sldId id="310" r:id="rId33"/>
+    <p:sldId id="311" r:id="rId34"/>
+    <p:sldId id="312" r:id="rId35"/>
+    <p:sldId id="315" r:id="rId36"/>
+    <p:sldId id="288" r:id="rId37"/>
+    <p:sldId id="313" r:id="rId38"/>
+    <p:sldId id="290" r:id="rId39"/>
+    <p:sldId id="314" r:id="rId40"/>
   </p:sldIdLst>
   <p:sldSz cx="12192000" cy="6858000"/>
   <p:notesSz cx="6858000" cy="9144000"/>
@@ -219,7 +251,7 @@
           <a:p>
             <a:fld id="{59041DB8-B66F-4DC8-A96E-33677E0F90FF}" type="datetimeFigureOut">
               <a:rPr lang="en-US" smtClean="0"/>
-              <a:t>4/24/2015</a:t>
+              <a:t>4/29/2015</a:t>
             </a:fld>
             <a:endParaRPr lang="en-US"/>
           </a:p>
@@ -384,7 +416,7 @@
           <a:p>
             <a:fld id="{DEB49C4A-65AC-492D-9701-81B46C3AD0E4}" type="datetimeFigureOut">
               <a:rPr lang="en-US" smtClean="0"/>
-              <a:t>4/24/2015</a:t>
+              <a:t>4/29/2015</a:t>
             </a:fld>
             <a:endParaRPr lang="en-US"/>
           </a:p>
@@ -4906,7 +4938,7 @@
           <a:p>
             <a:fld id="{384A29A4-78C8-47AB-BA06-22CB45938951}" type="datetime1">
               <a:rPr lang="en-US" smtClean="0"/>
-              <a:t>4/24/2015</a:t>
+              <a:t>4/29/2015</a:t>
             </a:fld>
             <a:endParaRPr lang="en-US"/>
           </a:p>
@@ -5101,7 +5133,7 @@
           <a:p>
             <a:fld id="{E1ED4ACF-2D82-46F2-A8E9-23963AA34E86}" type="datetime1">
               <a:rPr lang="en-US" smtClean="0"/>
-              <a:t>4/24/2015</a:t>
+              <a:t>4/29/2015</a:t>
             </a:fld>
             <a:endParaRPr lang="en-US"/>
           </a:p>
@@ -5294,7 +5326,7 @@
           <a:p>
             <a:fld id="{AE374B5B-21A0-4192-BF4C-38187F1A68D8}" type="datetime1">
               <a:rPr lang="en-US" smtClean="0"/>
-              <a:t>4/24/2015</a:t>
+              <a:t>4/29/2015</a:t>
             </a:fld>
             <a:endParaRPr lang="en-US"/>
           </a:p>
@@ -5485,7 +5517,7 @@
           <a:p>
             <a:fld id="{AE374B5B-21A0-4192-BF4C-38187F1A68D8}" type="datetime1">
               <a:rPr lang="en-US" smtClean="0"/>
-              <a:t>4/24/2015</a:t>
+              <a:t>4/29/2015</a:t>
             </a:fld>
             <a:endParaRPr lang="en-US"/>
           </a:p>
@@ -7783,7 +7815,7 @@
           <a:p>
             <a:fld id="{33B5CF7C-B333-48E1-A4A6-83A3C8B73AC0}" type="datetime1">
               <a:rPr lang="en-US" smtClean="0"/>
-              <a:t>4/24/2015</a:t>
+              <a:t>4/29/2015</a:t>
             </a:fld>
             <a:endParaRPr lang="en-US"/>
           </a:p>
@@ -8238,7 +8270,7 @@
           <a:p>
             <a:fld id="{AE320762-5CBF-4210-AB54-376B091119F8}" type="datetime1">
               <a:rPr lang="en-US" smtClean="0"/>
-              <a:t>4/24/2015</a:t>
+              <a:t>4/29/2015</a:t>
             </a:fld>
             <a:endParaRPr lang="en-US"/>
           </a:p>
@@ -8371,7 +8403,7 @@
           <a:p>
             <a:fld id="{7F0DB371-BF5F-4058-A212-1A908E4D2674}" type="datetime1">
               <a:rPr lang="en-US" smtClean="0"/>
-              <a:t>4/24/2015</a:t>
+              <a:t>4/29/2015</a:t>
             </a:fld>
             <a:endParaRPr lang="en-US"/>
           </a:p>
@@ -10304,7 +10336,7 @@
           <a:p>
             <a:fld id="{60A4083B-90AA-48CF-BAD5-00AA24D7F288}" type="datetime1">
               <a:rPr lang="en-US" smtClean="0"/>
-              <a:t>4/24/2015</a:t>
+              <a:t>4/29/2015</a:t>
             </a:fld>
             <a:endParaRPr lang="en-US"/>
           </a:p>
@@ -14559,7 +14591,7 @@
           <a:p>
             <a:fld id="{B51B2453-8663-4C69-AF73-9FD7B1DEC5D0}" type="datetime1">
               <a:rPr lang="en-US" smtClean="0"/>
-              <a:t>4/24/2015</a:t>
+              <a:t>4/29/2015</a:t>
             </a:fld>
             <a:endParaRPr lang="en-US"/>
           </a:p>
@@ -15163,6 +15195,1814 @@
 </p:sld>
 </file>
 
+<file path=ppt/slides/slide10.xml><?xml version="1.0" encoding="utf-8"?>
+<p:sld xmlns:a="http://schemas.openxmlformats.org/drawingml/2006/main" xmlns:r="http://schemas.openxmlformats.org/officeDocument/2006/relationships" xmlns:p="http://schemas.openxmlformats.org/presentationml/2006/main">
+  <p:cSld>
+    <p:spTree>
+      <p:nvGrpSpPr>
+        <p:cNvPr id="1" name=""/>
+        <p:cNvGrpSpPr/>
+        <p:nvPr/>
+      </p:nvGrpSpPr>
+      <p:grpSpPr>
+        <a:xfrm>
+          <a:off x="0" y="0"/>
+          <a:ext cx="0" cy="0"/>
+          <a:chOff x="0" y="0"/>
+          <a:chExt cx="0" cy="0"/>
+        </a:xfrm>
+      </p:grpSpPr>
+      <p:sp>
+        <p:nvSpPr>
+          <p:cNvPr id="2" name="Title 1"/>
+          <p:cNvSpPr>
+            <a:spLocks noGrp="1"/>
+          </p:cNvSpPr>
+          <p:nvPr>
+            <p:ph type="title"/>
+          </p:nvPr>
+        </p:nvSpPr>
+        <p:spPr/>
+        <p:txBody>
+          <a:bodyPr/>
+          <a:lstStyle/>
+          <a:p>
+            <a:r>
+              <a:rPr lang="en-US" dirty="0" smtClean="0"/>
+              <a:t>Patterns</a:t>
+            </a:r>
+            <a:endParaRPr lang="en-US" dirty="0"/>
+          </a:p>
+        </p:txBody>
+      </p:sp>
+      <p:sp>
+        <p:nvSpPr>
+          <p:cNvPr id="3" name="Content Placeholder 2"/>
+          <p:cNvSpPr>
+            <a:spLocks noGrp="1"/>
+          </p:cNvSpPr>
+          <p:nvPr>
+            <p:ph idx="1"/>
+          </p:nvPr>
+        </p:nvSpPr>
+        <p:spPr>
+          <a:xfrm>
+            <a:off x="1295400" y="1582615"/>
+            <a:ext cx="9601200" cy="4478216"/>
+          </a:xfrm>
+        </p:spPr>
+        <p:txBody>
+          <a:bodyPr>
+            <a:normAutofit fontScale="70000" lnSpcReduction="20000"/>
+          </a:bodyPr>
+          <a:lstStyle/>
+          <a:p>
+            <a:pPr marL="0" indent="0">
+              <a:buNone/>
+            </a:pPr>
+            <a:r>
+              <a:rPr lang="en-US" b="1" i="1" dirty="0" err="1" smtClean="0"/>
+              <a:t>RepositoryPattern</a:t>
+            </a:r>
+            <a:r>
+              <a:rPr lang="en-US" b="1" i="1" dirty="0" smtClean="0"/>
+              <a:t> </a:t>
+            </a:r>
+          </a:p>
+          <a:p>
+            <a:pPr>
+              <a:buFontTx/>
+              <a:buChar char="-"/>
+            </a:pPr>
+            <a:r>
+              <a:rPr lang="en-US" dirty="0" smtClean="0"/>
+              <a:t>encapsulates </a:t>
+            </a:r>
+            <a:r>
+              <a:rPr lang="en-US" dirty="0"/>
+              <a:t>the set of objects persisted in a data store and the operations performed over them, providing a more object-oriented view of the persistence layer. </a:t>
+            </a:r>
+            <a:endParaRPr lang="en-US" dirty="0" smtClean="0"/>
+          </a:p>
+          <a:p>
+            <a:pPr>
+              <a:buFontTx/>
+              <a:buChar char="-"/>
+            </a:pPr>
+            <a:r>
+              <a:rPr lang="en-US" dirty="0" smtClean="0"/>
+              <a:t>supports </a:t>
+            </a:r>
+            <a:r>
+              <a:rPr lang="en-US" dirty="0"/>
+              <a:t>the objective of achieving a clean separation and one-way dependency between the domain and data mapping layers</a:t>
+            </a:r>
+            <a:r>
+              <a:rPr lang="en-US" dirty="0" smtClean="0"/>
+              <a:t>.</a:t>
+            </a:r>
+          </a:p>
+          <a:p>
+            <a:pPr>
+              <a:buFontTx/>
+              <a:buChar char="-"/>
+            </a:pPr>
+            <a:r>
+              <a:rPr lang="en-US" dirty="0" smtClean="0"/>
+              <a:t>allows </a:t>
+            </a:r>
+            <a:r>
+              <a:rPr lang="en-US" dirty="0"/>
+              <a:t>you to choose the </a:t>
+            </a:r>
+            <a:r>
+              <a:rPr lang="en-US" dirty="0" smtClean="0"/>
+              <a:t>DAL technology </a:t>
+            </a:r>
+            <a:r>
+              <a:rPr lang="en-US" dirty="0"/>
+              <a:t>that fits the current use case</a:t>
+            </a:r>
+            <a:r>
+              <a:rPr lang="en-US" dirty="0" smtClean="0"/>
+              <a:t>.</a:t>
+            </a:r>
+          </a:p>
+          <a:p>
+            <a:pPr>
+              <a:buFontTx/>
+              <a:buChar char="-"/>
+            </a:pPr>
+            <a:r>
+              <a:rPr lang="en-US" b="1" i="1" dirty="0"/>
+              <a:t>Do not add anything into the repository class until the very moment that you need </a:t>
+            </a:r>
+            <a:r>
+              <a:rPr lang="en-US" b="1" i="1" dirty="0" smtClean="0"/>
+              <a:t>it</a:t>
+            </a:r>
+          </a:p>
+          <a:p>
+            <a:pPr>
+              <a:buFontTx/>
+              <a:buChar char="-"/>
+            </a:pPr>
+            <a:r>
+              <a:rPr lang="en-US" dirty="0"/>
+              <a:t>Domain (business) entities vs DAL </a:t>
+            </a:r>
+            <a:r>
+              <a:rPr lang="en-US" dirty="0" smtClean="0"/>
+              <a:t>entities?</a:t>
+            </a:r>
+            <a:endParaRPr lang="en-US" dirty="0"/>
+          </a:p>
+          <a:p>
+            <a:pPr marL="0" indent="0">
+              <a:buNone/>
+            </a:pPr>
+            <a:r>
+              <a:rPr lang="en-US" b="1" i="1" dirty="0" smtClean="0"/>
+              <a:t>Beware</a:t>
+            </a:r>
+          </a:p>
+          <a:p>
+            <a:pPr>
+              <a:buFontTx/>
+              <a:buChar char="-"/>
+            </a:pPr>
+            <a:r>
+              <a:rPr lang="en-US" dirty="0" smtClean="0"/>
+              <a:t>Do </a:t>
+            </a:r>
+            <a:r>
+              <a:rPr lang="en-US" dirty="0"/>
+              <a:t>not expose LINQ </a:t>
+            </a:r>
+            <a:r>
+              <a:rPr lang="en-US" dirty="0" smtClean="0"/>
+              <a:t>methods</a:t>
+            </a:r>
+          </a:p>
+          <a:p>
+            <a:pPr>
+              <a:buFontTx/>
+              <a:buChar char="-"/>
+            </a:pPr>
+            <a:r>
+              <a:rPr lang="en-US" dirty="0"/>
+              <a:t>Learn about lazy </a:t>
+            </a:r>
+            <a:r>
+              <a:rPr lang="en-US" dirty="0" smtClean="0"/>
+              <a:t>loading</a:t>
+            </a:r>
+          </a:p>
+          <a:p>
+            <a:pPr>
+              <a:buFontTx/>
+              <a:buChar char="-"/>
+            </a:pPr>
+            <a:r>
+              <a:rPr lang="en-US" dirty="0" err="1"/>
+              <a:t>ToList</a:t>
+            </a:r>
+            <a:r>
+              <a:rPr lang="en-US" dirty="0"/>
+              <a:t>() before </a:t>
+            </a:r>
+            <a:r>
+              <a:rPr lang="en-US" dirty="0" smtClean="0"/>
+              <a:t>returning</a:t>
+            </a:r>
+          </a:p>
+          <a:p>
+            <a:pPr>
+              <a:buFontTx/>
+              <a:buChar char="-"/>
+            </a:pPr>
+            <a:r>
+              <a:rPr lang="en-US" dirty="0"/>
+              <a:t>Get is not </a:t>
+            </a:r>
+            <a:r>
+              <a:rPr lang="en-US" dirty="0" smtClean="0"/>
+              <a:t>search</a:t>
+            </a:r>
+          </a:p>
+          <a:p>
+            <a:pPr>
+              <a:buFontTx/>
+              <a:buChar char="-"/>
+            </a:pPr>
+            <a:endParaRPr lang="en-US" dirty="0" smtClean="0"/>
+          </a:p>
+          <a:p>
+            <a:pPr>
+              <a:buFontTx/>
+              <a:buChar char="-"/>
+            </a:pPr>
+            <a:endParaRPr lang="en-US" dirty="0"/>
+          </a:p>
+          <a:p>
+            <a:pPr>
+              <a:buFontTx/>
+              <a:buChar char="-"/>
+            </a:pPr>
+            <a:endParaRPr lang="en-US" dirty="0"/>
+          </a:p>
+          <a:p>
+            <a:pPr marL="0" indent="0">
+              <a:buNone/>
+            </a:pPr>
+            <a:endParaRPr lang="en-US" b="1" i="1" dirty="0" smtClean="0"/>
+          </a:p>
+        </p:txBody>
+      </p:sp>
+    </p:spTree>
+    <p:extLst>
+      <p:ext uri="{BB962C8B-B14F-4D97-AF65-F5344CB8AC3E}">
+        <p14:creationId xmlns:p14="http://schemas.microsoft.com/office/powerpoint/2010/main" val="3897129843"/>
+      </p:ext>
+    </p:extLst>
+  </p:cSld>
+  <p:clrMapOvr>
+    <a:masterClrMapping/>
+  </p:clrMapOvr>
+  <mc:AlternateContent xmlns:mc="http://schemas.openxmlformats.org/markup-compatibility/2006" xmlns:p14="http://schemas.microsoft.com/office/powerpoint/2010/main">
+    <mc:Choice Requires="p14">
+      <p:transition p14:dur="0"/>
+    </mc:Choice>
+    <mc:Fallback xmlns="">
+      <p:transition/>
+    </mc:Fallback>
+  </mc:AlternateContent>
+  <p:timing>
+    <p:tnLst>
+      <p:par>
+        <p:cTn id="1" dur="indefinite" restart="never" nodeType="tmRoot"/>
+      </p:par>
+    </p:tnLst>
+  </p:timing>
+</p:sld>
+</file>
+
+<file path=ppt/slides/slide11.xml><?xml version="1.0" encoding="utf-8"?>
+<p:sld xmlns:a="http://schemas.openxmlformats.org/drawingml/2006/main" xmlns:r="http://schemas.openxmlformats.org/officeDocument/2006/relationships" xmlns:p="http://schemas.openxmlformats.org/presentationml/2006/main">
+  <p:cSld>
+    <p:spTree>
+      <p:nvGrpSpPr>
+        <p:cNvPr id="1" name=""/>
+        <p:cNvGrpSpPr/>
+        <p:nvPr/>
+      </p:nvGrpSpPr>
+      <p:grpSpPr>
+        <a:xfrm>
+          <a:off x="0" y="0"/>
+          <a:ext cx="0" cy="0"/>
+          <a:chOff x="0" y="0"/>
+          <a:chExt cx="0" cy="0"/>
+        </a:xfrm>
+      </p:grpSpPr>
+      <p:sp>
+        <p:nvSpPr>
+          <p:cNvPr id="2" name="Title 1"/>
+          <p:cNvSpPr>
+            <a:spLocks noGrp="1"/>
+          </p:cNvSpPr>
+          <p:nvPr>
+            <p:ph type="title"/>
+          </p:nvPr>
+        </p:nvSpPr>
+        <p:spPr/>
+        <p:txBody>
+          <a:bodyPr/>
+          <a:lstStyle/>
+          <a:p>
+            <a:r>
+              <a:rPr lang="en-US" dirty="0" smtClean="0"/>
+              <a:t>Patterns</a:t>
+            </a:r>
+            <a:endParaRPr lang="en-US" dirty="0"/>
+          </a:p>
+        </p:txBody>
+      </p:sp>
+      <p:sp>
+        <p:nvSpPr>
+          <p:cNvPr id="3" name="Content Placeholder 2"/>
+          <p:cNvSpPr>
+            <a:spLocks noGrp="1"/>
+          </p:cNvSpPr>
+          <p:nvPr>
+            <p:ph idx="1"/>
+          </p:nvPr>
+        </p:nvSpPr>
+        <p:spPr>
+          <a:xfrm>
+            <a:off x="1248508" y="1582619"/>
+            <a:ext cx="9601200" cy="3809999"/>
+          </a:xfrm>
+        </p:spPr>
+        <p:txBody>
+          <a:bodyPr>
+            <a:normAutofit/>
+          </a:bodyPr>
+          <a:lstStyle/>
+          <a:p>
+            <a:pPr marL="0" indent="0">
+              <a:buNone/>
+            </a:pPr>
+            <a:r>
+              <a:rPr lang="en-US" b="1" i="1" dirty="0" err="1" smtClean="0"/>
+              <a:t>FactoryPattern</a:t>
+            </a:r>
+            <a:endParaRPr lang="en-US" b="1" i="1" dirty="0"/>
+          </a:p>
+          <a:p>
+            <a:pPr marL="0" indent="0">
+              <a:buNone/>
+            </a:pPr>
+            <a:endParaRPr lang="en-US" b="1" i="1" dirty="0" smtClean="0"/>
+          </a:p>
+          <a:p>
+            <a:pPr marL="0" indent="0">
+              <a:buNone/>
+            </a:pPr>
+            <a:endParaRPr lang="en-US" b="1" i="1" dirty="0" smtClean="0"/>
+          </a:p>
+        </p:txBody>
+      </p:sp>
+      <p:pic>
+        <p:nvPicPr>
+          <p:cNvPr id="4" name="Picture 2" descr="Factory Implementation - UML Class Diagram"/>
+          <p:cNvPicPr>
+            <a:picLocks noChangeAspect="1" noChangeArrowheads="1"/>
+          </p:cNvPicPr>
+          <p:nvPr/>
+        </p:nvPicPr>
+        <p:blipFill>
+          <a:blip r:embed="rId2">
+            <a:extLst>
+              <a:ext uri="{28A0092B-C50C-407E-A947-70E740481C1C}">
+                <a14:useLocalDpi xmlns:a14="http://schemas.microsoft.com/office/drawing/2010/main" val="0"/>
+              </a:ext>
+            </a:extLst>
+          </a:blip>
+          <a:srcRect/>
+          <a:stretch>
+            <a:fillRect/>
+          </a:stretch>
+        </p:blipFill>
+        <p:spPr bwMode="auto">
+          <a:xfrm>
+            <a:off x="3083168" y="2026384"/>
+            <a:ext cx="5193324" cy="3994169"/>
+          </a:xfrm>
+          <a:prstGeom prst="rect">
+            <a:avLst/>
+          </a:prstGeom>
+          <a:noFill/>
+          <a:extLst>
+            <a:ext uri="{909E8E84-426E-40DD-AFC4-6F175D3DCCD1}">
+              <a14:hiddenFill xmlns:a14="http://schemas.microsoft.com/office/drawing/2010/main">
+                <a:solidFill>
+                  <a:srgbClr val="FFFFFF"/>
+                </a:solidFill>
+              </a14:hiddenFill>
+            </a:ext>
+          </a:extLst>
+        </p:spPr>
+      </p:pic>
+    </p:spTree>
+    <p:extLst>
+      <p:ext uri="{BB962C8B-B14F-4D97-AF65-F5344CB8AC3E}">
+        <p14:creationId xmlns:p14="http://schemas.microsoft.com/office/powerpoint/2010/main" val="285632496"/>
+      </p:ext>
+    </p:extLst>
+  </p:cSld>
+  <p:clrMapOvr>
+    <a:masterClrMapping/>
+  </p:clrMapOvr>
+  <mc:AlternateContent xmlns:mc="http://schemas.openxmlformats.org/markup-compatibility/2006" xmlns:p14="http://schemas.microsoft.com/office/powerpoint/2010/main">
+    <mc:Choice Requires="p14">
+      <p:transition p14:dur="0"/>
+    </mc:Choice>
+    <mc:Fallback xmlns="">
+      <p:transition/>
+    </mc:Fallback>
+  </mc:AlternateContent>
+  <p:timing>
+    <p:tnLst>
+      <p:par>
+        <p:cTn id="1" dur="indefinite" restart="never" nodeType="tmRoot"/>
+      </p:par>
+    </p:tnLst>
+  </p:timing>
+</p:sld>
+</file>
+
+<file path=ppt/slides/slide12.xml><?xml version="1.0" encoding="utf-8"?>
+<p:sld xmlns:a="http://schemas.openxmlformats.org/drawingml/2006/main" xmlns:r="http://schemas.openxmlformats.org/officeDocument/2006/relationships" xmlns:p="http://schemas.openxmlformats.org/presentationml/2006/main">
+  <p:cSld>
+    <p:spTree>
+      <p:nvGrpSpPr>
+        <p:cNvPr id="1" name=""/>
+        <p:cNvGrpSpPr/>
+        <p:nvPr/>
+      </p:nvGrpSpPr>
+      <p:grpSpPr>
+        <a:xfrm>
+          <a:off x="0" y="0"/>
+          <a:ext cx="0" cy="0"/>
+          <a:chOff x="0" y="0"/>
+          <a:chExt cx="0" cy="0"/>
+        </a:xfrm>
+      </p:grpSpPr>
+      <p:sp>
+        <p:nvSpPr>
+          <p:cNvPr id="2" name="Title 1"/>
+          <p:cNvSpPr>
+            <a:spLocks noGrp="1"/>
+          </p:cNvSpPr>
+          <p:nvPr>
+            <p:ph type="title"/>
+          </p:nvPr>
+        </p:nvSpPr>
+        <p:spPr/>
+        <p:txBody>
+          <a:bodyPr/>
+          <a:lstStyle/>
+          <a:p>
+            <a:r>
+              <a:rPr lang="en-US" dirty="0" smtClean="0"/>
+              <a:t>Patterns</a:t>
+            </a:r>
+            <a:endParaRPr lang="en-US" dirty="0"/>
+          </a:p>
+        </p:txBody>
+      </p:sp>
+      <p:sp>
+        <p:nvSpPr>
+          <p:cNvPr id="3" name="Content Placeholder 2"/>
+          <p:cNvSpPr>
+            <a:spLocks noGrp="1"/>
+          </p:cNvSpPr>
+          <p:nvPr>
+            <p:ph idx="1"/>
+          </p:nvPr>
+        </p:nvSpPr>
+        <p:spPr>
+          <a:xfrm>
+            <a:off x="1295400" y="1582615"/>
+            <a:ext cx="9601200" cy="4478216"/>
+          </a:xfrm>
+        </p:spPr>
+        <p:txBody>
+          <a:bodyPr>
+            <a:normAutofit/>
+          </a:bodyPr>
+          <a:lstStyle/>
+          <a:p>
+            <a:pPr marL="0" indent="0">
+              <a:buNone/>
+            </a:pPr>
+            <a:r>
+              <a:rPr lang="en-US" b="1" i="1" dirty="0" err="1" smtClean="0"/>
+              <a:t>FactoryPattern</a:t>
+            </a:r>
+            <a:r>
+              <a:rPr lang="en-US" b="1" i="1" dirty="0" smtClean="0"/>
+              <a:t> </a:t>
+            </a:r>
+          </a:p>
+          <a:p>
+            <a:pPr marL="0" indent="0">
+              <a:buNone/>
+            </a:pPr>
+            <a:r>
+              <a:rPr lang="en-US" dirty="0" smtClean="0"/>
+              <a:t>-“</a:t>
+            </a:r>
+            <a:r>
+              <a:rPr lang="en-US" dirty="0"/>
+              <a:t>new” </a:t>
+            </a:r>
+            <a:r>
+              <a:rPr lang="en-US" dirty="0" smtClean="0"/>
+              <a:t>keyword, under </a:t>
+            </a:r>
+            <a:r>
+              <a:rPr lang="en-US" dirty="0"/>
+              <a:t>the hood you are </a:t>
+            </a:r>
+            <a:r>
+              <a:rPr lang="en-US" dirty="0" smtClean="0"/>
+              <a:t>introducing </a:t>
+            </a:r>
+            <a:r>
+              <a:rPr lang="en-US" dirty="0"/>
+              <a:t>coupling within your </a:t>
+            </a:r>
+            <a:r>
+              <a:rPr lang="en-US" dirty="0" smtClean="0"/>
+              <a:t>application</a:t>
+            </a:r>
+          </a:p>
+          <a:p>
+            <a:pPr marL="0" indent="0">
+              <a:buNone/>
+            </a:pPr>
+            <a:r>
+              <a:rPr lang="en-US" dirty="0" smtClean="0"/>
+              <a:t>-define abstractions (abstract classes, interfaces)</a:t>
+            </a:r>
+          </a:p>
+          <a:p>
+            <a:pPr marL="0" indent="0">
+              <a:buNone/>
+            </a:pPr>
+            <a:r>
+              <a:rPr lang="en-US" b="1" i="1" dirty="0" smtClean="0"/>
+              <a:t>-</a:t>
+            </a:r>
+            <a:r>
+              <a:rPr lang="en-US" dirty="0" smtClean="0"/>
+              <a:t>isolate creation and move it to a dedicated class called Factory</a:t>
+            </a:r>
+            <a:endParaRPr lang="en-US" b="1" i="1" dirty="0" smtClean="0"/>
+          </a:p>
+          <a:p>
+            <a:pPr marL="0" indent="0">
+              <a:buNone/>
+            </a:pPr>
+            <a:endParaRPr lang="en-US" b="1" i="1" dirty="0" smtClean="0"/>
+          </a:p>
+          <a:p>
+            <a:pPr>
+              <a:buFontTx/>
+              <a:buChar char="-"/>
+            </a:pPr>
+            <a:endParaRPr lang="en-US" dirty="0" smtClean="0"/>
+          </a:p>
+          <a:p>
+            <a:pPr>
+              <a:buFontTx/>
+              <a:buChar char="-"/>
+            </a:pPr>
+            <a:endParaRPr lang="en-US" dirty="0"/>
+          </a:p>
+          <a:p>
+            <a:pPr>
+              <a:buFontTx/>
+              <a:buChar char="-"/>
+            </a:pPr>
+            <a:endParaRPr lang="en-US" dirty="0"/>
+          </a:p>
+          <a:p>
+            <a:pPr marL="0" indent="0">
+              <a:buNone/>
+            </a:pPr>
+            <a:endParaRPr lang="en-US" b="1" i="1" dirty="0" smtClean="0"/>
+          </a:p>
+        </p:txBody>
+      </p:sp>
+    </p:spTree>
+    <p:extLst>
+      <p:ext uri="{BB962C8B-B14F-4D97-AF65-F5344CB8AC3E}">
+        <p14:creationId xmlns:p14="http://schemas.microsoft.com/office/powerpoint/2010/main" val="3826544495"/>
+      </p:ext>
+    </p:extLst>
+  </p:cSld>
+  <p:clrMapOvr>
+    <a:masterClrMapping/>
+  </p:clrMapOvr>
+  <mc:AlternateContent xmlns:mc="http://schemas.openxmlformats.org/markup-compatibility/2006" xmlns:p14="http://schemas.microsoft.com/office/powerpoint/2010/main">
+    <mc:Choice Requires="p14">
+      <p:transition p14:dur="0"/>
+    </mc:Choice>
+    <mc:Fallback xmlns="">
+      <p:transition/>
+    </mc:Fallback>
+  </mc:AlternateContent>
+  <p:timing>
+    <p:tnLst>
+      <p:par>
+        <p:cTn id="1" dur="indefinite" restart="never" nodeType="tmRoot"/>
+      </p:par>
+    </p:tnLst>
+  </p:timing>
+</p:sld>
+</file>
+
+<file path=ppt/slides/slide13.xml><?xml version="1.0" encoding="utf-8"?>
+<p:sld xmlns:a="http://schemas.openxmlformats.org/drawingml/2006/main" xmlns:r="http://schemas.openxmlformats.org/officeDocument/2006/relationships" xmlns:p="http://schemas.openxmlformats.org/presentationml/2006/main">
+  <p:cSld>
+    <p:spTree>
+      <p:nvGrpSpPr>
+        <p:cNvPr id="1" name=""/>
+        <p:cNvGrpSpPr/>
+        <p:nvPr/>
+      </p:nvGrpSpPr>
+      <p:grpSpPr>
+        <a:xfrm>
+          <a:off x="0" y="0"/>
+          <a:ext cx="0" cy="0"/>
+          <a:chOff x="0" y="0"/>
+          <a:chExt cx="0" cy="0"/>
+        </a:xfrm>
+      </p:grpSpPr>
+      <p:sp>
+        <p:nvSpPr>
+          <p:cNvPr id="2" name="Title 1"/>
+          <p:cNvSpPr>
+            <a:spLocks noGrp="1"/>
+          </p:cNvSpPr>
+          <p:nvPr>
+            <p:ph type="title"/>
+          </p:nvPr>
+        </p:nvSpPr>
+        <p:spPr/>
+        <p:txBody>
+          <a:bodyPr/>
+          <a:lstStyle/>
+          <a:p>
+            <a:r>
+              <a:rPr lang="en-US" dirty="0" smtClean="0"/>
+              <a:t>Libraries</a:t>
+            </a:r>
+            <a:endParaRPr lang="en-US" dirty="0"/>
+          </a:p>
+        </p:txBody>
+      </p:sp>
+      <p:sp>
+        <p:nvSpPr>
+          <p:cNvPr id="3" name="Content Placeholder 2"/>
+          <p:cNvSpPr>
+            <a:spLocks noGrp="1"/>
+          </p:cNvSpPr>
+          <p:nvPr>
+            <p:ph idx="1"/>
+          </p:nvPr>
+        </p:nvSpPr>
+        <p:spPr/>
+        <p:txBody>
+          <a:bodyPr/>
+          <a:lstStyle/>
+          <a:p>
+            <a:pPr marL="0" indent="0">
+              <a:buNone/>
+            </a:pPr>
+            <a:r>
+              <a:rPr lang="en-US" b="1" i="1" dirty="0" smtClean="0"/>
+              <a:t>Loggers</a:t>
+            </a:r>
+          </a:p>
+          <a:p>
+            <a:pPr marL="0" indent="0">
+              <a:buNone/>
+            </a:pPr>
+            <a:r>
+              <a:rPr lang="en-US" b="1" i="1" dirty="0" smtClean="0"/>
+              <a:t>-</a:t>
+            </a:r>
+            <a:r>
+              <a:rPr lang="en-US" dirty="0" smtClean="0"/>
+              <a:t>logging of different types of messages</a:t>
+            </a:r>
+          </a:p>
+          <a:p>
+            <a:pPr marL="0" indent="0">
+              <a:buNone/>
+            </a:pPr>
+            <a:r>
+              <a:rPr lang="en-US" dirty="0" smtClean="0"/>
+              <a:t>-existing libraries (Log4Net, </a:t>
+            </a:r>
+            <a:r>
+              <a:rPr lang="en-US" dirty="0" err="1" smtClean="0"/>
+              <a:t>NLog</a:t>
+            </a:r>
+            <a:r>
+              <a:rPr lang="en-US" dirty="0"/>
+              <a:t>)</a:t>
+            </a:r>
+            <a:endParaRPr lang="en-US" dirty="0" smtClean="0"/>
+          </a:p>
+          <a:p>
+            <a:pPr marL="0" indent="0">
+              <a:buNone/>
+            </a:pPr>
+            <a:r>
+              <a:rPr lang="en-US" b="1" i="1" dirty="0" err="1" smtClean="0"/>
+              <a:t>IoC</a:t>
+            </a:r>
+            <a:r>
+              <a:rPr lang="en-US" b="1" i="1" dirty="0" smtClean="0"/>
+              <a:t> container</a:t>
+            </a:r>
+          </a:p>
+          <a:p>
+            <a:pPr marL="0" indent="0">
+              <a:buNone/>
+            </a:pPr>
+            <a:r>
+              <a:rPr lang="en-US" dirty="0" smtClean="0"/>
+              <a:t>-containers used to implement the Dependency Inversion principle</a:t>
+            </a:r>
+          </a:p>
+          <a:p>
+            <a:pPr marL="0" indent="0">
+              <a:buNone/>
+            </a:pPr>
+            <a:r>
+              <a:rPr lang="en-US" dirty="0" smtClean="0"/>
+              <a:t>-existing libraries (</a:t>
+            </a:r>
+            <a:r>
+              <a:rPr lang="en-US" dirty="0" err="1" smtClean="0"/>
+              <a:t>Autofac</a:t>
+            </a:r>
+            <a:r>
+              <a:rPr lang="en-US" dirty="0" smtClean="0"/>
+              <a:t>, </a:t>
+            </a:r>
+            <a:r>
+              <a:rPr lang="en-US" dirty="0" err="1" smtClean="0"/>
+              <a:t>Ninject</a:t>
+            </a:r>
+            <a:r>
+              <a:rPr lang="en-US" dirty="0" smtClean="0"/>
+              <a:t>, Unity …)</a:t>
+            </a:r>
+          </a:p>
+          <a:p>
+            <a:pPr marL="0" indent="0">
+              <a:buNone/>
+            </a:pPr>
+            <a:endParaRPr lang="en-US" b="1" i="1" dirty="0" smtClean="0"/>
+          </a:p>
+        </p:txBody>
+      </p:sp>
+    </p:spTree>
+    <p:extLst>
+      <p:ext uri="{BB962C8B-B14F-4D97-AF65-F5344CB8AC3E}">
+        <p14:creationId xmlns:p14="http://schemas.microsoft.com/office/powerpoint/2010/main" val="220825831"/>
+      </p:ext>
+    </p:extLst>
+  </p:cSld>
+  <p:clrMapOvr>
+    <a:masterClrMapping/>
+  </p:clrMapOvr>
+  <mc:AlternateContent xmlns:mc="http://schemas.openxmlformats.org/markup-compatibility/2006" xmlns:p14="http://schemas.microsoft.com/office/powerpoint/2010/main">
+    <mc:Choice Requires="p14">
+      <p:transition p14:dur="0"/>
+    </mc:Choice>
+    <mc:Fallback xmlns="">
+      <p:transition/>
+    </mc:Fallback>
+  </mc:AlternateContent>
+  <p:timing>
+    <p:tnLst>
+      <p:par>
+        <p:cTn id="1" dur="indefinite" restart="never" nodeType="tmRoot"/>
+      </p:par>
+    </p:tnLst>
+  </p:timing>
+</p:sld>
+</file>
+
+<file path=ppt/slides/slide14.xml><?xml version="1.0" encoding="utf-8"?>
+<p:sld xmlns:a="http://schemas.openxmlformats.org/drawingml/2006/main" xmlns:r="http://schemas.openxmlformats.org/officeDocument/2006/relationships" xmlns:p="http://schemas.openxmlformats.org/presentationml/2006/main">
+  <p:cSld>
+    <p:spTree>
+      <p:nvGrpSpPr>
+        <p:cNvPr id="1" name=""/>
+        <p:cNvGrpSpPr/>
+        <p:nvPr/>
+      </p:nvGrpSpPr>
+      <p:grpSpPr>
+        <a:xfrm>
+          <a:off x="0" y="0"/>
+          <a:ext cx="0" cy="0"/>
+          <a:chOff x="0" y="0"/>
+          <a:chExt cx="0" cy="0"/>
+        </a:xfrm>
+      </p:grpSpPr>
+      <p:sp>
+        <p:nvSpPr>
+          <p:cNvPr id="4" name="Title 3"/>
+          <p:cNvSpPr>
+            <a:spLocks noGrp="1"/>
+          </p:cNvSpPr>
+          <p:nvPr>
+            <p:ph type="title"/>
+          </p:nvPr>
+        </p:nvSpPr>
+        <p:spPr/>
+        <p:txBody>
+          <a:bodyPr>
+            <a:normAutofit/>
+          </a:bodyPr>
+          <a:lstStyle/>
+          <a:p>
+            <a:r>
+              <a:rPr lang="en-US" sz="5400" dirty="0" smtClean="0"/>
+              <a:t>Unit testing</a:t>
+            </a:r>
+            <a:endParaRPr lang="en-US" sz="5400" dirty="0"/>
+          </a:p>
+        </p:txBody>
+      </p:sp>
+    </p:spTree>
+    <p:extLst>
+      <p:ext uri="{BB962C8B-B14F-4D97-AF65-F5344CB8AC3E}">
+        <p14:creationId xmlns:p14="http://schemas.microsoft.com/office/powerpoint/2010/main" val="2278007080"/>
+      </p:ext>
+    </p:extLst>
+  </p:cSld>
+  <p:clrMapOvr>
+    <a:masterClrMapping/>
+  </p:clrMapOvr>
+  <mc:AlternateContent xmlns:mc="http://schemas.openxmlformats.org/markup-compatibility/2006" xmlns:p14="http://schemas.microsoft.com/office/powerpoint/2010/main">
+    <mc:Choice Requires="p14">
+      <p:transition p14:dur="0"/>
+    </mc:Choice>
+    <mc:Fallback xmlns="">
+      <p:transition/>
+    </mc:Fallback>
+  </mc:AlternateContent>
+  <p:timing>
+    <p:tnLst>
+      <p:par>
+        <p:cTn id="1" dur="indefinite" restart="never" nodeType="tmRoot"/>
+      </p:par>
+    </p:tnLst>
+  </p:timing>
+</p:sld>
+</file>
+
+<file path=ppt/slides/slide15.xml><?xml version="1.0" encoding="utf-8"?>
+<p:sld xmlns:a="http://schemas.openxmlformats.org/drawingml/2006/main" xmlns:r="http://schemas.openxmlformats.org/officeDocument/2006/relationships" xmlns:p="http://schemas.openxmlformats.org/presentationml/2006/main">
+  <p:cSld>
+    <p:spTree>
+      <p:nvGrpSpPr>
+        <p:cNvPr id="1" name=""/>
+        <p:cNvGrpSpPr/>
+        <p:nvPr/>
+      </p:nvGrpSpPr>
+      <p:grpSpPr>
+        <a:xfrm>
+          <a:off x="0" y="0"/>
+          <a:ext cx="0" cy="0"/>
+          <a:chOff x="0" y="0"/>
+          <a:chExt cx="0" cy="0"/>
+        </a:xfrm>
+      </p:grpSpPr>
+      <p:sp>
+        <p:nvSpPr>
+          <p:cNvPr id="2" name="Title 1"/>
+          <p:cNvSpPr>
+            <a:spLocks noGrp="1"/>
+          </p:cNvSpPr>
+          <p:nvPr>
+            <p:ph type="title"/>
+          </p:nvPr>
+        </p:nvSpPr>
+        <p:spPr/>
+        <p:txBody>
+          <a:bodyPr/>
+          <a:lstStyle/>
+          <a:p>
+            <a:r>
+              <a:rPr lang="en-US" dirty="0" smtClean="0"/>
+              <a:t>Introduction</a:t>
+            </a:r>
+            <a:endParaRPr lang="en-US" dirty="0"/>
+          </a:p>
+        </p:txBody>
+      </p:sp>
+      <p:sp>
+        <p:nvSpPr>
+          <p:cNvPr id="3" name="Content Placeholder 2"/>
+          <p:cNvSpPr>
+            <a:spLocks noGrp="1"/>
+          </p:cNvSpPr>
+          <p:nvPr>
+            <p:ph idx="1"/>
+          </p:nvPr>
+        </p:nvSpPr>
+        <p:spPr/>
+        <p:txBody>
+          <a:bodyPr/>
+          <a:lstStyle/>
+          <a:p>
+            <a:pPr lvl="1"/>
+            <a:r>
+              <a:rPr lang="en-GB" sz="1600" dirty="0" smtClean="0"/>
+              <a:t>Testing </a:t>
+            </a:r>
+            <a:r>
+              <a:rPr lang="en-GB" sz="1600" dirty="0"/>
+              <a:t>Methods </a:t>
+            </a:r>
+          </a:p>
+          <a:p>
+            <a:pPr lvl="1"/>
+            <a:r>
+              <a:rPr lang="en-GB" sz="1600" dirty="0"/>
+              <a:t>Levels of Testing </a:t>
+            </a:r>
+          </a:p>
+          <a:p>
+            <a:pPr lvl="1"/>
+            <a:r>
+              <a:rPr lang="en-GB" sz="1600" dirty="0"/>
+              <a:t>Testing Practices and </a:t>
+            </a:r>
+            <a:r>
+              <a:rPr lang="en-GB" sz="1600" dirty="0" smtClean="0"/>
+              <a:t>Methodologies</a:t>
+            </a:r>
+          </a:p>
+          <a:p>
+            <a:pPr lvl="1"/>
+            <a:r>
+              <a:rPr lang="en-GB" sz="1600" dirty="0" smtClean="0"/>
+              <a:t>What is </a:t>
+            </a:r>
+            <a:r>
+              <a:rPr lang="en-GB" sz="1600" dirty="0" err="1" smtClean="0"/>
+              <a:t>UnitTesting</a:t>
+            </a:r>
+            <a:r>
+              <a:rPr lang="en-GB" sz="1600" dirty="0" smtClean="0"/>
+              <a:t>?</a:t>
+            </a:r>
+            <a:endParaRPr lang="en-GB" sz="1600" dirty="0"/>
+          </a:p>
+          <a:p>
+            <a:pPr lvl="1"/>
+            <a:r>
+              <a:rPr lang="en-GB" sz="1600" dirty="0"/>
+              <a:t>Unit Testing Frameworks</a:t>
+            </a:r>
+            <a:endParaRPr lang="en-US" b="1" i="1" dirty="0" smtClean="0"/>
+          </a:p>
+        </p:txBody>
+      </p:sp>
+    </p:spTree>
+    <p:extLst>
+      <p:ext uri="{BB962C8B-B14F-4D97-AF65-F5344CB8AC3E}">
+        <p14:creationId xmlns:p14="http://schemas.microsoft.com/office/powerpoint/2010/main" val="3917896070"/>
+      </p:ext>
+    </p:extLst>
+  </p:cSld>
+  <p:clrMapOvr>
+    <a:masterClrMapping/>
+  </p:clrMapOvr>
+  <mc:AlternateContent xmlns:mc="http://schemas.openxmlformats.org/markup-compatibility/2006" xmlns:p14="http://schemas.microsoft.com/office/powerpoint/2010/main">
+    <mc:Choice Requires="p14">
+      <p:transition p14:dur="0"/>
+    </mc:Choice>
+    <mc:Fallback xmlns="">
+      <p:transition/>
+    </mc:Fallback>
+  </mc:AlternateContent>
+  <p:timing>
+    <p:tnLst>
+      <p:par>
+        <p:cTn id="1" dur="indefinite" restart="never" nodeType="tmRoot"/>
+      </p:par>
+    </p:tnLst>
+  </p:timing>
+</p:sld>
+</file>
+
+<file path=ppt/slides/slide16.xml><?xml version="1.0" encoding="utf-8"?>
+<p:sld xmlns:a="http://schemas.openxmlformats.org/drawingml/2006/main" xmlns:r="http://schemas.openxmlformats.org/officeDocument/2006/relationships" xmlns:p="http://schemas.openxmlformats.org/presentationml/2006/main">
+  <p:cSld>
+    <p:spTree>
+      <p:nvGrpSpPr>
+        <p:cNvPr id="1" name=""/>
+        <p:cNvGrpSpPr/>
+        <p:nvPr/>
+      </p:nvGrpSpPr>
+      <p:grpSpPr>
+        <a:xfrm>
+          <a:off x="0" y="0"/>
+          <a:ext cx="0" cy="0"/>
+          <a:chOff x="0" y="0"/>
+          <a:chExt cx="0" cy="0"/>
+        </a:xfrm>
+      </p:grpSpPr>
+      <p:sp>
+        <p:nvSpPr>
+          <p:cNvPr id="2" name="Title 1"/>
+          <p:cNvSpPr>
+            <a:spLocks noGrp="1"/>
+          </p:cNvSpPr>
+          <p:nvPr>
+            <p:ph type="title"/>
+          </p:nvPr>
+        </p:nvSpPr>
+        <p:spPr/>
+        <p:txBody>
+          <a:bodyPr/>
+          <a:lstStyle/>
+          <a:p>
+            <a:r>
+              <a:rPr lang="en-US" dirty="0" smtClean="0"/>
+              <a:t>Test double patterns</a:t>
+            </a:r>
+            <a:endParaRPr lang="en-US" dirty="0"/>
+          </a:p>
+        </p:txBody>
+      </p:sp>
+      <p:sp>
+        <p:nvSpPr>
+          <p:cNvPr id="3" name="Content Placeholder 2"/>
+          <p:cNvSpPr>
+            <a:spLocks noGrp="1"/>
+          </p:cNvSpPr>
+          <p:nvPr>
+            <p:ph idx="1"/>
+          </p:nvPr>
+        </p:nvSpPr>
+        <p:spPr/>
+        <p:txBody>
+          <a:bodyPr/>
+          <a:lstStyle/>
+          <a:p>
+            <a:pPr lvl="1"/>
+            <a:r>
+              <a:rPr lang="en-GB" sz="1600" dirty="0" smtClean="0"/>
+              <a:t>Test </a:t>
+            </a:r>
+            <a:r>
+              <a:rPr lang="en-GB" sz="1600" dirty="0"/>
+              <a:t>Stub</a:t>
+            </a:r>
+          </a:p>
+          <a:p>
+            <a:pPr lvl="1"/>
+            <a:r>
+              <a:rPr lang="en-GB" sz="1600" dirty="0"/>
+              <a:t>Test Spy</a:t>
+            </a:r>
+          </a:p>
+          <a:p>
+            <a:pPr lvl="1"/>
+            <a:r>
+              <a:rPr lang="en-GB" sz="1600" dirty="0"/>
+              <a:t>Mock Object</a:t>
+            </a:r>
+          </a:p>
+          <a:p>
+            <a:pPr lvl="1"/>
+            <a:r>
+              <a:rPr lang="en-GB" sz="1600" dirty="0"/>
+              <a:t>Fake Object</a:t>
+            </a:r>
+          </a:p>
+        </p:txBody>
+      </p:sp>
+    </p:spTree>
+    <p:extLst>
+      <p:ext uri="{BB962C8B-B14F-4D97-AF65-F5344CB8AC3E}">
+        <p14:creationId xmlns:p14="http://schemas.microsoft.com/office/powerpoint/2010/main" val="1333742669"/>
+      </p:ext>
+    </p:extLst>
+  </p:cSld>
+  <p:clrMapOvr>
+    <a:masterClrMapping/>
+  </p:clrMapOvr>
+  <mc:AlternateContent xmlns:mc="http://schemas.openxmlformats.org/markup-compatibility/2006" xmlns:p14="http://schemas.microsoft.com/office/powerpoint/2010/main">
+    <mc:Choice Requires="p14">
+      <p:transition p14:dur="0"/>
+    </mc:Choice>
+    <mc:Fallback xmlns="">
+      <p:transition/>
+    </mc:Fallback>
+  </mc:AlternateContent>
+  <p:timing>
+    <p:tnLst>
+      <p:par>
+        <p:cTn id="1" dur="indefinite" restart="never" nodeType="tmRoot"/>
+      </p:par>
+    </p:tnLst>
+  </p:timing>
+</p:sld>
+</file>
+
+<file path=ppt/slides/slide17.xml><?xml version="1.0" encoding="utf-8"?>
+<p:sld xmlns:a="http://schemas.openxmlformats.org/drawingml/2006/main" xmlns:r="http://schemas.openxmlformats.org/officeDocument/2006/relationships" xmlns:p="http://schemas.openxmlformats.org/presentationml/2006/main">
+  <p:cSld>
+    <p:spTree>
+      <p:nvGrpSpPr>
+        <p:cNvPr id="1" name=""/>
+        <p:cNvGrpSpPr/>
+        <p:nvPr/>
+      </p:nvGrpSpPr>
+      <p:grpSpPr>
+        <a:xfrm>
+          <a:off x="0" y="0"/>
+          <a:ext cx="0" cy="0"/>
+          <a:chOff x="0" y="0"/>
+          <a:chExt cx="0" cy="0"/>
+        </a:xfrm>
+      </p:grpSpPr>
+      <p:sp>
+        <p:nvSpPr>
+          <p:cNvPr id="2" name="Title 1"/>
+          <p:cNvSpPr>
+            <a:spLocks noGrp="1"/>
+          </p:cNvSpPr>
+          <p:nvPr>
+            <p:ph type="title"/>
+          </p:nvPr>
+        </p:nvSpPr>
+        <p:spPr/>
+        <p:txBody>
+          <a:bodyPr/>
+          <a:lstStyle/>
+          <a:p>
+            <a:r>
+              <a:rPr lang="en-US" dirty="0" err="1" smtClean="0"/>
+              <a:t>MSTest</a:t>
+            </a:r>
+            <a:r>
+              <a:rPr lang="en-US" dirty="0" smtClean="0"/>
+              <a:t> framework</a:t>
+            </a:r>
+            <a:endParaRPr lang="en-US" dirty="0"/>
+          </a:p>
+        </p:txBody>
+      </p:sp>
+      <p:sp>
+        <p:nvSpPr>
+          <p:cNvPr id="3" name="Content Placeholder 2"/>
+          <p:cNvSpPr>
+            <a:spLocks noGrp="1"/>
+          </p:cNvSpPr>
+          <p:nvPr>
+            <p:ph idx="1"/>
+          </p:nvPr>
+        </p:nvSpPr>
+        <p:spPr>
+          <a:xfrm>
+            <a:off x="1295400" y="1594339"/>
+            <a:ext cx="9601200" cy="4196862"/>
+          </a:xfrm>
+        </p:spPr>
+        <p:txBody>
+          <a:bodyPr>
+            <a:normAutofit fontScale="92500" lnSpcReduction="10000"/>
+          </a:bodyPr>
+          <a:lstStyle/>
+          <a:p>
+            <a:r>
+              <a:rPr lang="en-US" sz="2400" b="1" dirty="0"/>
+              <a:t>Attributes</a:t>
+            </a:r>
+          </a:p>
+          <a:p>
+            <a:pPr lvl="1"/>
+            <a:r>
+              <a:rPr lang="en-US" sz="2000" i="1" dirty="0"/>
+              <a:t>Attributes Used to Identify Test Classes and Methods (Example 01)</a:t>
+            </a:r>
+          </a:p>
+          <a:p>
+            <a:pPr lvl="2"/>
+            <a:r>
+              <a:rPr lang="en-US" sz="2000" b="1" i="1" dirty="0" err="1"/>
+              <a:t>TestClassAttribute</a:t>
+            </a:r>
+            <a:endParaRPr lang="en-US" sz="2000" b="1" i="1" dirty="0"/>
+          </a:p>
+          <a:p>
+            <a:pPr lvl="2"/>
+            <a:r>
+              <a:rPr lang="en-US" sz="2000" b="1" i="1" dirty="0" err="1"/>
+              <a:t>TestMethodAttribute</a:t>
+            </a:r>
+            <a:endParaRPr lang="en-US" sz="2000" b="1" i="1" dirty="0"/>
+          </a:p>
+          <a:p>
+            <a:pPr lvl="1"/>
+            <a:r>
+              <a:rPr lang="en-US" sz="2000" i="1" dirty="0"/>
+              <a:t>Attributes Used to Establish a Calling Order (Example 01)</a:t>
+            </a:r>
+          </a:p>
+          <a:p>
+            <a:pPr lvl="2"/>
+            <a:r>
+              <a:rPr lang="en-US" sz="2000" b="1" i="1" dirty="0" err="1"/>
+              <a:t>AssemblyInitializeAttribute</a:t>
+            </a:r>
+            <a:r>
+              <a:rPr lang="en-US" sz="2000" b="1" i="1" dirty="0"/>
+              <a:t> (Don’t use in ASP.NET tests)</a:t>
+            </a:r>
+          </a:p>
+          <a:p>
+            <a:pPr lvl="2"/>
+            <a:r>
+              <a:rPr lang="en-US" sz="2000" b="1" i="1" dirty="0" err="1"/>
+              <a:t>AssemblyCleanupAttribute</a:t>
+            </a:r>
+            <a:r>
+              <a:rPr lang="en-US" sz="2000" b="1" i="1" dirty="0"/>
+              <a:t> (Don’t use in ASP.NET tests)</a:t>
+            </a:r>
+          </a:p>
+          <a:p>
+            <a:pPr lvl="2"/>
+            <a:r>
+              <a:rPr lang="en-US" sz="2000" b="1" i="1" dirty="0" err="1"/>
+              <a:t>ClassInitializeAttribute</a:t>
+            </a:r>
+            <a:r>
+              <a:rPr lang="en-US" sz="2000" b="1" i="1" dirty="0"/>
+              <a:t> (Don’t use in ASP.NET tests)</a:t>
+            </a:r>
+          </a:p>
+          <a:p>
+            <a:pPr lvl="2"/>
+            <a:r>
+              <a:rPr lang="en-US" sz="2000" b="1" i="1" dirty="0" err="1"/>
+              <a:t>ClassInitializeAttribute</a:t>
+            </a:r>
+            <a:r>
+              <a:rPr lang="en-US" sz="2000" b="1" i="1" dirty="0"/>
+              <a:t> (Don’t use in ASP.NET tests)</a:t>
+            </a:r>
+          </a:p>
+          <a:p>
+            <a:pPr lvl="2"/>
+            <a:r>
+              <a:rPr lang="en-US" sz="2000" b="1" i="1" dirty="0" err="1"/>
+              <a:t>TestInitializeAttribute</a:t>
+            </a:r>
+            <a:endParaRPr lang="en-US" sz="2000" b="1" i="1" dirty="0"/>
+          </a:p>
+          <a:p>
+            <a:pPr lvl="2"/>
+            <a:r>
+              <a:rPr lang="en-US" sz="2000" b="1" i="1" dirty="0" err="1"/>
+              <a:t>TestCleanupAttribute</a:t>
+            </a:r>
+            <a:endParaRPr lang="en-US" sz="2000" i="1" dirty="0"/>
+          </a:p>
+          <a:p>
+            <a:pPr lvl="1"/>
+            <a:r>
+              <a:rPr lang="en-US" sz="2000" i="1" dirty="0"/>
+              <a:t>Attributes for Identifying and Sorting Tests (Example 01)</a:t>
+            </a:r>
+          </a:p>
+          <a:p>
+            <a:pPr marL="274320" lvl="1" indent="0">
+              <a:buNone/>
+            </a:pPr>
+            <a:endParaRPr lang="en-GB" sz="1600" dirty="0"/>
+          </a:p>
+        </p:txBody>
+      </p:sp>
+    </p:spTree>
+    <p:extLst>
+      <p:ext uri="{BB962C8B-B14F-4D97-AF65-F5344CB8AC3E}">
+        <p14:creationId xmlns:p14="http://schemas.microsoft.com/office/powerpoint/2010/main" val="515720119"/>
+      </p:ext>
+    </p:extLst>
+  </p:cSld>
+  <p:clrMapOvr>
+    <a:masterClrMapping/>
+  </p:clrMapOvr>
+  <mc:AlternateContent xmlns:mc="http://schemas.openxmlformats.org/markup-compatibility/2006" xmlns:p14="http://schemas.microsoft.com/office/powerpoint/2010/main">
+    <mc:Choice Requires="p14">
+      <p:transition p14:dur="0"/>
+    </mc:Choice>
+    <mc:Fallback xmlns="">
+      <p:transition/>
+    </mc:Fallback>
+  </mc:AlternateContent>
+  <p:timing>
+    <p:tnLst>
+      <p:par>
+        <p:cTn id="1" dur="indefinite" restart="never" nodeType="tmRoot"/>
+      </p:par>
+    </p:tnLst>
+  </p:timing>
+</p:sld>
+</file>
+
+<file path=ppt/slides/slide18.xml><?xml version="1.0" encoding="utf-8"?>
+<p:sld xmlns:a="http://schemas.openxmlformats.org/drawingml/2006/main" xmlns:r="http://schemas.openxmlformats.org/officeDocument/2006/relationships" xmlns:p="http://schemas.openxmlformats.org/presentationml/2006/main">
+  <p:cSld>
+    <p:spTree>
+      <p:nvGrpSpPr>
+        <p:cNvPr id="1" name=""/>
+        <p:cNvGrpSpPr/>
+        <p:nvPr/>
+      </p:nvGrpSpPr>
+      <p:grpSpPr>
+        <a:xfrm>
+          <a:off x="0" y="0"/>
+          <a:ext cx="0" cy="0"/>
+          <a:chOff x="0" y="0"/>
+          <a:chExt cx="0" cy="0"/>
+        </a:xfrm>
+      </p:grpSpPr>
+      <p:sp>
+        <p:nvSpPr>
+          <p:cNvPr id="2" name="Title 1"/>
+          <p:cNvSpPr>
+            <a:spLocks noGrp="1"/>
+          </p:cNvSpPr>
+          <p:nvPr>
+            <p:ph type="title"/>
+          </p:nvPr>
+        </p:nvSpPr>
+        <p:spPr/>
+        <p:txBody>
+          <a:bodyPr/>
+          <a:lstStyle/>
+          <a:p>
+            <a:r>
+              <a:rPr lang="en-US" dirty="0" err="1" smtClean="0"/>
+              <a:t>MSTest</a:t>
+            </a:r>
+            <a:r>
+              <a:rPr lang="en-US" dirty="0" smtClean="0"/>
+              <a:t> framework</a:t>
+            </a:r>
+            <a:endParaRPr lang="en-US" dirty="0"/>
+          </a:p>
+        </p:txBody>
+      </p:sp>
+      <p:sp>
+        <p:nvSpPr>
+          <p:cNvPr id="3" name="Content Placeholder 2"/>
+          <p:cNvSpPr>
+            <a:spLocks noGrp="1"/>
+          </p:cNvSpPr>
+          <p:nvPr>
+            <p:ph idx="1"/>
+          </p:nvPr>
+        </p:nvSpPr>
+        <p:spPr>
+          <a:xfrm>
+            <a:off x="1295400" y="1594339"/>
+            <a:ext cx="9601200" cy="4196862"/>
+          </a:xfrm>
+        </p:spPr>
+        <p:txBody>
+          <a:bodyPr>
+            <a:noAutofit/>
+          </a:bodyPr>
+          <a:lstStyle/>
+          <a:p>
+            <a:pPr marL="274320" lvl="1" indent="-274320">
+              <a:buClr>
+                <a:schemeClr val="accent3"/>
+              </a:buClr>
+              <a:buSzPct val="95000"/>
+            </a:pPr>
+            <a:r>
+              <a:rPr lang="en-US" sz="2000" b="1" dirty="0"/>
+              <a:t>Asserts and Exceptions (Example 02)</a:t>
+            </a:r>
+          </a:p>
+          <a:p>
+            <a:pPr lvl="1"/>
+            <a:r>
+              <a:rPr lang="en-US" sz="2000" dirty="0"/>
+              <a:t>Assert statements are the basic way of specifying the conditions under which the executed code should pass or fail. </a:t>
+            </a:r>
+          </a:p>
+          <a:p>
+            <a:pPr lvl="1"/>
+            <a:r>
+              <a:rPr lang="en-US" sz="2000" dirty="0"/>
+              <a:t>Asserts are basically classes that expose a number of static methods that perform comparisons of values against known conditions and according to the result allow the call to pass without an error or throw an </a:t>
+            </a:r>
+            <a:r>
+              <a:rPr lang="en-US" sz="2000" dirty="0" err="1"/>
+              <a:t>AssertFailException</a:t>
+            </a:r>
+            <a:r>
+              <a:rPr lang="en-US" sz="2000" dirty="0"/>
+              <a:t> to signal failure.</a:t>
+            </a:r>
+          </a:p>
+          <a:p>
+            <a:pPr lvl="1"/>
+            <a:r>
+              <a:rPr lang="en-US" sz="2000" b="1" i="1" dirty="0"/>
+              <a:t>Assert</a:t>
+            </a:r>
+            <a:r>
+              <a:rPr lang="en-US" sz="2000" dirty="0"/>
+              <a:t>- Verifies conditions in unit tests using true/false propositions</a:t>
+            </a:r>
+          </a:p>
+          <a:p>
+            <a:pPr lvl="1"/>
+            <a:r>
+              <a:rPr lang="en-US" sz="2000" b="1" i="1" dirty="0" err="1"/>
+              <a:t>CollectionAssert</a:t>
+            </a:r>
+            <a:r>
+              <a:rPr lang="en-US" sz="2000" dirty="0"/>
+              <a:t>- Verifies true/false propositions associated with collections in unit tests</a:t>
+            </a:r>
+          </a:p>
+          <a:p>
+            <a:pPr lvl="1"/>
+            <a:r>
+              <a:rPr lang="en-US" sz="2000" b="1" i="1" dirty="0" err="1"/>
+              <a:t>StringAssert</a:t>
+            </a:r>
+            <a:r>
+              <a:rPr lang="en-US" sz="2000" dirty="0"/>
+              <a:t>-Verifies true/false propositions associated with strings in unit tests</a:t>
+            </a:r>
+          </a:p>
+          <a:p>
+            <a:pPr lvl="1"/>
+            <a:r>
+              <a:rPr lang="en-US" sz="2000" b="1" i="1" dirty="0" err="1"/>
+              <a:t>ExpectedExceptionAttribute</a:t>
+            </a:r>
+            <a:r>
+              <a:rPr lang="en-US" sz="2000" b="1" i="1" dirty="0"/>
+              <a:t>-</a:t>
+            </a:r>
+            <a:r>
+              <a:rPr lang="en-US" sz="2000" dirty="0"/>
+              <a:t>Indicates that an exception is expected during test method execution</a:t>
+            </a:r>
+            <a:r>
+              <a:rPr lang="en-US" sz="2000" dirty="0" smtClean="0"/>
+              <a:t>.</a:t>
+            </a:r>
+            <a:endParaRPr lang="en-US" sz="2000" dirty="0"/>
+          </a:p>
+        </p:txBody>
+      </p:sp>
+    </p:spTree>
+    <p:extLst>
+      <p:ext uri="{BB962C8B-B14F-4D97-AF65-F5344CB8AC3E}">
+        <p14:creationId xmlns:p14="http://schemas.microsoft.com/office/powerpoint/2010/main" val="1972058137"/>
+      </p:ext>
+    </p:extLst>
+  </p:cSld>
+  <p:clrMapOvr>
+    <a:masterClrMapping/>
+  </p:clrMapOvr>
+  <mc:AlternateContent xmlns:mc="http://schemas.openxmlformats.org/markup-compatibility/2006" xmlns:p14="http://schemas.microsoft.com/office/powerpoint/2010/main">
+    <mc:Choice Requires="p14">
+      <p:transition p14:dur="0"/>
+    </mc:Choice>
+    <mc:Fallback xmlns="">
+      <p:transition/>
+    </mc:Fallback>
+  </mc:AlternateContent>
+  <p:timing>
+    <p:tnLst>
+      <p:par>
+        <p:cTn id="1" dur="indefinite" restart="never" nodeType="tmRoot"/>
+      </p:par>
+    </p:tnLst>
+  </p:timing>
+</p:sld>
+</file>
+
+<file path=ppt/slides/slide19.xml><?xml version="1.0" encoding="utf-8"?>
+<p:sld xmlns:a="http://schemas.openxmlformats.org/drawingml/2006/main" xmlns:r="http://schemas.openxmlformats.org/officeDocument/2006/relationships" xmlns:p="http://schemas.openxmlformats.org/presentationml/2006/main">
+  <p:cSld>
+    <p:spTree>
+      <p:nvGrpSpPr>
+        <p:cNvPr id="1" name=""/>
+        <p:cNvGrpSpPr/>
+        <p:nvPr/>
+      </p:nvGrpSpPr>
+      <p:grpSpPr>
+        <a:xfrm>
+          <a:off x="0" y="0"/>
+          <a:ext cx="0" cy="0"/>
+          <a:chOff x="0" y="0"/>
+          <a:chExt cx="0" cy="0"/>
+        </a:xfrm>
+      </p:grpSpPr>
+      <p:sp>
+        <p:nvSpPr>
+          <p:cNvPr id="2" name="Title 1"/>
+          <p:cNvSpPr>
+            <a:spLocks noGrp="1"/>
+          </p:cNvSpPr>
+          <p:nvPr>
+            <p:ph type="title"/>
+          </p:nvPr>
+        </p:nvSpPr>
+        <p:spPr/>
+        <p:txBody>
+          <a:bodyPr/>
+          <a:lstStyle/>
+          <a:p>
+            <a:r>
+              <a:rPr lang="en-US" dirty="0" err="1" smtClean="0"/>
+              <a:t>MSTest</a:t>
+            </a:r>
+            <a:r>
+              <a:rPr lang="en-US" dirty="0" smtClean="0"/>
+              <a:t> framework</a:t>
+            </a:r>
+            <a:endParaRPr lang="en-US" dirty="0"/>
+          </a:p>
+        </p:txBody>
+      </p:sp>
+      <p:sp>
+        <p:nvSpPr>
+          <p:cNvPr id="3" name="Content Placeholder 2"/>
+          <p:cNvSpPr>
+            <a:spLocks noGrp="1"/>
+          </p:cNvSpPr>
+          <p:nvPr>
+            <p:ph idx="1"/>
+          </p:nvPr>
+        </p:nvSpPr>
+        <p:spPr>
+          <a:xfrm>
+            <a:off x="1295400" y="1594339"/>
+            <a:ext cx="9601200" cy="4196862"/>
+          </a:xfrm>
+        </p:spPr>
+        <p:txBody>
+          <a:bodyPr>
+            <a:noAutofit/>
+          </a:bodyPr>
+          <a:lstStyle/>
+          <a:p>
+            <a:pPr marL="274320" lvl="1" indent="-274320">
+              <a:buClr>
+                <a:schemeClr val="accent3"/>
+              </a:buClr>
+              <a:buSzPct val="95000"/>
+            </a:pPr>
+            <a:r>
+              <a:rPr lang="en-US" b="1" dirty="0"/>
+              <a:t>Using Visual Studio to write tests (</a:t>
+            </a:r>
+            <a:r>
+              <a:rPr lang="en-US" b="1" dirty="0" smtClean="0"/>
+              <a:t>Lab)</a:t>
+            </a:r>
+            <a:endParaRPr lang="en-US" b="1" dirty="0"/>
+          </a:p>
+          <a:p>
+            <a:pPr marL="548640" lvl="2" indent="-274320">
+              <a:buClr>
+                <a:schemeClr val="accent3"/>
+              </a:buClr>
+              <a:buSzPct val="95000"/>
+            </a:pPr>
+            <a:r>
+              <a:rPr lang="en-US" sz="2000" b="1" dirty="0"/>
+              <a:t>Add test project </a:t>
+            </a:r>
+            <a:r>
+              <a:rPr lang="en-US" sz="2000" dirty="0"/>
+              <a:t>(use &lt;</a:t>
+            </a:r>
+            <a:r>
+              <a:rPr lang="en-US" sz="2000" dirty="0" err="1"/>
+              <a:t>SolutionName</a:t>
+            </a:r>
+            <a:r>
+              <a:rPr lang="en-US" sz="2000" dirty="0"/>
+              <a:t>&gt;.Tests.&lt;</a:t>
+            </a:r>
+            <a:r>
+              <a:rPr lang="en-US" sz="2000" dirty="0" err="1"/>
+              <a:t>TypeOfTests</a:t>
+            </a:r>
+            <a:r>
+              <a:rPr lang="en-US" sz="2000" dirty="0"/>
+              <a:t>&gt; </a:t>
+            </a:r>
+            <a:r>
+              <a:rPr lang="en-US" dirty="0"/>
+              <a:t>convention)</a:t>
+            </a:r>
+            <a:endParaRPr lang="en-US" b="1" dirty="0"/>
+          </a:p>
+          <a:p>
+            <a:pPr marL="548640" lvl="2" indent="-274320">
+              <a:buClr>
+                <a:schemeClr val="accent3"/>
+              </a:buClr>
+              <a:buSzPct val="95000"/>
+            </a:pPr>
+            <a:r>
+              <a:rPr lang="en-US" sz="2000" b="1" dirty="0"/>
+              <a:t>Add tests</a:t>
+            </a:r>
+          </a:p>
+          <a:p>
+            <a:pPr marL="822960" lvl="3" indent="-274320">
+              <a:buSzPct val="95000"/>
+            </a:pPr>
+            <a:r>
+              <a:rPr lang="en-US" dirty="0"/>
+              <a:t>Use the Add New Test Option</a:t>
+            </a:r>
+          </a:p>
+          <a:p>
+            <a:pPr marL="822960" lvl="3" indent="-274320">
+              <a:buSzPct val="95000"/>
+            </a:pPr>
+            <a:r>
+              <a:rPr lang="en-US" dirty="0"/>
+              <a:t>Use the Add Unit Test Option</a:t>
+            </a:r>
+          </a:p>
+          <a:p>
+            <a:pPr marL="822960" lvl="3" indent="-274320">
+              <a:buSzPct val="95000"/>
+            </a:pPr>
+            <a:r>
+              <a:rPr lang="en-US" dirty="0"/>
+              <a:t>Use the Create Unit Tests… Option</a:t>
+            </a:r>
+          </a:p>
+          <a:p>
+            <a:pPr marL="822960" lvl="3" indent="-274320">
+              <a:buSzPct val="95000"/>
+            </a:pPr>
+            <a:r>
+              <a:rPr lang="en-US" dirty="0"/>
+              <a:t>Use the Add New Item option and create the class manually</a:t>
+            </a:r>
+          </a:p>
+          <a:p>
+            <a:pPr marL="548640" lvl="2" indent="-274320">
+              <a:buClr>
+                <a:schemeClr val="accent3"/>
+              </a:buClr>
+              <a:buSzPct val="95000"/>
+            </a:pPr>
+            <a:r>
+              <a:rPr lang="en-US" sz="2000" b="1" dirty="0"/>
+              <a:t>Test Properties (Owner, </a:t>
+            </a:r>
+            <a:r>
+              <a:rPr lang="en-US" sz="2000" b="1" dirty="0" err="1"/>
+              <a:t>Description,TestProperty</a:t>
+            </a:r>
+            <a:r>
+              <a:rPr lang="en-US" sz="2000" b="1" dirty="0"/>
+              <a:t>…)</a:t>
+            </a:r>
+            <a:endParaRPr lang="en-US" b="1" dirty="0"/>
+          </a:p>
+          <a:p>
+            <a:pPr marL="548640" lvl="2" indent="-274320">
+              <a:buClr>
+                <a:schemeClr val="accent3"/>
+              </a:buClr>
+              <a:buSzPct val="95000"/>
+            </a:pPr>
+            <a:r>
+              <a:rPr lang="en-US" sz="2000" b="1" dirty="0"/>
+              <a:t>Configure Tests</a:t>
+            </a:r>
+          </a:p>
+          <a:p>
+            <a:pPr marL="822960" lvl="3" indent="-274320">
+              <a:buSzPct val="95000"/>
+            </a:pPr>
+            <a:r>
+              <a:rPr lang="en-US" dirty="0"/>
+              <a:t>Manage Test Configurations</a:t>
+            </a:r>
+          </a:p>
+          <a:p>
+            <a:pPr marL="822960" lvl="3" indent="-274320">
+              <a:buSzPct val="95000"/>
+            </a:pPr>
+            <a:r>
+              <a:rPr lang="en-US" dirty="0"/>
+              <a:t>Manage Test Metadata (Test Lists)</a:t>
+            </a:r>
+            <a:endParaRPr lang="en-US" b="1" dirty="0"/>
+          </a:p>
+          <a:p>
+            <a:pPr marL="548640" lvl="2" indent="-274320">
+              <a:buClr>
+                <a:schemeClr val="accent3"/>
+              </a:buClr>
+              <a:buSzPct val="95000"/>
+            </a:pPr>
+            <a:r>
+              <a:rPr lang="en-US" sz="2000" b="1" dirty="0"/>
+              <a:t>Run/Debug Tests</a:t>
+            </a:r>
+          </a:p>
+          <a:p>
+            <a:pPr marL="548640" lvl="2" indent="-274320">
+              <a:buClr>
+                <a:schemeClr val="accent3"/>
+              </a:buClr>
+              <a:buSzPct val="95000"/>
+            </a:pPr>
+            <a:r>
+              <a:rPr lang="en-US" sz="2000" b="1" dirty="0"/>
+              <a:t>Gather Code Coverage</a:t>
+            </a:r>
+          </a:p>
+          <a:p>
+            <a:pPr marL="0" lvl="1" indent="0">
+              <a:buClr>
+                <a:schemeClr val="accent3"/>
+              </a:buClr>
+              <a:buSzPct val="95000"/>
+              <a:buNone/>
+            </a:pPr>
+            <a:endParaRPr lang="en-US" sz="2000" dirty="0"/>
+          </a:p>
+        </p:txBody>
+      </p:sp>
+    </p:spTree>
+    <p:extLst>
+      <p:ext uri="{BB962C8B-B14F-4D97-AF65-F5344CB8AC3E}">
+        <p14:creationId xmlns:p14="http://schemas.microsoft.com/office/powerpoint/2010/main" val="3528054965"/>
+      </p:ext>
+    </p:extLst>
+  </p:cSld>
+  <p:clrMapOvr>
+    <a:masterClrMapping/>
+  </p:clrMapOvr>
+  <mc:AlternateContent xmlns:mc="http://schemas.openxmlformats.org/markup-compatibility/2006" xmlns:p14="http://schemas.microsoft.com/office/powerpoint/2010/main">
+    <mc:Choice Requires="p14">
+      <p:transition p14:dur="0"/>
+    </mc:Choice>
+    <mc:Fallback xmlns="">
+      <p:transition/>
+    </mc:Fallback>
+  </mc:AlternateContent>
+  <p:timing>
+    <p:tnLst>
+      <p:par>
+        <p:cTn id="1" dur="indefinite" restart="never" nodeType="tmRoot"/>
+      </p:par>
+    </p:tnLst>
+  </p:timing>
+</p:sld>
+</file>
+
 <file path=ppt/slides/slide2.xml><?xml version="1.0" encoding="utf-8"?>
 <p:sld xmlns:a="http://schemas.openxmlformats.org/drawingml/2006/main" xmlns:r="http://schemas.openxmlformats.org/officeDocument/2006/relationships" xmlns:p="http://schemas.openxmlformats.org/presentationml/2006/main">
   <p:cSld>
@@ -15213,12 +17053,273 @@
             <p:ph idx="1"/>
           </p:nvPr>
         </p:nvSpPr>
-        <p:spPr/>
+        <p:spPr>
+          <a:xfrm>
+            <a:off x="6081345" y="2145323"/>
+            <a:ext cx="4554415" cy="3809999"/>
+          </a:xfrm>
+        </p:spPr>
         <p:txBody>
           <a:bodyPr/>
           <a:lstStyle/>
           <a:p>
             <a:r>
+              <a:rPr lang="en-US" dirty="0"/>
+              <a:t>JavaScript introduction</a:t>
+            </a:r>
+          </a:p>
+          <a:p>
+            <a:r>
+              <a:rPr lang="en-US" dirty="0"/>
+              <a:t>JavaScript </a:t>
+            </a:r>
+            <a:r>
+              <a:rPr lang="en-US" dirty="0" smtClean="0"/>
+              <a:t>libraries</a:t>
+            </a:r>
+          </a:p>
+          <a:p>
+            <a:r>
+              <a:rPr lang="en-US" dirty="0" err="1" smtClean="0"/>
+              <a:t>Goint</a:t>
+            </a:r>
+            <a:r>
+              <a:rPr lang="en-US" dirty="0" smtClean="0"/>
+              <a:t> to SPA  </a:t>
+            </a:r>
+            <a:r>
+              <a:rPr lang="en-US" dirty="0" smtClean="0">
+                <a:sym typeface="Wingdings" panose="05000000000000000000" pitchFamily="2" charset="2"/>
+              </a:rPr>
+              <a:t></a:t>
+            </a:r>
+            <a:endParaRPr lang="en-US" dirty="0"/>
+          </a:p>
+        </p:txBody>
+      </p:sp>
+      <p:sp>
+        <p:nvSpPr>
+          <p:cNvPr id="4" name="Content Placeholder 2"/>
+          <p:cNvSpPr txBox="1">
+            <a:spLocks/>
+          </p:cNvSpPr>
+          <p:nvPr/>
+        </p:nvSpPr>
+        <p:spPr>
+          <a:xfrm>
+            <a:off x="1447800" y="2133601"/>
+            <a:ext cx="4554415" cy="3809999"/>
+          </a:xfrm>
+          <a:prstGeom prst="rect">
+            <a:avLst/>
+          </a:prstGeom>
+        </p:spPr>
+        <p:txBody>
+          <a:bodyPr vert="horz" lIns="91440" tIns="45720" rIns="91440" bIns="45720" rtlCol="0">
+            <a:normAutofit/>
+          </a:bodyPr>
+          <a:lstStyle>
+            <a:lvl1pPr marL="228600" indent="-228600" algn="l" defTabSz="914400" rtl="0" eaLnBrk="1" latinLnBrk="0" hangingPunct="1">
+              <a:lnSpc>
+                <a:spcPct val="90000"/>
+              </a:lnSpc>
+              <a:spcBef>
+                <a:spcPts val="1800"/>
+              </a:spcBef>
+              <a:buClr>
+                <a:srgbClr val="016C48"/>
+              </a:buClr>
+              <a:buSzPct val="100000"/>
+              <a:buFont typeface="Arial" pitchFamily="34" charset="0"/>
+              <a:buChar char="•"/>
+              <a:defRPr sz="2000" kern="1200">
+                <a:solidFill>
+                  <a:schemeClr val="tx1"/>
+                </a:solidFill>
+                <a:latin typeface="Calibri" panose="020F0502020204030204" pitchFamily="34" charset="0"/>
+                <a:ea typeface="+mn-ea"/>
+                <a:cs typeface="+mn-cs"/>
+              </a:defRPr>
+            </a:lvl1pPr>
+            <a:lvl2pPr marL="457200" indent="-182880" algn="l" defTabSz="914400" rtl="0" eaLnBrk="1" latinLnBrk="0" hangingPunct="1">
+              <a:lnSpc>
+                <a:spcPct val="90000"/>
+              </a:lnSpc>
+              <a:spcBef>
+                <a:spcPts val="1200"/>
+              </a:spcBef>
+              <a:buClr>
+                <a:srgbClr val="016C48"/>
+              </a:buClr>
+              <a:buSzPct val="100000"/>
+              <a:buFont typeface="Arial" pitchFamily="34" charset="0"/>
+              <a:buChar char="-"/>
+              <a:defRPr sz="1800" kern="1200">
+                <a:solidFill>
+                  <a:schemeClr val="tx1"/>
+                </a:solidFill>
+                <a:latin typeface="Calibri" panose="020F0502020204030204" pitchFamily="34" charset="0"/>
+                <a:ea typeface="+mn-ea"/>
+                <a:cs typeface="+mn-cs"/>
+              </a:defRPr>
+            </a:lvl2pPr>
+            <a:lvl3pPr marL="685800" indent="-179388" algn="l" defTabSz="914400" rtl="0" eaLnBrk="1" latinLnBrk="0" hangingPunct="1">
+              <a:lnSpc>
+                <a:spcPct val="90000"/>
+              </a:lnSpc>
+              <a:spcBef>
+                <a:spcPts val="800"/>
+              </a:spcBef>
+              <a:buClr>
+                <a:srgbClr val="016C48"/>
+              </a:buClr>
+              <a:buSzPct val="100000"/>
+              <a:buFont typeface="Arial" pitchFamily="34" charset="0"/>
+              <a:buChar char="-"/>
+              <a:defRPr sz="1600" kern="1200">
+                <a:solidFill>
+                  <a:schemeClr val="tx1"/>
+                </a:solidFill>
+                <a:latin typeface="Calibri" panose="020F0502020204030204" pitchFamily="34" charset="0"/>
+                <a:ea typeface="+mn-ea"/>
+                <a:cs typeface="+mn-cs"/>
+              </a:defRPr>
+            </a:lvl3pPr>
+            <a:lvl4pPr marL="914400" indent="-182880" algn="l" defTabSz="914400" rtl="0" eaLnBrk="1" latinLnBrk="0" hangingPunct="1">
+              <a:lnSpc>
+                <a:spcPct val="90000"/>
+              </a:lnSpc>
+              <a:spcBef>
+                <a:spcPts val="800"/>
+              </a:spcBef>
+              <a:buClr>
+                <a:srgbClr val="016C48"/>
+              </a:buClr>
+              <a:buSzPct val="100000"/>
+              <a:buFont typeface="Arial" pitchFamily="34" charset="0"/>
+              <a:buChar char="-"/>
+              <a:defRPr sz="1400" kern="1200">
+                <a:solidFill>
+                  <a:schemeClr val="tx1"/>
+                </a:solidFill>
+                <a:latin typeface="Calibri" panose="020F0502020204030204" pitchFamily="34" charset="0"/>
+                <a:ea typeface="+mn-ea"/>
+                <a:cs typeface="+mn-cs"/>
+              </a:defRPr>
+            </a:lvl4pPr>
+            <a:lvl5pPr marL="1143000" indent="-179388" algn="l" defTabSz="914400" rtl="0" eaLnBrk="1" latinLnBrk="0" hangingPunct="1">
+              <a:lnSpc>
+                <a:spcPct val="90000"/>
+              </a:lnSpc>
+              <a:spcBef>
+                <a:spcPts val="600"/>
+              </a:spcBef>
+              <a:buClr>
+                <a:srgbClr val="016C48"/>
+              </a:buClr>
+              <a:buSzPct val="100000"/>
+              <a:buFont typeface="Arial" pitchFamily="34" charset="0"/>
+              <a:buChar char="-"/>
+              <a:defRPr sz="1400" kern="1200">
+                <a:solidFill>
+                  <a:schemeClr val="tx1"/>
+                </a:solidFill>
+                <a:latin typeface="Calibri" panose="020F0502020204030204" pitchFamily="34" charset="0"/>
+                <a:ea typeface="+mn-ea"/>
+                <a:cs typeface="+mn-cs"/>
+              </a:defRPr>
+            </a:lvl5pPr>
+            <a:lvl6pPr marL="1371600" indent="-182880" algn="l" defTabSz="914400" rtl="0" eaLnBrk="1" latinLnBrk="0" hangingPunct="1">
+              <a:lnSpc>
+                <a:spcPct val="90000"/>
+              </a:lnSpc>
+              <a:spcBef>
+                <a:spcPts val="600"/>
+              </a:spcBef>
+              <a:buClr>
+                <a:schemeClr val="accent1"/>
+              </a:buClr>
+              <a:buSzPct val="100000"/>
+              <a:buFont typeface="Arial" pitchFamily="34" charset="0"/>
+              <a:buChar char="▪"/>
+              <a:defRPr sz="1400" kern="1200">
+                <a:solidFill>
+                  <a:schemeClr val="tx1"/>
+                </a:solidFill>
+                <a:latin typeface="+mn-lt"/>
+                <a:ea typeface="+mn-ea"/>
+                <a:cs typeface="+mn-cs"/>
+              </a:defRPr>
+            </a:lvl6pPr>
+            <a:lvl7pPr marL="1600200" indent="-179388" algn="l" defTabSz="914400" rtl="0" eaLnBrk="1" latinLnBrk="0" hangingPunct="1">
+              <a:lnSpc>
+                <a:spcPct val="90000"/>
+              </a:lnSpc>
+              <a:spcBef>
+                <a:spcPts val="600"/>
+              </a:spcBef>
+              <a:buClr>
+                <a:schemeClr val="accent1"/>
+              </a:buClr>
+              <a:buSzPct val="100000"/>
+              <a:buFont typeface="Arial" pitchFamily="34" charset="0"/>
+              <a:buChar char="▪"/>
+              <a:defRPr sz="1400" kern="1200">
+                <a:solidFill>
+                  <a:schemeClr val="tx1"/>
+                </a:solidFill>
+                <a:latin typeface="+mn-lt"/>
+                <a:ea typeface="+mn-ea"/>
+                <a:cs typeface="+mn-cs"/>
+              </a:defRPr>
+            </a:lvl7pPr>
+            <a:lvl8pPr marL="1828800" indent="-182880" algn="l" defTabSz="914400" rtl="0" eaLnBrk="1" latinLnBrk="0" hangingPunct="1">
+              <a:lnSpc>
+                <a:spcPct val="90000"/>
+              </a:lnSpc>
+              <a:spcBef>
+                <a:spcPts val="600"/>
+              </a:spcBef>
+              <a:buClr>
+                <a:schemeClr val="accent1"/>
+              </a:buClr>
+              <a:buSzPct val="100000"/>
+              <a:buFont typeface="Arial" pitchFamily="34" charset="0"/>
+              <a:buChar char="▪"/>
+              <a:defRPr sz="1400" kern="1200">
+                <a:solidFill>
+                  <a:schemeClr val="tx1"/>
+                </a:solidFill>
+                <a:latin typeface="+mn-lt"/>
+                <a:ea typeface="+mn-ea"/>
+                <a:cs typeface="+mn-cs"/>
+              </a:defRPr>
+            </a:lvl8pPr>
+            <a:lvl9pPr marL="2057400" indent="-179388" algn="l" defTabSz="914400" rtl="0" eaLnBrk="1" latinLnBrk="0" hangingPunct="1">
+              <a:lnSpc>
+                <a:spcPct val="90000"/>
+              </a:lnSpc>
+              <a:spcBef>
+                <a:spcPts val="600"/>
+              </a:spcBef>
+              <a:buClr>
+                <a:schemeClr val="accent1"/>
+              </a:buClr>
+              <a:buSzPct val="100000"/>
+              <a:buFont typeface="Arial" pitchFamily="34" charset="0"/>
+              <a:buChar char="▪"/>
+              <a:defRPr sz="1400" kern="1200">
+                <a:solidFill>
+                  <a:schemeClr val="tx1"/>
+                </a:solidFill>
+                <a:latin typeface="+mn-lt"/>
+                <a:ea typeface="+mn-ea"/>
+                <a:cs typeface="+mn-cs"/>
+              </a:defRPr>
+            </a:lvl9pPr>
+          </a:lstStyle>
+          <a:p>
+            <a:r>
               <a:rPr lang="en-US" dirty="0" smtClean="0"/>
               <a:t>Application requirements brainstorming</a:t>
             </a:r>
@@ -15228,21 +17329,30 @@
               <a:rPr lang="en-US" dirty="0" smtClean="0"/>
               <a:t>Introduction to ASP.NET MVC project</a:t>
             </a:r>
-            <a:endParaRPr lang="en-US" dirty="0" smtClean="0"/>
           </a:p>
           <a:p>
             <a:r>
               <a:rPr lang="en-US" dirty="0" smtClean="0"/>
               <a:t>Setting up the solution</a:t>
             </a:r>
-            <a:endParaRPr lang="en-US" dirty="0" smtClean="0"/>
           </a:p>
           <a:p>
             <a:r>
               <a:rPr lang="en-US" dirty="0" smtClean="0"/>
               <a:t>Accessing data with EF</a:t>
             </a:r>
-            <a:endParaRPr lang="en-US" dirty="0"/>
+          </a:p>
+          <a:p>
+            <a:r>
+              <a:rPr lang="en-US" dirty="0" smtClean="0"/>
+              <a:t>Improving the design with patterns</a:t>
+            </a:r>
+          </a:p>
+          <a:p>
+            <a:r>
+              <a:rPr lang="en-US" dirty="0" smtClean="0"/>
+              <a:t>Unit testing</a:t>
+            </a:r>
           </a:p>
         </p:txBody>
       </p:sp>
@@ -15250,6 +17360,3498 @@
     <p:extLst>
       <p:ext uri="{BB962C8B-B14F-4D97-AF65-F5344CB8AC3E}">
         <p14:creationId xmlns:p14="http://schemas.microsoft.com/office/powerpoint/2010/main" val="3811197357"/>
+      </p:ext>
+    </p:extLst>
+  </p:cSld>
+  <p:clrMapOvr>
+    <a:masterClrMapping/>
+  </p:clrMapOvr>
+  <mc:AlternateContent xmlns:mc="http://schemas.openxmlformats.org/markup-compatibility/2006" xmlns:p14="http://schemas.microsoft.com/office/powerpoint/2010/main">
+    <mc:Choice Requires="p14">
+      <p:transition p14:dur="0"/>
+    </mc:Choice>
+    <mc:Fallback xmlns="">
+      <p:transition/>
+    </mc:Fallback>
+  </mc:AlternateContent>
+  <p:timing>
+    <p:tnLst>
+      <p:par>
+        <p:cTn id="1" dur="indefinite" restart="never" nodeType="tmRoot"/>
+      </p:par>
+    </p:tnLst>
+  </p:timing>
+</p:sld>
+</file>
+
+<file path=ppt/slides/slide20.xml><?xml version="1.0" encoding="utf-8"?>
+<p:sld xmlns:a="http://schemas.openxmlformats.org/drawingml/2006/main" xmlns:r="http://schemas.openxmlformats.org/officeDocument/2006/relationships" xmlns:p="http://schemas.openxmlformats.org/presentationml/2006/main">
+  <p:cSld>
+    <p:spTree>
+      <p:nvGrpSpPr>
+        <p:cNvPr id="1" name=""/>
+        <p:cNvGrpSpPr/>
+        <p:nvPr/>
+      </p:nvGrpSpPr>
+      <p:grpSpPr>
+        <a:xfrm>
+          <a:off x="0" y="0"/>
+          <a:ext cx="0" cy="0"/>
+          <a:chOff x="0" y="0"/>
+          <a:chExt cx="0" cy="0"/>
+        </a:xfrm>
+      </p:grpSpPr>
+      <p:sp>
+        <p:nvSpPr>
+          <p:cNvPr id="4" name="Title 3"/>
+          <p:cNvSpPr>
+            <a:spLocks noGrp="1"/>
+          </p:cNvSpPr>
+          <p:nvPr>
+            <p:ph type="title"/>
+          </p:nvPr>
+        </p:nvSpPr>
+        <p:spPr/>
+        <p:txBody>
+          <a:bodyPr>
+            <a:normAutofit/>
+          </a:bodyPr>
+          <a:lstStyle/>
+          <a:p>
+            <a:r>
+              <a:rPr lang="en-US" sz="5400" dirty="0" smtClean="0"/>
+              <a:t>JavaScript introduction</a:t>
+            </a:r>
+            <a:endParaRPr lang="en-US" sz="5400" dirty="0"/>
+          </a:p>
+        </p:txBody>
+      </p:sp>
+    </p:spTree>
+    <p:extLst>
+      <p:ext uri="{BB962C8B-B14F-4D97-AF65-F5344CB8AC3E}">
+        <p14:creationId xmlns:p14="http://schemas.microsoft.com/office/powerpoint/2010/main" val="1048828278"/>
+      </p:ext>
+    </p:extLst>
+  </p:cSld>
+  <p:clrMapOvr>
+    <a:masterClrMapping/>
+  </p:clrMapOvr>
+  <mc:AlternateContent xmlns:mc="http://schemas.openxmlformats.org/markup-compatibility/2006" xmlns:p14="http://schemas.microsoft.com/office/powerpoint/2010/main">
+    <mc:Choice Requires="p14">
+      <p:transition p14:dur="0"/>
+    </mc:Choice>
+    <mc:Fallback xmlns="">
+      <p:transition/>
+    </mc:Fallback>
+  </mc:AlternateContent>
+  <p:timing>
+    <p:tnLst>
+      <p:par>
+        <p:cTn id="1" dur="indefinite" restart="never" nodeType="tmRoot"/>
+      </p:par>
+    </p:tnLst>
+  </p:timing>
+</p:sld>
+</file>
+
+<file path=ppt/slides/slide21.xml><?xml version="1.0" encoding="utf-8"?>
+<p:sld xmlns:a="http://schemas.openxmlformats.org/drawingml/2006/main" xmlns:r="http://schemas.openxmlformats.org/officeDocument/2006/relationships" xmlns:p="http://schemas.openxmlformats.org/presentationml/2006/main">
+  <p:cSld>
+    <p:spTree>
+      <p:nvGrpSpPr>
+        <p:cNvPr id="1" name=""/>
+        <p:cNvGrpSpPr/>
+        <p:nvPr/>
+      </p:nvGrpSpPr>
+      <p:grpSpPr>
+        <a:xfrm>
+          <a:off x="0" y="0"/>
+          <a:ext cx="0" cy="0"/>
+          <a:chOff x="0" y="0"/>
+          <a:chExt cx="0" cy="0"/>
+        </a:xfrm>
+      </p:grpSpPr>
+      <p:sp>
+        <p:nvSpPr>
+          <p:cNvPr id="2" name="Title 1"/>
+          <p:cNvSpPr>
+            <a:spLocks noGrp="1"/>
+          </p:cNvSpPr>
+          <p:nvPr>
+            <p:ph type="title"/>
+          </p:nvPr>
+        </p:nvSpPr>
+        <p:spPr/>
+        <p:txBody>
+          <a:bodyPr/>
+          <a:lstStyle/>
+          <a:p>
+            <a:r>
+              <a:rPr lang="en-US" dirty="0" smtClean="0"/>
+              <a:t>JavaScript intro</a:t>
+            </a:r>
+            <a:endParaRPr lang="en-US" dirty="0"/>
+          </a:p>
+        </p:txBody>
+      </p:sp>
+      <p:sp>
+        <p:nvSpPr>
+          <p:cNvPr id="3" name="Content Placeholder 2"/>
+          <p:cNvSpPr>
+            <a:spLocks noGrp="1"/>
+          </p:cNvSpPr>
+          <p:nvPr>
+            <p:ph idx="1"/>
+          </p:nvPr>
+        </p:nvSpPr>
+        <p:spPr>
+          <a:xfrm>
+            <a:off x="1295400" y="1594339"/>
+            <a:ext cx="9601200" cy="4196862"/>
+          </a:xfrm>
+        </p:spPr>
+        <p:txBody>
+          <a:bodyPr>
+            <a:noAutofit/>
+          </a:bodyPr>
+          <a:lstStyle/>
+          <a:p>
+            <a:pPr marL="0" lvl="1" indent="0">
+              <a:buClr>
+                <a:schemeClr val="accent3"/>
+              </a:buClr>
+              <a:buSzPct val="95000"/>
+              <a:buNone/>
+            </a:pPr>
+            <a:r>
+              <a:rPr lang="en-US" sz="2000" dirty="0" smtClean="0"/>
+              <a:t>-JavaScript and Java are totally different</a:t>
+            </a:r>
+          </a:p>
+          <a:p>
+            <a:pPr marL="0" lvl="1" indent="0">
+              <a:buClr>
+                <a:schemeClr val="accent3"/>
+              </a:buClr>
+              <a:buSzPct val="95000"/>
+              <a:buNone/>
+            </a:pPr>
+            <a:r>
+              <a:rPr lang="en-US" sz="2000" dirty="0" smtClean="0"/>
+              <a:t>-JavaScript – scripting language executed in the browsers </a:t>
+            </a:r>
+          </a:p>
+          <a:p>
+            <a:pPr marL="0" lvl="1" indent="0">
+              <a:buClr>
+                <a:schemeClr val="accent3"/>
+              </a:buClr>
+              <a:buSzPct val="95000"/>
+              <a:buNone/>
+            </a:pPr>
+            <a:r>
+              <a:rPr lang="en-US" sz="2000" dirty="0" smtClean="0"/>
+              <a:t>-&lt;script&gt; tag</a:t>
+            </a:r>
+          </a:p>
+          <a:p>
+            <a:pPr marL="0" lvl="1" indent="0">
+              <a:buClr>
+                <a:schemeClr val="accent3"/>
+              </a:buClr>
+              <a:buSzPct val="95000"/>
+              <a:buNone/>
+            </a:pPr>
+            <a:r>
+              <a:rPr lang="en-US" sz="2000" dirty="0"/>
+              <a:t>	</a:t>
+            </a:r>
+            <a:r>
+              <a:rPr lang="en-US" sz="2000" dirty="0" smtClean="0"/>
+              <a:t>write JS code</a:t>
+            </a:r>
+          </a:p>
+          <a:p>
+            <a:pPr marL="0" lvl="1" indent="0">
+              <a:buClr>
+                <a:schemeClr val="accent3"/>
+              </a:buClr>
+              <a:buSzPct val="95000"/>
+              <a:buNone/>
+            </a:pPr>
+            <a:r>
+              <a:rPr lang="en-US" sz="2000" dirty="0"/>
+              <a:t>	</a:t>
+            </a:r>
+            <a:r>
+              <a:rPr lang="en-US" sz="2000" dirty="0" smtClean="0"/>
+              <a:t>include .</a:t>
+            </a:r>
+            <a:r>
+              <a:rPr lang="en-US" sz="2000" dirty="0" err="1" smtClean="0"/>
+              <a:t>js</a:t>
+            </a:r>
+            <a:r>
+              <a:rPr lang="en-US" sz="2000" dirty="0" smtClean="0"/>
+              <a:t> file (can be cached)</a:t>
+            </a:r>
+          </a:p>
+          <a:p>
+            <a:pPr marL="0" lvl="1" indent="0">
+              <a:buClr>
+                <a:schemeClr val="accent3"/>
+              </a:buClr>
+              <a:buSzPct val="95000"/>
+              <a:buNone/>
+            </a:pPr>
+            <a:r>
+              <a:rPr lang="en-US" sz="2000" dirty="0" smtClean="0"/>
+              <a:t>	&lt;head&gt; or &lt;body&gt;</a:t>
+            </a:r>
+          </a:p>
+          <a:p>
+            <a:pPr marL="0" lvl="1" indent="0">
+              <a:buClr>
+                <a:schemeClr val="accent3"/>
+              </a:buClr>
+              <a:buSzPct val="95000"/>
+              <a:buNone/>
+            </a:pPr>
+            <a:r>
+              <a:rPr lang="en-US" sz="2000" dirty="0" smtClean="0"/>
+              <a:t>-what can JS do</a:t>
+            </a:r>
+          </a:p>
+          <a:p>
+            <a:pPr marL="0" lvl="1" indent="0">
+              <a:buClr>
+                <a:schemeClr val="accent3"/>
+              </a:buClr>
+              <a:buSzPct val="95000"/>
+              <a:buNone/>
+            </a:pPr>
+            <a:r>
+              <a:rPr lang="en-US" sz="2000" dirty="0"/>
+              <a:t>	</a:t>
+            </a:r>
+            <a:r>
+              <a:rPr lang="en-US" sz="2000" dirty="0" smtClean="0"/>
+              <a:t>manipulate DOM (change HTML content, change HTML </a:t>
+            </a:r>
+            <a:r>
+              <a:rPr lang="en-US" sz="2000" dirty="0" err="1" smtClean="0"/>
+              <a:t>attr</a:t>
+            </a:r>
+            <a:r>
+              <a:rPr lang="en-US" sz="2000" dirty="0" smtClean="0"/>
+              <a:t>, change CSS)</a:t>
+            </a:r>
+          </a:p>
+          <a:p>
+            <a:pPr marL="0" lvl="1" indent="0">
+              <a:buClr>
+                <a:schemeClr val="accent3"/>
+              </a:buClr>
+              <a:buSzPct val="95000"/>
+              <a:buNone/>
+            </a:pPr>
+            <a:r>
+              <a:rPr lang="en-US" sz="2000" dirty="0"/>
+              <a:t>	</a:t>
+            </a:r>
+            <a:r>
+              <a:rPr lang="en-US" sz="2000" dirty="0" smtClean="0"/>
+              <a:t>logic (client validation,  calculations, capture user input, </a:t>
+            </a:r>
+            <a:r>
+              <a:rPr lang="en-US" sz="2000" dirty="0" err="1" smtClean="0"/>
+              <a:t>etc</a:t>
+            </a:r>
+            <a:r>
+              <a:rPr lang="en-US" sz="2000" dirty="0" smtClean="0"/>
+              <a:t>)</a:t>
+            </a:r>
+          </a:p>
+          <a:p>
+            <a:pPr marL="0" lvl="1" indent="0">
+              <a:buClr>
+                <a:schemeClr val="accent3"/>
+              </a:buClr>
+              <a:buSzPct val="95000"/>
+              <a:buNone/>
+            </a:pPr>
+            <a:r>
+              <a:rPr lang="en-US" sz="2000" dirty="0"/>
+              <a:t>	</a:t>
+            </a:r>
+            <a:endParaRPr lang="en-US" sz="2000" dirty="0"/>
+          </a:p>
+        </p:txBody>
+      </p:sp>
+    </p:spTree>
+    <p:extLst>
+      <p:ext uri="{BB962C8B-B14F-4D97-AF65-F5344CB8AC3E}">
+        <p14:creationId xmlns:p14="http://schemas.microsoft.com/office/powerpoint/2010/main" val="556896868"/>
+      </p:ext>
+    </p:extLst>
+  </p:cSld>
+  <p:clrMapOvr>
+    <a:masterClrMapping/>
+  </p:clrMapOvr>
+  <mc:AlternateContent xmlns:mc="http://schemas.openxmlformats.org/markup-compatibility/2006" xmlns:p14="http://schemas.microsoft.com/office/powerpoint/2010/main">
+    <mc:Choice Requires="p14">
+      <p:transition p14:dur="0"/>
+    </mc:Choice>
+    <mc:Fallback xmlns="">
+      <p:transition/>
+    </mc:Fallback>
+  </mc:AlternateContent>
+  <p:timing>
+    <p:tnLst>
+      <p:par>
+        <p:cTn id="1" dur="indefinite" restart="never" nodeType="tmRoot"/>
+      </p:par>
+    </p:tnLst>
+  </p:timing>
+</p:sld>
+</file>
+
+<file path=ppt/slides/slide22.xml><?xml version="1.0" encoding="utf-8"?>
+<p:sld xmlns:a="http://schemas.openxmlformats.org/drawingml/2006/main" xmlns:r="http://schemas.openxmlformats.org/officeDocument/2006/relationships" xmlns:p="http://schemas.openxmlformats.org/presentationml/2006/main">
+  <p:cSld>
+    <p:spTree>
+      <p:nvGrpSpPr>
+        <p:cNvPr id="1" name=""/>
+        <p:cNvGrpSpPr/>
+        <p:nvPr/>
+      </p:nvGrpSpPr>
+      <p:grpSpPr>
+        <a:xfrm>
+          <a:off x="0" y="0"/>
+          <a:ext cx="0" cy="0"/>
+          <a:chOff x="0" y="0"/>
+          <a:chExt cx="0" cy="0"/>
+        </a:xfrm>
+      </p:grpSpPr>
+      <p:sp>
+        <p:nvSpPr>
+          <p:cNvPr id="2" name="Title 1"/>
+          <p:cNvSpPr>
+            <a:spLocks noGrp="1"/>
+          </p:cNvSpPr>
+          <p:nvPr>
+            <p:ph type="title"/>
+          </p:nvPr>
+        </p:nvSpPr>
+        <p:spPr>
+          <a:xfrm>
+            <a:off x="1295400" y="152163"/>
+            <a:ext cx="9601200" cy="1142385"/>
+          </a:xfrm>
+        </p:spPr>
+        <p:txBody>
+          <a:bodyPr/>
+          <a:lstStyle/>
+          <a:p>
+            <a:r>
+              <a:rPr lang="en-US" dirty="0" smtClean="0"/>
+              <a:t>JavaScript </a:t>
+            </a:r>
+            <a:r>
+              <a:rPr lang="en-US" dirty="0" err="1" smtClean="0"/>
+              <a:t>elements&amp;</a:t>
+            </a:r>
+            <a:r>
+              <a:rPr lang="en-US" dirty="0" err="1" smtClean="0"/>
+              <a:t>syntax</a:t>
+            </a:r>
+            <a:endParaRPr lang="en-US" dirty="0"/>
+          </a:p>
+        </p:txBody>
+      </p:sp>
+      <p:sp>
+        <p:nvSpPr>
+          <p:cNvPr id="3" name="Content Placeholder 2"/>
+          <p:cNvSpPr>
+            <a:spLocks noGrp="1"/>
+          </p:cNvSpPr>
+          <p:nvPr>
+            <p:ph idx="1"/>
+          </p:nvPr>
+        </p:nvSpPr>
+        <p:spPr>
+          <a:xfrm>
+            <a:off x="451344" y="1242649"/>
+            <a:ext cx="6488723" cy="4196862"/>
+          </a:xfrm>
+        </p:spPr>
+        <p:txBody>
+          <a:bodyPr>
+            <a:noAutofit/>
+          </a:bodyPr>
+          <a:lstStyle/>
+          <a:p>
+            <a:pPr marL="0" lvl="1" indent="0">
+              <a:buClr>
+                <a:schemeClr val="accent3"/>
+              </a:buClr>
+              <a:buSzPct val="95000"/>
+              <a:buNone/>
+            </a:pPr>
+            <a:r>
+              <a:rPr lang="en-US" sz="2000" b="1" i="1" dirty="0" smtClean="0"/>
+              <a:t>-Statements</a:t>
+            </a:r>
+          </a:p>
+          <a:p>
+            <a:pPr marL="0" lvl="1" indent="0">
+              <a:buClr>
+                <a:schemeClr val="accent3"/>
+              </a:buClr>
+              <a:buSzPct val="95000"/>
+              <a:buNone/>
+            </a:pPr>
+            <a:r>
+              <a:rPr lang="en-US" sz="2000" dirty="0"/>
+              <a:t>	</a:t>
+            </a:r>
+            <a:r>
+              <a:rPr lang="en-US" sz="2000" dirty="0" smtClean="0"/>
+              <a:t>end with ;</a:t>
+            </a:r>
+          </a:p>
+          <a:p>
+            <a:pPr marL="0" lvl="1" indent="0">
+              <a:buClr>
+                <a:schemeClr val="accent3"/>
+              </a:buClr>
+              <a:buSzPct val="95000"/>
+              <a:buNone/>
+            </a:pPr>
+            <a:r>
+              <a:rPr lang="en-US" sz="2000" dirty="0"/>
+              <a:t>	</a:t>
+            </a:r>
+            <a:r>
+              <a:rPr lang="en-US" sz="2000" dirty="0" smtClean="0"/>
+              <a:t>//comment single line</a:t>
+            </a:r>
+          </a:p>
+          <a:p>
+            <a:pPr marL="0" lvl="1" indent="0">
+              <a:buClr>
+                <a:schemeClr val="accent3"/>
+              </a:buClr>
+              <a:buSzPct val="95000"/>
+              <a:buNone/>
+            </a:pPr>
+            <a:r>
+              <a:rPr lang="en-US" sz="2000" dirty="0"/>
+              <a:t>	</a:t>
+            </a:r>
+            <a:r>
+              <a:rPr lang="en-US" sz="2000" dirty="0" smtClean="0"/>
+              <a:t>/*comment multiline */</a:t>
+            </a:r>
+          </a:p>
+          <a:p>
+            <a:pPr marL="0" lvl="1" indent="0">
+              <a:buClr>
+                <a:schemeClr val="accent3"/>
+              </a:buClr>
+              <a:buSzPct val="95000"/>
+              <a:buNone/>
+            </a:pPr>
+            <a:r>
+              <a:rPr lang="en-US" sz="2000" dirty="0"/>
+              <a:t>	</a:t>
+            </a:r>
+            <a:r>
+              <a:rPr lang="en-US" sz="2000" dirty="0" smtClean="0"/>
+              <a:t>{…} //code block</a:t>
+            </a:r>
+          </a:p>
+          <a:p>
+            <a:pPr marL="0" lvl="1" indent="0">
+              <a:buClr>
+                <a:schemeClr val="accent3"/>
+              </a:buClr>
+              <a:buSzPct val="95000"/>
+              <a:buNone/>
+            </a:pPr>
+            <a:r>
+              <a:rPr lang="en-US" sz="2000" b="1" i="1" dirty="0" smtClean="0"/>
+              <a:t>-Literals</a:t>
+            </a:r>
+          </a:p>
+          <a:p>
+            <a:pPr marL="0" lvl="1" indent="0">
+              <a:buClr>
+                <a:schemeClr val="accent3"/>
+              </a:buClr>
+              <a:buSzPct val="95000"/>
+              <a:buNone/>
+            </a:pPr>
+            <a:r>
+              <a:rPr lang="en-US" sz="2000" dirty="0"/>
+              <a:t>	</a:t>
+            </a:r>
+            <a:r>
+              <a:rPr lang="en-US" sz="2000" dirty="0" smtClean="0"/>
+              <a:t>numeric: 10, 10.5</a:t>
+            </a:r>
+          </a:p>
+          <a:p>
+            <a:pPr marL="0" lvl="1" indent="0">
+              <a:buClr>
+                <a:schemeClr val="accent3"/>
+              </a:buClr>
+              <a:buSzPct val="95000"/>
+              <a:buNone/>
+            </a:pPr>
+            <a:r>
+              <a:rPr lang="en-US" sz="2000" dirty="0"/>
+              <a:t>	</a:t>
+            </a:r>
+            <a:r>
+              <a:rPr lang="en-US" sz="2000" dirty="0" smtClean="0"/>
+              <a:t>string: ‘.NET Talent’ , “.NET Talent”, “.NET </a:t>
+            </a:r>
+            <a:r>
+              <a:rPr lang="en-US" sz="2000" dirty="0" err="1" smtClean="0"/>
+              <a:t>T’alent</a:t>
+            </a:r>
+            <a:r>
+              <a:rPr lang="en-US" sz="2000" dirty="0" smtClean="0"/>
+              <a:t>”</a:t>
+            </a:r>
+          </a:p>
+          <a:p>
+            <a:pPr marL="0" lvl="1" indent="0">
+              <a:buClr>
+                <a:schemeClr val="accent3"/>
+              </a:buClr>
+              <a:buSzPct val="95000"/>
+              <a:buNone/>
+            </a:pPr>
+            <a:r>
+              <a:rPr lang="en-US" sz="2000" b="1" i="1" dirty="0" smtClean="0"/>
+              <a:t>-Keywords</a:t>
+            </a:r>
+          </a:p>
+          <a:p>
+            <a:pPr marL="0" lvl="1" indent="0">
+              <a:buClr>
+                <a:schemeClr val="accent3"/>
+              </a:buClr>
+              <a:buSzPct val="95000"/>
+              <a:buNone/>
+            </a:pPr>
+            <a:r>
+              <a:rPr lang="en-US" sz="2000" dirty="0" smtClean="0"/>
+              <a:t>	</a:t>
+            </a:r>
+            <a:r>
+              <a:rPr lang="en-US" sz="2000" dirty="0" err="1" smtClean="0"/>
+              <a:t>var</a:t>
+            </a:r>
+            <a:r>
+              <a:rPr lang="en-US" sz="2000" dirty="0" smtClean="0"/>
+              <a:t>, function, this, break, continue, for, </a:t>
+            </a:r>
+            <a:r>
+              <a:rPr lang="en-US" sz="2000" dirty="0" err="1" smtClean="0"/>
+              <a:t>do..while</a:t>
+            </a:r>
+            <a:r>
+              <a:rPr lang="en-US" sz="2000" dirty="0" smtClean="0"/>
+              <a:t>,  </a:t>
+            </a:r>
+          </a:p>
+          <a:p>
+            <a:pPr marL="0" lvl="1" indent="0">
+              <a:buClr>
+                <a:schemeClr val="accent3"/>
+              </a:buClr>
+              <a:buSzPct val="95000"/>
+              <a:buNone/>
+            </a:pPr>
+            <a:r>
+              <a:rPr lang="en-US" sz="2000" dirty="0"/>
+              <a:t>	</a:t>
+            </a:r>
+            <a:r>
+              <a:rPr lang="en-US" sz="2000" dirty="0" err="1" smtClean="0"/>
+              <a:t>if..else</a:t>
+            </a:r>
+            <a:r>
+              <a:rPr lang="en-US" sz="2000" dirty="0" smtClean="0"/>
+              <a:t>, switch, return, </a:t>
+            </a:r>
+            <a:r>
+              <a:rPr lang="en-US" sz="2000" dirty="0" err="1" smtClean="0"/>
+              <a:t>try..catch</a:t>
+            </a:r>
+            <a:r>
+              <a:rPr lang="en-US" sz="2000" dirty="0" smtClean="0"/>
+              <a:t>, debugger</a:t>
+            </a:r>
+          </a:p>
+          <a:p>
+            <a:pPr marL="0" lvl="1" indent="0">
+              <a:buClr>
+                <a:schemeClr val="accent3"/>
+              </a:buClr>
+              <a:buSzPct val="95000"/>
+              <a:buNone/>
+            </a:pPr>
+            <a:r>
+              <a:rPr lang="en-US" sz="2000" dirty="0"/>
+              <a:t>	</a:t>
+            </a:r>
+            <a:endParaRPr lang="en-US" sz="2000" dirty="0"/>
+          </a:p>
+        </p:txBody>
+      </p:sp>
+      <p:sp>
+        <p:nvSpPr>
+          <p:cNvPr id="4" name="Content Placeholder 2"/>
+          <p:cNvSpPr txBox="1">
+            <a:spLocks/>
+          </p:cNvSpPr>
+          <p:nvPr/>
+        </p:nvSpPr>
+        <p:spPr>
+          <a:xfrm>
+            <a:off x="6641121" y="1230927"/>
+            <a:ext cx="6488723" cy="4196862"/>
+          </a:xfrm>
+          <a:prstGeom prst="rect">
+            <a:avLst/>
+          </a:prstGeom>
+        </p:spPr>
+        <p:txBody>
+          <a:bodyPr vert="horz" lIns="91440" tIns="45720" rIns="91440" bIns="45720" rtlCol="0">
+            <a:noAutofit/>
+          </a:bodyPr>
+          <a:lstStyle>
+            <a:lvl1pPr marL="228600" indent="-228600" algn="l" defTabSz="914400" rtl="0" eaLnBrk="1" latinLnBrk="0" hangingPunct="1">
+              <a:lnSpc>
+                <a:spcPct val="90000"/>
+              </a:lnSpc>
+              <a:spcBef>
+                <a:spcPts val="1800"/>
+              </a:spcBef>
+              <a:buClr>
+                <a:srgbClr val="016C48"/>
+              </a:buClr>
+              <a:buSzPct val="100000"/>
+              <a:buFont typeface="Arial" pitchFamily="34" charset="0"/>
+              <a:buChar char="•"/>
+              <a:defRPr sz="2000" kern="1200">
+                <a:solidFill>
+                  <a:schemeClr val="tx1"/>
+                </a:solidFill>
+                <a:latin typeface="Calibri" panose="020F0502020204030204" pitchFamily="34" charset="0"/>
+                <a:ea typeface="+mn-ea"/>
+                <a:cs typeface="+mn-cs"/>
+              </a:defRPr>
+            </a:lvl1pPr>
+            <a:lvl2pPr marL="457200" indent="-182880" algn="l" defTabSz="914400" rtl="0" eaLnBrk="1" latinLnBrk="0" hangingPunct="1">
+              <a:lnSpc>
+                <a:spcPct val="90000"/>
+              </a:lnSpc>
+              <a:spcBef>
+                <a:spcPts val="1200"/>
+              </a:spcBef>
+              <a:buClr>
+                <a:srgbClr val="016C48"/>
+              </a:buClr>
+              <a:buSzPct val="100000"/>
+              <a:buFont typeface="Arial" pitchFamily="34" charset="0"/>
+              <a:buChar char="-"/>
+              <a:defRPr sz="1800" kern="1200">
+                <a:solidFill>
+                  <a:schemeClr val="tx1"/>
+                </a:solidFill>
+                <a:latin typeface="Calibri" panose="020F0502020204030204" pitchFamily="34" charset="0"/>
+                <a:ea typeface="+mn-ea"/>
+                <a:cs typeface="+mn-cs"/>
+              </a:defRPr>
+            </a:lvl2pPr>
+            <a:lvl3pPr marL="685800" indent="-179388" algn="l" defTabSz="914400" rtl="0" eaLnBrk="1" latinLnBrk="0" hangingPunct="1">
+              <a:lnSpc>
+                <a:spcPct val="90000"/>
+              </a:lnSpc>
+              <a:spcBef>
+                <a:spcPts val="800"/>
+              </a:spcBef>
+              <a:buClr>
+                <a:srgbClr val="016C48"/>
+              </a:buClr>
+              <a:buSzPct val="100000"/>
+              <a:buFont typeface="Arial" pitchFamily="34" charset="0"/>
+              <a:buChar char="-"/>
+              <a:defRPr sz="1600" kern="1200">
+                <a:solidFill>
+                  <a:schemeClr val="tx1"/>
+                </a:solidFill>
+                <a:latin typeface="Calibri" panose="020F0502020204030204" pitchFamily="34" charset="0"/>
+                <a:ea typeface="+mn-ea"/>
+                <a:cs typeface="+mn-cs"/>
+              </a:defRPr>
+            </a:lvl3pPr>
+            <a:lvl4pPr marL="914400" indent="-182880" algn="l" defTabSz="914400" rtl="0" eaLnBrk="1" latinLnBrk="0" hangingPunct="1">
+              <a:lnSpc>
+                <a:spcPct val="90000"/>
+              </a:lnSpc>
+              <a:spcBef>
+                <a:spcPts val="800"/>
+              </a:spcBef>
+              <a:buClr>
+                <a:srgbClr val="016C48"/>
+              </a:buClr>
+              <a:buSzPct val="100000"/>
+              <a:buFont typeface="Arial" pitchFamily="34" charset="0"/>
+              <a:buChar char="-"/>
+              <a:defRPr sz="1400" kern="1200">
+                <a:solidFill>
+                  <a:schemeClr val="tx1"/>
+                </a:solidFill>
+                <a:latin typeface="Calibri" panose="020F0502020204030204" pitchFamily="34" charset="0"/>
+                <a:ea typeface="+mn-ea"/>
+                <a:cs typeface="+mn-cs"/>
+              </a:defRPr>
+            </a:lvl4pPr>
+            <a:lvl5pPr marL="1143000" indent="-179388" algn="l" defTabSz="914400" rtl="0" eaLnBrk="1" latinLnBrk="0" hangingPunct="1">
+              <a:lnSpc>
+                <a:spcPct val="90000"/>
+              </a:lnSpc>
+              <a:spcBef>
+                <a:spcPts val="600"/>
+              </a:spcBef>
+              <a:buClr>
+                <a:srgbClr val="016C48"/>
+              </a:buClr>
+              <a:buSzPct val="100000"/>
+              <a:buFont typeface="Arial" pitchFamily="34" charset="0"/>
+              <a:buChar char="-"/>
+              <a:defRPr sz="1400" kern="1200">
+                <a:solidFill>
+                  <a:schemeClr val="tx1"/>
+                </a:solidFill>
+                <a:latin typeface="Calibri" panose="020F0502020204030204" pitchFamily="34" charset="0"/>
+                <a:ea typeface="+mn-ea"/>
+                <a:cs typeface="+mn-cs"/>
+              </a:defRPr>
+            </a:lvl5pPr>
+            <a:lvl6pPr marL="1371600" indent="-182880" algn="l" defTabSz="914400" rtl="0" eaLnBrk="1" latinLnBrk="0" hangingPunct="1">
+              <a:lnSpc>
+                <a:spcPct val="90000"/>
+              </a:lnSpc>
+              <a:spcBef>
+                <a:spcPts val="600"/>
+              </a:spcBef>
+              <a:buClr>
+                <a:schemeClr val="accent1"/>
+              </a:buClr>
+              <a:buSzPct val="100000"/>
+              <a:buFont typeface="Arial" pitchFamily="34" charset="0"/>
+              <a:buChar char="▪"/>
+              <a:defRPr sz="1400" kern="1200">
+                <a:solidFill>
+                  <a:schemeClr val="tx1"/>
+                </a:solidFill>
+                <a:latin typeface="+mn-lt"/>
+                <a:ea typeface="+mn-ea"/>
+                <a:cs typeface="+mn-cs"/>
+              </a:defRPr>
+            </a:lvl6pPr>
+            <a:lvl7pPr marL="1600200" indent="-179388" algn="l" defTabSz="914400" rtl="0" eaLnBrk="1" latinLnBrk="0" hangingPunct="1">
+              <a:lnSpc>
+                <a:spcPct val="90000"/>
+              </a:lnSpc>
+              <a:spcBef>
+                <a:spcPts val="600"/>
+              </a:spcBef>
+              <a:buClr>
+                <a:schemeClr val="accent1"/>
+              </a:buClr>
+              <a:buSzPct val="100000"/>
+              <a:buFont typeface="Arial" pitchFamily="34" charset="0"/>
+              <a:buChar char="▪"/>
+              <a:defRPr sz="1400" kern="1200">
+                <a:solidFill>
+                  <a:schemeClr val="tx1"/>
+                </a:solidFill>
+                <a:latin typeface="+mn-lt"/>
+                <a:ea typeface="+mn-ea"/>
+                <a:cs typeface="+mn-cs"/>
+              </a:defRPr>
+            </a:lvl7pPr>
+            <a:lvl8pPr marL="1828800" indent="-182880" algn="l" defTabSz="914400" rtl="0" eaLnBrk="1" latinLnBrk="0" hangingPunct="1">
+              <a:lnSpc>
+                <a:spcPct val="90000"/>
+              </a:lnSpc>
+              <a:spcBef>
+                <a:spcPts val="600"/>
+              </a:spcBef>
+              <a:buClr>
+                <a:schemeClr val="accent1"/>
+              </a:buClr>
+              <a:buSzPct val="100000"/>
+              <a:buFont typeface="Arial" pitchFamily="34" charset="0"/>
+              <a:buChar char="▪"/>
+              <a:defRPr sz="1400" kern="1200">
+                <a:solidFill>
+                  <a:schemeClr val="tx1"/>
+                </a:solidFill>
+                <a:latin typeface="+mn-lt"/>
+                <a:ea typeface="+mn-ea"/>
+                <a:cs typeface="+mn-cs"/>
+              </a:defRPr>
+            </a:lvl8pPr>
+            <a:lvl9pPr marL="2057400" indent="-179388" algn="l" defTabSz="914400" rtl="0" eaLnBrk="1" latinLnBrk="0" hangingPunct="1">
+              <a:lnSpc>
+                <a:spcPct val="90000"/>
+              </a:lnSpc>
+              <a:spcBef>
+                <a:spcPts val="600"/>
+              </a:spcBef>
+              <a:buClr>
+                <a:schemeClr val="accent1"/>
+              </a:buClr>
+              <a:buSzPct val="100000"/>
+              <a:buFont typeface="Arial" pitchFamily="34" charset="0"/>
+              <a:buChar char="▪"/>
+              <a:defRPr sz="1400" kern="1200">
+                <a:solidFill>
+                  <a:schemeClr val="tx1"/>
+                </a:solidFill>
+                <a:latin typeface="+mn-lt"/>
+                <a:ea typeface="+mn-ea"/>
+                <a:cs typeface="+mn-cs"/>
+              </a:defRPr>
+            </a:lvl9pPr>
+          </a:lstStyle>
+          <a:p>
+            <a:pPr marL="0" lvl="1" indent="0">
+              <a:buClr>
+                <a:schemeClr val="accent3"/>
+              </a:buClr>
+              <a:buSzPct val="95000"/>
+              <a:buFont typeface="Arial" pitchFamily="34" charset="0"/>
+              <a:buNone/>
+            </a:pPr>
+            <a:r>
+              <a:rPr lang="en-US" sz="2000" b="1" i="1" dirty="0" smtClean="0"/>
+              <a:t>-Variables</a:t>
+            </a:r>
+          </a:p>
+          <a:p>
+            <a:pPr marL="0" lvl="1" indent="0">
+              <a:buClr>
+                <a:schemeClr val="accent3"/>
+              </a:buClr>
+              <a:buSzPct val="95000"/>
+              <a:buFont typeface="Arial" pitchFamily="34" charset="0"/>
+              <a:buNone/>
+            </a:pPr>
+            <a:r>
+              <a:rPr lang="en-US" sz="2000" b="1" i="1" dirty="0" smtClean="0"/>
+              <a:t>	</a:t>
+            </a:r>
+            <a:r>
+              <a:rPr lang="en-US" sz="2000" b="1" i="1" dirty="0" err="1" smtClean="0"/>
+              <a:t>var</a:t>
+            </a:r>
+            <a:r>
+              <a:rPr lang="en-US" sz="2000" dirty="0" smtClean="0"/>
+              <a:t> </a:t>
+            </a:r>
+            <a:r>
+              <a:rPr lang="en-US" sz="2000" dirty="0" err="1" smtClean="0"/>
+              <a:t>myVariable</a:t>
+            </a:r>
+            <a:r>
+              <a:rPr lang="en-US" sz="2000" dirty="0" smtClean="0"/>
+              <a:t>, myVariable2;//undefined</a:t>
+            </a:r>
+          </a:p>
+          <a:p>
+            <a:pPr marL="0" lvl="1" indent="0">
+              <a:buClr>
+                <a:schemeClr val="accent3"/>
+              </a:buClr>
+              <a:buSzPct val="95000"/>
+              <a:buFont typeface="Arial" pitchFamily="34" charset="0"/>
+              <a:buNone/>
+            </a:pPr>
+            <a:r>
+              <a:rPr lang="en-US" sz="2000" dirty="0"/>
+              <a:t>	</a:t>
+            </a:r>
+            <a:r>
+              <a:rPr lang="en-US" sz="2000" b="1" i="1" dirty="0" err="1" smtClean="0"/>
+              <a:t>var</a:t>
+            </a:r>
+            <a:r>
+              <a:rPr lang="en-US" sz="2000" dirty="0" smtClean="0"/>
+              <a:t> myVariable2=10.5;</a:t>
+            </a:r>
+          </a:p>
+          <a:p>
+            <a:pPr marL="0" lvl="1" indent="0">
+              <a:buClr>
+                <a:schemeClr val="accent3"/>
+              </a:buClr>
+              <a:buSzPct val="95000"/>
+              <a:buFont typeface="Arial" pitchFamily="34" charset="0"/>
+              <a:buNone/>
+            </a:pPr>
+            <a:r>
+              <a:rPr lang="en-US" sz="2000" dirty="0" smtClean="0"/>
+              <a:t>	</a:t>
+            </a:r>
+            <a:r>
+              <a:rPr lang="en-US" sz="2000" dirty="0" err="1" smtClean="0"/>
+              <a:t>myVariable</a:t>
+            </a:r>
+            <a:r>
+              <a:rPr lang="en-US" sz="2000" dirty="0" smtClean="0"/>
+              <a:t> = “Test string”;</a:t>
+            </a:r>
+          </a:p>
+          <a:p>
+            <a:pPr marL="0" lvl="1" indent="0">
+              <a:buClr>
+                <a:schemeClr val="accent3"/>
+              </a:buClr>
+              <a:buSzPct val="95000"/>
+              <a:buFont typeface="Arial" pitchFamily="34" charset="0"/>
+              <a:buNone/>
+            </a:pPr>
+            <a:r>
+              <a:rPr lang="en-US" sz="2000" dirty="0" smtClean="0"/>
+              <a:t>	</a:t>
+            </a:r>
+            <a:r>
+              <a:rPr lang="en-US" sz="2000" dirty="0" err="1" smtClean="0"/>
+              <a:t>myVariable</a:t>
+            </a:r>
+            <a:r>
+              <a:rPr lang="en-US" sz="2000" dirty="0" smtClean="0"/>
+              <a:t> = 123; //this is OK</a:t>
+            </a:r>
+          </a:p>
+          <a:p>
+            <a:pPr marL="0" lvl="1" indent="0">
+              <a:buClr>
+                <a:schemeClr val="accent3"/>
+              </a:buClr>
+              <a:buSzPct val="95000"/>
+              <a:buFont typeface="Arial" pitchFamily="34" charset="0"/>
+              <a:buNone/>
+            </a:pPr>
+            <a:r>
+              <a:rPr lang="en-US" sz="2000" dirty="0" smtClean="0"/>
+              <a:t>	//undefined is not null</a:t>
+            </a:r>
+          </a:p>
+          <a:p>
+            <a:pPr marL="0" lvl="1" indent="0">
+              <a:buClr>
+                <a:schemeClr val="accent3"/>
+              </a:buClr>
+              <a:buSzPct val="95000"/>
+              <a:buFont typeface="Arial" pitchFamily="34" charset="0"/>
+              <a:buNone/>
+            </a:pPr>
+            <a:r>
+              <a:rPr lang="en-US" sz="2000" b="1" i="1" dirty="0" smtClean="0"/>
+              <a:t>-Case sensitive</a:t>
+            </a:r>
+          </a:p>
+          <a:p>
+            <a:pPr marL="0" lvl="1" indent="0">
+              <a:buClr>
+                <a:schemeClr val="accent3"/>
+              </a:buClr>
+              <a:buSzPct val="95000"/>
+              <a:buFont typeface="Arial" pitchFamily="34" charset="0"/>
+              <a:buNone/>
+            </a:pPr>
+            <a:r>
+              <a:rPr lang="en-US" sz="2000" dirty="0"/>
+              <a:t>	</a:t>
+            </a:r>
+            <a:r>
+              <a:rPr lang="en-US" sz="2000" dirty="0" err="1" smtClean="0"/>
+              <a:t>MyVariable</a:t>
+            </a:r>
+            <a:r>
+              <a:rPr lang="en-US" sz="2000" dirty="0" smtClean="0"/>
+              <a:t> = 0;//no error,  different </a:t>
+            </a:r>
+            <a:r>
+              <a:rPr lang="en-US" sz="2000" dirty="0" err="1" smtClean="0"/>
+              <a:t>var</a:t>
+            </a:r>
+            <a:endParaRPr lang="en-US" sz="2000" dirty="0" smtClean="0"/>
+          </a:p>
+          <a:p>
+            <a:pPr marL="0" lvl="1" indent="0">
+              <a:buClr>
+                <a:schemeClr val="accent3"/>
+              </a:buClr>
+              <a:buSzPct val="95000"/>
+              <a:buFont typeface="Arial" pitchFamily="34" charset="0"/>
+              <a:buNone/>
+            </a:pPr>
+            <a:r>
+              <a:rPr lang="en-US" sz="2000" b="1" i="1" dirty="0" smtClean="0"/>
+              <a:t>-Operators</a:t>
+            </a:r>
+          </a:p>
+          <a:p>
+            <a:pPr marL="0" lvl="1" indent="0">
+              <a:buClr>
+                <a:schemeClr val="accent3"/>
+              </a:buClr>
+              <a:buSzPct val="95000"/>
+              <a:buFont typeface="Arial" pitchFamily="34" charset="0"/>
+              <a:buNone/>
+            </a:pPr>
+            <a:r>
+              <a:rPr lang="en-US" sz="2000" b="1" i="1" dirty="0" smtClean="0"/>
+              <a:t>	</a:t>
+            </a:r>
+            <a:r>
+              <a:rPr lang="en-US" sz="2000" dirty="0" smtClean="0"/>
+              <a:t>arithmetic:</a:t>
+            </a:r>
+            <a:r>
+              <a:rPr lang="en-US" sz="2000" b="1" i="1" dirty="0" smtClean="0"/>
+              <a:t> </a:t>
+            </a:r>
+            <a:r>
+              <a:rPr lang="en-US" sz="2000" dirty="0" smtClean="0"/>
+              <a:t>+, -, *, /, %, ++, --</a:t>
+            </a:r>
+          </a:p>
+          <a:p>
+            <a:pPr marL="0" lvl="1" indent="0">
+              <a:buClr>
+                <a:schemeClr val="accent3"/>
+              </a:buClr>
+              <a:buSzPct val="95000"/>
+              <a:buFont typeface="Arial" pitchFamily="34" charset="0"/>
+              <a:buNone/>
+            </a:pPr>
+            <a:r>
+              <a:rPr lang="en-US" sz="2000" b="1" i="1" dirty="0"/>
+              <a:t>	</a:t>
+            </a:r>
+            <a:r>
+              <a:rPr lang="en-US" sz="2000" dirty="0" smtClean="0"/>
+              <a:t>assignment: =, +=, -=, *=, /=, %=</a:t>
+            </a:r>
+          </a:p>
+          <a:p>
+            <a:pPr marL="0" lvl="1" indent="0">
+              <a:buClr>
+                <a:schemeClr val="accent3"/>
+              </a:buClr>
+              <a:buSzPct val="95000"/>
+              <a:buFont typeface="Arial" pitchFamily="34" charset="0"/>
+              <a:buNone/>
+            </a:pPr>
+            <a:r>
+              <a:rPr lang="en-US" sz="2000" dirty="0"/>
+              <a:t>	</a:t>
+            </a:r>
+            <a:r>
+              <a:rPr lang="en-US" sz="2000" dirty="0" smtClean="0"/>
+              <a:t>logical and comp: ==, !=, &gt;, &lt;, &gt;=, &lt;=</a:t>
+            </a:r>
+          </a:p>
+          <a:p>
+            <a:pPr marL="0" lvl="1" indent="0">
+              <a:buClr>
+                <a:schemeClr val="accent3"/>
+              </a:buClr>
+              <a:buSzPct val="95000"/>
+              <a:buFont typeface="Arial" pitchFamily="34" charset="0"/>
+              <a:buNone/>
+            </a:pPr>
+            <a:r>
+              <a:rPr lang="en-US" sz="2000" b="1" i="1" dirty="0"/>
+              <a:t>	</a:t>
+            </a:r>
+          </a:p>
+        </p:txBody>
+      </p:sp>
+    </p:spTree>
+    <p:extLst>
+      <p:ext uri="{BB962C8B-B14F-4D97-AF65-F5344CB8AC3E}">
+        <p14:creationId xmlns:p14="http://schemas.microsoft.com/office/powerpoint/2010/main" val="1692597436"/>
+      </p:ext>
+    </p:extLst>
+  </p:cSld>
+  <p:clrMapOvr>
+    <a:masterClrMapping/>
+  </p:clrMapOvr>
+  <mc:AlternateContent xmlns:mc="http://schemas.openxmlformats.org/markup-compatibility/2006" xmlns:p14="http://schemas.microsoft.com/office/powerpoint/2010/main">
+    <mc:Choice Requires="p14">
+      <p:transition p14:dur="0"/>
+    </mc:Choice>
+    <mc:Fallback xmlns="">
+      <p:transition/>
+    </mc:Fallback>
+  </mc:AlternateContent>
+  <p:timing>
+    <p:tnLst>
+      <p:par>
+        <p:cTn id="1" dur="indefinite" restart="never" nodeType="tmRoot"/>
+      </p:par>
+    </p:tnLst>
+  </p:timing>
+</p:sld>
+</file>
+
+<file path=ppt/slides/slide23.xml><?xml version="1.0" encoding="utf-8"?>
+<p:sld xmlns:a="http://schemas.openxmlformats.org/drawingml/2006/main" xmlns:r="http://schemas.openxmlformats.org/officeDocument/2006/relationships" xmlns:p="http://schemas.openxmlformats.org/presentationml/2006/main">
+  <p:cSld>
+    <p:spTree>
+      <p:nvGrpSpPr>
+        <p:cNvPr id="1" name=""/>
+        <p:cNvGrpSpPr/>
+        <p:nvPr/>
+      </p:nvGrpSpPr>
+      <p:grpSpPr>
+        <a:xfrm>
+          <a:off x="0" y="0"/>
+          <a:ext cx="0" cy="0"/>
+          <a:chOff x="0" y="0"/>
+          <a:chExt cx="0" cy="0"/>
+        </a:xfrm>
+      </p:grpSpPr>
+      <p:sp>
+        <p:nvSpPr>
+          <p:cNvPr id="2" name="Title 1"/>
+          <p:cNvSpPr>
+            <a:spLocks noGrp="1"/>
+          </p:cNvSpPr>
+          <p:nvPr>
+            <p:ph type="title"/>
+          </p:nvPr>
+        </p:nvSpPr>
+        <p:spPr/>
+        <p:txBody>
+          <a:bodyPr/>
+          <a:lstStyle/>
+          <a:p>
+            <a:r>
+              <a:rPr lang="en-US" dirty="0" smtClean="0"/>
+              <a:t>JavaScript </a:t>
+            </a:r>
+            <a:r>
+              <a:rPr lang="en-US" dirty="0" err="1" smtClean="0"/>
+              <a:t>elements&amp;</a:t>
+            </a:r>
+            <a:r>
+              <a:rPr lang="en-US" dirty="0" err="1" smtClean="0"/>
+              <a:t>syntax</a:t>
+            </a:r>
+            <a:endParaRPr lang="en-US" dirty="0"/>
+          </a:p>
+        </p:txBody>
+      </p:sp>
+      <p:sp>
+        <p:nvSpPr>
+          <p:cNvPr id="3" name="Content Placeholder 2"/>
+          <p:cNvSpPr>
+            <a:spLocks noGrp="1"/>
+          </p:cNvSpPr>
+          <p:nvPr>
+            <p:ph idx="1"/>
+          </p:nvPr>
+        </p:nvSpPr>
+        <p:spPr>
+          <a:xfrm>
+            <a:off x="1295400" y="1594339"/>
+            <a:ext cx="9601200" cy="4196862"/>
+          </a:xfrm>
+        </p:spPr>
+        <p:txBody>
+          <a:bodyPr>
+            <a:noAutofit/>
+          </a:bodyPr>
+          <a:lstStyle/>
+          <a:p>
+            <a:pPr marL="0" lvl="1" indent="0">
+              <a:buClr>
+                <a:schemeClr val="accent3"/>
+              </a:buClr>
+              <a:buSzPct val="95000"/>
+              <a:buNone/>
+            </a:pPr>
+            <a:r>
+              <a:rPr lang="en-US" sz="2000" b="1" i="1" dirty="0" smtClean="0"/>
+              <a:t>-Operator specifics</a:t>
+            </a:r>
+          </a:p>
+          <a:p>
+            <a:pPr marL="0" lvl="1" indent="0">
+              <a:buClr>
+                <a:schemeClr val="accent3"/>
+              </a:buClr>
+              <a:buSzPct val="95000"/>
+              <a:buNone/>
+            </a:pPr>
+            <a:r>
+              <a:rPr lang="en-US" sz="2000" b="1" i="1" dirty="0" smtClean="0"/>
+              <a:t>	+: </a:t>
+            </a:r>
+            <a:r>
+              <a:rPr lang="en-US" sz="2000" b="1" i="1" dirty="0" err="1" smtClean="0"/>
+              <a:t>var</a:t>
+            </a:r>
+            <a:r>
+              <a:rPr lang="en-US" sz="2000" b="1" i="1" dirty="0" smtClean="0"/>
+              <a:t> </a:t>
+            </a:r>
+            <a:r>
+              <a:rPr lang="en-US" sz="2000" dirty="0" err="1" smtClean="0"/>
+              <a:t>stringVar</a:t>
+            </a:r>
+            <a:r>
+              <a:rPr lang="en-US" sz="2000" dirty="0" smtClean="0"/>
+              <a:t> = “.NET”+” “+”Talent”;//string concatenation  = “.NET Talent”</a:t>
+            </a:r>
+          </a:p>
+          <a:p>
+            <a:pPr marL="0" lvl="1" indent="0">
+              <a:buClr>
+                <a:schemeClr val="accent3"/>
+              </a:buClr>
+              <a:buSzPct val="95000"/>
+              <a:buNone/>
+            </a:pPr>
+            <a:r>
+              <a:rPr lang="en-US" sz="2000" dirty="0"/>
+              <a:t>	</a:t>
+            </a:r>
+            <a:r>
+              <a:rPr lang="en-US" sz="2000" dirty="0" smtClean="0"/>
+              <a:t>     </a:t>
+            </a:r>
+            <a:r>
+              <a:rPr lang="en-US" sz="2000" b="1" i="1" dirty="0" err="1" smtClean="0"/>
+              <a:t>var</a:t>
+            </a:r>
+            <a:r>
+              <a:rPr lang="en-US" sz="2000" dirty="0" smtClean="0"/>
+              <a:t> </a:t>
+            </a:r>
+            <a:r>
+              <a:rPr lang="en-US" sz="2000" dirty="0" err="1" smtClean="0"/>
+              <a:t>stringVar</a:t>
+            </a:r>
+            <a:r>
+              <a:rPr lang="en-US" sz="2000" dirty="0" smtClean="0"/>
+              <a:t> = 4 + “.NET”;//conversion + </a:t>
+            </a:r>
+            <a:r>
+              <a:rPr lang="en-US" sz="2000" dirty="0" err="1" smtClean="0"/>
+              <a:t>concat</a:t>
+            </a:r>
+            <a:r>
+              <a:rPr lang="en-US" sz="2000" dirty="0" smtClean="0"/>
+              <a:t> = “4.NET”;</a:t>
+            </a:r>
+          </a:p>
+          <a:p>
+            <a:pPr marL="0" lvl="1" indent="0">
+              <a:buClr>
+                <a:schemeClr val="accent3"/>
+              </a:buClr>
+              <a:buSzPct val="95000"/>
+              <a:buNone/>
+            </a:pPr>
+            <a:r>
+              <a:rPr lang="en-US" sz="2000" dirty="0"/>
+              <a:t>	</a:t>
+            </a:r>
+            <a:r>
+              <a:rPr lang="en-US" sz="2000" dirty="0"/>
+              <a:t> </a:t>
+            </a:r>
+            <a:r>
+              <a:rPr lang="en-US" sz="2000" dirty="0" smtClean="0"/>
+              <a:t>    </a:t>
+            </a:r>
+            <a:r>
+              <a:rPr lang="en-US" sz="2000" b="1" i="1" dirty="0" err="1" smtClean="0"/>
+              <a:t>var</a:t>
+            </a:r>
+            <a:r>
+              <a:rPr lang="en-US" sz="2000" b="1" i="1" dirty="0" smtClean="0"/>
+              <a:t> </a:t>
+            </a:r>
+            <a:r>
+              <a:rPr lang="en-US" sz="2000" dirty="0" err="1" smtClean="0"/>
+              <a:t>stringVar</a:t>
+            </a:r>
+            <a:r>
+              <a:rPr lang="en-US" sz="2000" b="1" i="1" dirty="0" smtClean="0"/>
+              <a:t> = </a:t>
+            </a:r>
+            <a:r>
+              <a:rPr lang="en-US" sz="2000" dirty="0" smtClean="0"/>
+              <a:t>4+6+”.NET”;//precedence + </a:t>
+            </a:r>
+            <a:r>
+              <a:rPr lang="en-US" sz="2000" dirty="0" err="1" smtClean="0"/>
+              <a:t>concat</a:t>
+            </a:r>
+            <a:r>
+              <a:rPr lang="en-US" sz="2000" dirty="0" smtClean="0"/>
+              <a:t> =“10.NET”;</a:t>
+            </a:r>
+          </a:p>
+          <a:p>
+            <a:pPr marL="0" lvl="1" indent="0">
+              <a:buClr>
+                <a:schemeClr val="accent3"/>
+              </a:buClr>
+              <a:buSzPct val="95000"/>
+              <a:buNone/>
+            </a:pPr>
+            <a:r>
+              <a:rPr lang="en-US" sz="2000" dirty="0" smtClean="0"/>
+              <a:t>	     </a:t>
+            </a:r>
+            <a:r>
+              <a:rPr lang="en-US" sz="2000" b="1" i="1" dirty="0" err="1" smtClean="0"/>
+              <a:t>var</a:t>
+            </a:r>
+            <a:r>
+              <a:rPr lang="en-US" sz="2000" b="1" i="1" dirty="0" smtClean="0"/>
+              <a:t> </a:t>
+            </a:r>
+            <a:r>
+              <a:rPr lang="en-US" sz="2000" dirty="0" err="1" smtClean="0"/>
+              <a:t>stringVar</a:t>
+            </a:r>
+            <a:r>
+              <a:rPr lang="en-US" sz="2000" dirty="0" smtClean="0"/>
+              <a:t> = “.NET” + 4 + 6; //result = “.NET46”</a:t>
+            </a:r>
+          </a:p>
+          <a:p>
+            <a:pPr marL="0" lvl="1" indent="0">
+              <a:buClr>
+                <a:schemeClr val="accent3"/>
+              </a:buClr>
+              <a:buSzPct val="95000"/>
+              <a:buNone/>
+            </a:pPr>
+            <a:r>
+              <a:rPr lang="en-US" sz="2000" dirty="0"/>
+              <a:t>	</a:t>
+            </a:r>
+            <a:r>
+              <a:rPr lang="en-US" sz="2000" dirty="0" smtClean="0"/>
+              <a:t>== vs ===:</a:t>
+            </a:r>
+          </a:p>
+          <a:p>
+            <a:pPr marL="0" lvl="1" indent="0">
+              <a:buClr>
+                <a:schemeClr val="accent3"/>
+              </a:buClr>
+              <a:buSzPct val="95000"/>
+              <a:buNone/>
+            </a:pPr>
+            <a:r>
+              <a:rPr lang="en-US" sz="2000" dirty="0"/>
+              <a:t>	</a:t>
+            </a:r>
+            <a:r>
+              <a:rPr lang="en-US" sz="2000" dirty="0"/>
+              <a:t> </a:t>
+            </a:r>
+            <a:r>
+              <a:rPr lang="en-US" sz="2000" dirty="0" smtClean="0"/>
+              <a:t>    </a:t>
+            </a:r>
+            <a:r>
+              <a:rPr lang="en-US" sz="2000" b="1" i="1" dirty="0" err="1" smtClean="0"/>
+              <a:t>var</a:t>
+            </a:r>
+            <a:r>
+              <a:rPr lang="en-US" sz="2000" dirty="0" smtClean="0"/>
+              <a:t> </a:t>
+            </a:r>
+            <a:r>
+              <a:rPr lang="en-US" sz="2000" dirty="0" err="1" smtClean="0"/>
+              <a:t>intVar</a:t>
+            </a:r>
+            <a:r>
+              <a:rPr lang="en-US" sz="2000" dirty="0" smtClean="0"/>
+              <a:t> = 5, </a:t>
+            </a:r>
+            <a:r>
+              <a:rPr lang="en-US" sz="2000" dirty="0" err="1" smtClean="0"/>
+              <a:t>stringVar</a:t>
+            </a:r>
+            <a:r>
+              <a:rPr lang="en-US" sz="2000" dirty="0" smtClean="0"/>
+              <a:t> = “5”;</a:t>
+            </a:r>
+          </a:p>
+          <a:p>
+            <a:pPr marL="0" lvl="1" indent="0">
+              <a:buClr>
+                <a:schemeClr val="accent3"/>
+              </a:buClr>
+              <a:buSzPct val="95000"/>
+              <a:buNone/>
+            </a:pPr>
+            <a:r>
+              <a:rPr lang="en-US" sz="2000" dirty="0"/>
+              <a:t>	</a:t>
+            </a:r>
+            <a:r>
+              <a:rPr lang="en-US" sz="2000" dirty="0" smtClean="0"/>
+              <a:t>     </a:t>
+            </a:r>
+            <a:r>
+              <a:rPr lang="en-US" sz="2000" b="1" i="1" dirty="0" err="1" smtClean="0"/>
+              <a:t>var</a:t>
+            </a:r>
+            <a:r>
+              <a:rPr lang="en-US" sz="2000" dirty="0" smtClean="0"/>
+              <a:t> </a:t>
+            </a:r>
+            <a:r>
+              <a:rPr lang="en-US" sz="2000" dirty="0" err="1" smtClean="0"/>
+              <a:t>compRes</a:t>
+            </a:r>
+            <a:r>
+              <a:rPr lang="en-US" sz="2000" dirty="0" smtClean="0"/>
+              <a:t> = </a:t>
+            </a:r>
+            <a:r>
+              <a:rPr lang="en-US" sz="2000" dirty="0" err="1" smtClean="0"/>
+              <a:t>intVar</a:t>
+            </a:r>
+            <a:r>
+              <a:rPr lang="en-US" sz="2000" dirty="0" smtClean="0"/>
+              <a:t> == </a:t>
+            </a:r>
+            <a:r>
+              <a:rPr lang="en-US" sz="2000" dirty="0" err="1" smtClean="0"/>
+              <a:t>stringVar</a:t>
+            </a:r>
+            <a:r>
+              <a:rPr lang="en-US" sz="2000" dirty="0" smtClean="0"/>
+              <a:t>;//true</a:t>
+            </a:r>
+          </a:p>
+          <a:p>
+            <a:pPr marL="0" lvl="1" indent="0">
+              <a:buClr>
+                <a:schemeClr val="accent3"/>
+              </a:buClr>
+              <a:buSzPct val="95000"/>
+              <a:buNone/>
+            </a:pPr>
+            <a:r>
+              <a:rPr lang="en-US" sz="2000" dirty="0"/>
+              <a:t>	</a:t>
+            </a:r>
+            <a:r>
+              <a:rPr lang="en-US" sz="2000" dirty="0" smtClean="0"/>
+              <a:t>     </a:t>
+            </a:r>
+            <a:r>
+              <a:rPr lang="en-US" sz="2000" dirty="0" err="1" smtClean="0"/>
+              <a:t>var</a:t>
+            </a:r>
+            <a:r>
+              <a:rPr lang="en-US" sz="2000" dirty="0" smtClean="0"/>
+              <a:t> </a:t>
+            </a:r>
+            <a:r>
+              <a:rPr lang="en-US" sz="2000" dirty="0" err="1" smtClean="0"/>
+              <a:t>compRes</a:t>
+            </a:r>
+            <a:r>
+              <a:rPr lang="en-US" sz="2000" dirty="0" smtClean="0"/>
+              <a:t> = </a:t>
+            </a:r>
+            <a:r>
+              <a:rPr lang="en-US" sz="2000" dirty="0" err="1" smtClean="0"/>
+              <a:t>intVar</a:t>
+            </a:r>
+            <a:r>
+              <a:rPr lang="en-US" sz="2000" dirty="0" smtClean="0"/>
+              <a:t> === </a:t>
+            </a:r>
+            <a:r>
+              <a:rPr lang="en-US" sz="2000" dirty="0" err="1" smtClean="0"/>
+              <a:t>stringVar</a:t>
+            </a:r>
+            <a:r>
+              <a:rPr lang="en-US" sz="2000" dirty="0" smtClean="0"/>
+              <a:t>;//false, === compares the type as well</a:t>
+            </a:r>
+          </a:p>
+          <a:p>
+            <a:pPr marL="0" lvl="1" indent="0">
+              <a:buClr>
+                <a:schemeClr val="accent3"/>
+              </a:buClr>
+              <a:buSzPct val="95000"/>
+              <a:buNone/>
+            </a:pPr>
+            <a:r>
+              <a:rPr lang="en-US" sz="2000" dirty="0"/>
+              <a:t>	</a:t>
+            </a:r>
+            <a:r>
+              <a:rPr lang="en-US" sz="2000" dirty="0" smtClean="0"/>
+              <a:t>&lt;==, &gt;==: </a:t>
+            </a:r>
+          </a:p>
+          <a:p>
+            <a:pPr marL="0" lvl="1" indent="0">
+              <a:buClr>
+                <a:schemeClr val="accent3"/>
+              </a:buClr>
+              <a:buSzPct val="95000"/>
+              <a:buNone/>
+            </a:pPr>
+            <a:r>
+              <a:rPr lang="en-US" sz="2000" dirty="0"/>
+              <a:t>	</a:t>
+            </a:r>
+            <a:r>
+              <a:rPr lang="en-US" sz="2000" dirty="0" smtClean="0"/>
+              <a:t>    compare the type same as ===</a:t>
+            </a:r>
+            <a:endParaRPr lang="en-US" sz="2000" dirty="0" smtClean="0"/>
+          </a:p>
+          <a:p>
+            <a:pPr marL="0" lvl="1" indent="0">
+              <a:buClr>
+                <a:schemeClr val="accent3"/>
+              </a:buClr>
+              <a:buSzPct val="95000"/>
+              <a:buNone/>
+            </a:pPr>
+            <a:endParaRPr lang="en-US" sz="2000" dirty="0" smtClean="0"/>
+          </a:p>
+          <a:p>
+            <a:pPr marL="0" lvl="1" indent="0">
+              <a:buClr>
+                <a:schemeClr val="accent3"/>
+              </a:buClr>
+              <a:buSzPct val="95000"/>
+              <a:buNone/>
+            </a:pPr>
+            <a:r>
+              <a:rPr lang="en-US" sz="2000" dirty="0"/>
+              <a:t>	</a:t>
+            </a:r>
+            <a:endParaRPr lang="en-US" sz="2000" dirty="0"/>
+          </a:p>
+        </p:txBody>
+      </p:sp>
+    </p:spTree>
+    <p:extLst>
+      <p:ext uri="{BB962C8B-B14F-4D97-AF65-F5344CB8AC3E}">
+        <p14:creationId xmlns:p14="http://schemas.microsoft.com/office/powerpoint/2010/main" val="1078799250"/>
+      </p:ext>
+    </p:extLst>
+  </p:cSld>
+  <p:clrMapOvr>
+    <a:masterClrMapping/>
+  </p:clrMapOvr>
+  <mc:AlternateContent xmlns:mc="http://schemas.openxmlformats.org/markup-compatibility/2006" xmlns:p14="http://schemas.microsoft.com/office/powerpoint/2010/main">
+    <mc:Choice Requires="p14">
+      <p:transition p14:dur="0"/>
+    </mc:Choice>
+    <mc:Fallback xmlns="">
+      <p:transition/>
+    </mc:Fallback>
+  </mc:AlternateContent>
+  <p:timing>
+    <p:tnLst>
+      <p:par>
+        <p:cTn id="1" dur="indefinite" restart="never" nodeType="tmRoot"/>
+      </p:par>
+    </p:tnLst>
+  </p:timing>
+</p:sld>
+</file>
+
+<file path=ppt/slides/slide24.xml><?xml version="1.0" encoding="utf-8"?>
+<p:sld xmlns:a="http://schemas.openxmlformats.org/drawingml/2006/main" xmlns:r="http://schemas.openxmlformats.org/officeDocument/2006/relationships" xmlns:p="http://schemas.openxmlformats.org/presentationml/2006/main">
+  <p:cSld>
+    <p:spTree>
+      <p:nvGrpSpPr>
+        <p:cNvPr id="1" name=""/>
+        <p:cNvGrpSpPr/>
+        <p:nvPr/>
+      </p:nvGrpSpPr>
+      <p:grpSpPr>
+        <a:xfrm>
+          <a:off x="0" y="0"/>
+          <a:ext cx="0" cy="0"/>
+          <a:chOff x="0" y="0"/>
+          <a:chExt cx="0" cy="0"/>
+        </a:xfrm>
+      </p:grpSpPr>
+      <p:sp>
+        <p:nvSpPr>
+          <p:cNvPr id="2" name="Title 1"/>
+          <p:cNvSpPr>
+            <a:spLocks noGrp="1"/>
+          </p:cNvSpPr>
+          <p:nvPr>
+            <p:ph type="title"/>
+          </p:nvPr>
+        </p:nvSpPr>
+        <p:spPr/>
+        <p:txBody>
+          <a:bodyPr/>
+          <a:lstStyle/>
+          <a:p>
+            <a:r>
+              <a:rPr lang="en-US" dirty="0" smtClean="0"/>
+              <a:t>JavaScript </a:t>
+            </a:r>
+            <a:r>
+              <a:rPr lang="en-US" dirty="0" err="1" smtClean="0"/>
+              <a:t>elements&amp;</a:t>
+            </a:r>
+            <a:r>
+              <a:rPr lang="en-US" dirty="0" err="1" smtClean="0"/>
+              <a:t>syntax</a:t>
+            </a:r>
+            <a:endParaRPr lang="en-US" dirty="0"/>
+          </a:p>
+        </p:txBody>
+      </p:sp>
+      <p:sp>
+        <p:nvSpPr>
+          <p:cNvPr id="3" name="Content Placeholder 2"/>
+          <p:cNvSpPr>
+            <a:spLocks noGrp="1"/>
+          </p:cNvSpPr>
+          <p:nvPr>
+            <p:ph idx="1"/>
+          </p:nvPr>
+        </p:nvSpPr>
+        <p:spPr>
+          <a:xfrm>
+            <a:off x="1295400" y="1594339"/>
+            <a:ext cx="9601200" cy="4196862"/>
+          </a:xfrm>
+        </p:spPr>
+        <p:txBody>
+          <a:bodyPr>
+            <a:noAutofit/>
+          </a:bodyPr>
+          <a:lstStyle/>
+          <a:p>
+            <a:pPr marL="0" lvl="1" indent="0">
+              <a:buClr>
+                <a:schemeClr val="accent3"/>
+              </a:buClr>
+              <a:buSzPct val="95000"/>
+              <a:buNone/>
+            </a:pPr>
+            <a:r>
+              <a:rPr lang="en-US" sz="2000" dirty="0" smtClean="0"/>
+              <a:t>-</a:t>
+            </a:r>
+            <a:r>
+              <a:rPr lang="en-US" sz="2000" b="1" i="1" dirty="0" smtClean="0"/>
+              <a:t>Data types</a:t>
+            </a:r>
+            <a:endParaRPr lang="en-US" sz="2000" b="1" i="1" dirty="0"/>
+          </a:p>
+          <a:p>
+            <a:pPr marL="0" lvl="1" indent="0">
+              <a:buClr>
+                <a:schemeClr val="accent3"/>
+              </a:buClr>
+              <a:buSzPct val="95000"/>
+              <a:buNone/>
+            </a:pPr>
+            <a:r>
+              <a:rPr lang="en-US" sz="2000" dirty="0" smtClean="0"/>
+              <a:t>	</a:t>
+            </a:r>
+            <a:r>
+              <a:rPr lang="en-US" sz="2000" b="1" i="1" dirty="0" err="1" smtClean="0"/>
+              <a:t>var</a:t>
+            </a:r>
+            <a:r>
+              <a:rPr lang="en-US" sz="2000" dirty="0"/>
+              <a:t> length = 16;                               </a:t>
+            </a:r>
+            <a:r>
+              <a:rPr lang="en-US" sz="2000" dirty="0" smtClean="0"/>
+              <a:t>			// Number</a:t>
+            </a:r>
+            <a:br>
+              <a:rPr lang="en-US" sz="2000" dirty="0" smtClean="0"/>
+            </a:br>
+            <a:r>
+              <a:rPr lang="en-US" sz="2000" dirty="0" smtClean="0"/>
+              <a:t>	</a:t>
+            </a:r>
+            <a:r>
+              <a:rPr lang="en-US" sz="2000" b="1" i="1" dirty="0" err="1" smtClean="0"/>
+              <a:t>var</a:t>
+            </a:r>
+            <a:r>
+              <a:rPr lang="en-US" sz="2000" dirty="0" smtClean="0"/>
+              <a:t> </a:t>
+            </a:r>
+            <a:r>
+              <a:rPr lang="en-US" sz="2000" dirty="0" err="1" smtClean="0"/>
+              <a:t>largeNum</a:t>
+            </a:r>
+            <a:r>
+              <a:rPr lang="en-US" sz="2000" dirty="0" smtClean="0"/>
+              <a:t> = 123e5;				// Number</a:t>
+            </a:r>
+            <a:r>
+              <a:rPr lang="en-US" sz="2000" dirty="0"/>
+              <a:t/>
+            </a:r>
+            <a:br>
+              <a:rPr lang="en-US" sz="2000" dirty="0"/>
+            </a:br>
+            <a:r>
+              <a:rPr lang="en-US" sz="2000" dirty="0" smtClean="0"/>
+              <a:t>	</a:t>
+            </a:r>
+            <a:r>
+              <a:rPr lang="en-US" sz="2000" b="1" i="1" dirty="0" err="1" smtClean="0"/>
+              <a:t>var</a:t>
+            </a:r>
+            <a:r>
+              <a:rPr lang="en-US" sz="2000" dirty="0"/>
+              <a:t> </a:t>
+            </a:r>
+            <a:r>
+              <a:rPr lang="en-US" sz="2000" dirty="0" err="1"/>
+              <a:t>lastName</a:t>
+            </a:r>
+            <a:r>
+              <a:rPr lang="en-US" sz="2000" dirty="0"/>
+              <a:t> = </a:t>
+            </a:r>
+            <a:r>
+              <a:rPr lang="en-US" sz="2000" dirty="0" smtClean="0"/>
+              <a:t>“.NET";       </a:t>
+            </a:r>
+            <a:r>
+              <a:rPr lang="en-US" sz="2000" dirty="0"/>
+              <a:t>           </a:t>
+            </a:r>
+            <a:r>
+              <a:rPr lang="en-US" sz="2000" dirty="0" smtClean="0"/>
+              <a:t>			// </a:t>
+            </a:r>
+            <a:r>
+              <a:rPr lang="en-US" sz="2000" dirty="0"/>
+              <a:t>String</a:t>
+            </a:r>
+            <a:br>
+              <a:rPr lang="en-US" sz="2000" dirty="0"/>
+            </a:br>
+            <a:r>
+              <a:rPr lang="en-US" sz="2000" dirty="0" smtClean="0"/>
+              <a:t>	</a:t>
+            </a:r>
+            <a:r>
+              <a:rPr lang="en-US" sz="2000" b="1" i="1" dirty="0" err="1" smtClean="0"/>
+              <a:t>var</a:t>
+            </a:r>
+            <a:r>
+              <a:rPr lang="en-US" sz="2000" dirty="0"/>
+              <a:t> cars = ["Saab", "Volvo", "BMW"];           </a:t>
+            </a:r>
+            <a:r>
+              <a:rPr lang="en-US" sz="2000" dirty="0" smtClean="0"/>
+              <a:t>		// </a:t>
+            </a:r>
+            <a:r>
+              <a:rPr lang="en-US" sz="2000" dirty="0"/>
+              <a:t>Array</a:t>
+            </a:r>
+            <a:br>
+              <a:rPr lang="en-US" sz="2000" dirty="0"/>
+            </a:br>
+            <a:r>
+              <a:rPr lang="en-US" sz="2000" dirty="0" smtClean="0"/>
+              <a:t>	</a:t>
+            </a:r>
+            <a:r>
+              <a:rPr lang="en-US" sz="2000" b="1" i="1" dirty="0" err="1" smtClean="0"/>
+              <a:t>var</a:t>
+            </a:r>
+            <a:r>
+              <a:rPr lang="en-US" sz="2000" dirty="0"/>
+              <a:t> x = {</a:t>
+            </a:r>
+            <a:r>
+              <a:rPr lang="en-US" sz="2000" dirty="0" err="1"/>
+              <a:t>firstName</a:t>
+            </a:r>
+            <a:r>
+              <a:rPr lang="en-US" sz="2000" dirty="0"/>
+              <a:t>:"John", </a:t>
+            </a:r>
+            <a:r>
+              <a:rPr lang="en-US" sz="2000" dirty="0" err="1"/>
+              <a:t>lastName</a:t>
+            </a:r>
+            <a:r>
+              <a:rPr lang="en-US" sz="2000" dirty="0"/>
+              <a:t>:"Doe"};    </a:t>
+            </a:r>
+            <a:r>
+              <a:rPr lang="en-US" sz="2000" dirty="0" smtClean="0"/>
+              <a:t>	// Object</a:t>
+            </a:r>
+            <a:br>
+              <a:rPr lang="en-US" sz="2000" dirty="0" smtClean="0"/>
+            </a:br>
+            <a:r>
+              <a:rPr lang="en-US" sz="2000" dirty="0"/>
+              <a:t>	</a:t>
+            </a:r>
+            <a:r>
+              <a:rPr lang="en-US" sz="2000" b="1" i="1" dirty="0" err="1" smtClean="0"/>
+              <a:t>var</a:t>
+            </a:r>
+            <a:r>
+              <a:rPr lang="en-US" sz="2000" dirty="0" smtClean="0"/>
+              <a:t> x = function() { ..logic here};			//function</a:t>
+            </a:r>
+            <a:br>
+              <a:rPr lang="en-US" sz="2000" dirty="0" smtClean="0"/>
+            </a:br>
+            <a:r>
+              <a:rPr lang="en-US" sz="2000" dirty="0" smtClean="0"/>
+              <a:t>	</a:t>
+            </a:r>
+            <a:r>
+              <a:rPr lang="en-US" sz="2000" b="1" i="1" dirty="0" err="1" smtClean="0"/>
+              <a:t>var</a:t>
+            </a:r>
+            <a:r>
+              <a:rPr lang="en-US" sz="2000" b="1" i="1" dirty="0" smtClean="0"/>
+              <a:t> </a:t>
+            </a:r>
+            <a:r>
+              <a:rPr lang="en-US" sz="2000" dirty="0" smtClean="0"/>
+              <a:t>x = true;					//</a:t>
+            </a:r>
+            <a:r>
+              <a:rPr lang="en-US" sz="2000" dirty="0" err="1" smtClean="0"/>
+              <a:t>boolean</a:t>
+            </a:r>
+            <a:r>
+              <a:rPr lang="en-US" sz="2000" dirty="0"/>
+              <a:t/>
+            </a:r>
+            <a:br>
+              <a:rPr lang="en-US" sz="2000" dirty="0"/>
+            </a:br>
+            <a:r>
+              <a:rPr lang="en-US" sz="2000" dirty="0" smtClean="0"/>
+              <a:t>	</a:t>
+            </a:r>
+            <a:r>
+              <a:rPr lang="en-US" sz="2000" b="1" dirty="0" err="1" smtClean="0"/>
+              <a:t>typeof</a:t>
+            </a:r>
+            <a:r>
+              <a:rPr lang="en-US" sz="2000" dirty="0" smtClean="0"/>
+              <a:t> </a:t>
+            </a:r>
+            <a:r>
+              <a:rPr lang="en-US" sz="2000" dirty="0" err="1" smtClean="0"/>
+              <a:t>cars;</a:t>
+            </a:r>
+            <a:r>
+              <a:rPr lang="en-US" sz="2000" b="1" dirty="0" err="1" smtClean="0"/>
+              <a:t>typeof</a:t>
+            </a:r>
+            <a:r>
+              <a:rPr lang="en-US" sz="2000" dirty="0" smtClean="0"/>
+              <a:t> </a:t>
+            </a:r>
+            <a:r>
+              <a:rPr lang="en-US" sz="2000" dirty="0" err="1"/>
+              <a:t>lastName</a:t>
+            </a:r>
+            <a:r>
+              <a:rPr lang="en-US" sz="2000" dirty="0" smtClean="0"/>
+              <a:t>;			//</a:t>
+            </a:r>
+            <a:r>
+              <a:rPr lang="en-US" sz="2000" dirty="0"/>
+              <a:t>returns </a:t>
+            </a:r>
+            <a:r>
+              <a:rPr lang="en-US" sz="2000" dirty="0" smtClean="0"/>
+              <a:t>object, string</a:t>
+            </a:r>
+          </a:p>
+          <a:p>
+            <a:pPr marL="0" lvl="1" indent="0">
+              <a:buClr>
+                <a:schemeClr val="accent3"/>
+              </a:buClr>
+              <a:buSzPct val="95000"/>
+              <a:buNone/>
+            </a:pPr>
+            <a:r>
+              <a:rPr lang="en-US" sz="2000" b="1" i="1" dirty="0" smtClean="0"/>
+              <a:t>-Data type specifics</a:t>
+            </a:r>
+          </a:p>
+          <a:p>
+            <a:pPr marL="0" lvl="1" indent="0">
+              <a:buClr>
+                <a:schemeClr val="accent3"/>
+              </a:buClr>
+              <a:buSzPct val="95000"/>
+              <a:buNone/>
+            </a:pPr>
+            <a:r>
+              <a:rPr lang="en-US" sz="2000" dirty="0"/>
+              <a:t>	</a:t>
+            </a:r>
+            <a:r>
+              <a:rPr lang="en-US" sz="2000" dirty="0" smtClean="0"/>
+              <a:t>JS has only one data type for Number</a:t>
+            </a:r>
+          </a:p>
+          <a:p>
+            <a:pPr marL="0" lvl="1" indent="0">
+              <a:buClr>
+                <a:schemeClr val="accent3"/>
+              </a:buClr>
+              <a:buSzPct val="95000"/>
+              <a:buNone/>
+            </a:pPr>
+            <a:r>
+              <a:rPr lang="en-US" sz="2000" dirty="0"/>
+              <a:t>	</a:t>
+            </a:r>
+            <a:r>
+              <a:rPr lang="en-US" sz="2000" dirty="0" smtClean="0"/>
+              <a:t>JS has dynamic types (</a:t>
+            </a:r>
+            <a:r>
+              <a:rPr lang="en-US" sz="2000" dirty="0" err="1" smtClean="0"/>
+              <a:t>var</a:t>
+            </a:r>
+            <a:r>
+              <a:rPr lang="en-US" sz="2000" dirty="0" smtClean="0"/>
+              <a:t> x=true; x=“.NET Talent”;)</a:t>
+            </a:r>
+          </a:p>
+        </p:txBody>
+      </p:sp>
+    </p:spTree>
+    <p:extLst>
+      <p:ext uri="{BB962C8B-B14F-4D97-AF65-F5344CB8AC3E}">
+        <p14:creationId xmlns:p14="http://schemas.microsoft.com/office/powerpoint/2010/main" val="3543217931"/>
+      </p:ext>
+    </p:extLst>
+  </p:cSld>
+  <p:clrMapOvr>
+    <a:masterClrMapping/>
+  </p:clrMapOvr>
+  <mc:AlternateContent xmlns:mc="http://schemas.openxmlformats.org/markup-compatibility/2006" xmlns:p14="http://schemas.microsoft.com/office/powerpoint/2010/main">
+    <mc:Choice Requires="p14">
+      <p:transition p14:dur="0"/>
+    </mc:Choice>
+    <mc:Fallback xmlns="">
+      <p:transition/>
+    </mc:Fallback>
+  </mc:AlternateContent>
+  <p:timing>
+    <p:tnLst>
+      <p:par>
+        <p:cTn id="1" dur="indefinite" restart="never" nodeType="tmRoot"/>
+      </p:par>
+    </p:tnLst>
+  </p:timing>
+</p:sld>
+</file>
+
+<file path=ppt/slides/slide25.xml><?xml version="1.0" encoding="utf-8"?>
+<p:sld xmlns:a="http://schemas.openxmlformats.org/drawingml/2006/main" xmlns:r="http://schemas.openxmlformats.org/officeDocument/2006/relationships" xmlns:p="http://schemas.openxmlformats.org/presentationml/2006/main">
+  <p:cSld>
+    <p:spTree>
+      <p:nvGrpSpPr>
+        <p:cNvPr id="1" name=""/>
+        <p:cNvGrpSpPr/>
+        <p:nvPr/>
+      </p:nvGrpSpPr>
+      <p:grpSpPr>
+        <a:xfrm>
+          <a:off x="0" y="0"/>
+          <a:ext cx="0" cy="0"/>
+          <a:chOff x="0" y="0"/>
+          <a:chExt cx="0" cy="0"/>
+        </a:xfrm>
+      </p:grpSpPr>
+      <p:sp>
+        <p:nvSpPr>
+          <p:cNvPr id="2" name="Title 1"/>
+          <p:cNvSpPr>
+            <a:spLocks noGrp="1"/>
+          </p:cNvSpPr>
+          <p:nvPr>
+            <p:ph type="title"/>
+          </p:nvPr>
+        </p:nvSpPr>
+        <p:spPr/>
+        <p:txBody>
+          <a:bodyPr/>
+          <a:lstStyle/>
+          <a:p>
+            <a:r>
+              <a:rPr lang="en-US" dirty="0" smtClean="0"/>
+              <a:t>JavaScript </a:t>
+            </a:r>
+            <a:r>
+              <a:rPr lang="en-US" dirty="0" err="1" smtClean="0"/>
+              <a:t>elements&amp;</a:t>
+            </a:r>
+            <a:r>
+              <a:rPr lang="en-US" dirty="0" err="1" smtClean="0"/>
+              <a:t>syntax</a:t>
+            </a:r>
+            <a:endParaRPr lang="en-US" dirty="0"/>
+          </a:p>
+        </p:txBody>
+      </p:sp>
+      <p:sp>
+        <p:nvSpPr>
+          <p:cNvPr id="3" name="Content Placeholder 2"/>
+          <p:cNvSpPr>
+            <a:spLocks noGrp="1"/>
+          </p:cNvSpPr>
+          <p:nvPr>
+            <p:ph idx="1"/>
+          </p:nvPr>
+        </p:nvSpPr>
+        <p:spPr>
+          <a:xfrm>
+            <a:off x="1295400" y="1594339"/>
+            <a:ext cx="9601200" cy="4196862"/>
+          </a:xfrm>
+        </p:spPr>
+        <p:txBody>
+          <a:bodyPr>
+            <a:noAutofit/>
+          </a:bodyPr>
+          <a:lstStyle/>
+          <a:p>
+            <a:pPr marL="0" lvl="1" indent="0">
+              <a:buClr>
+                <a:schemeClr val="accent3"/>
+              </a:buClr>
+              <a:buSzPct val="95000"/>
+              <a:buNone/>
+            </a:pPr>
+            <a:r>
+              <a:rPr lang="en-US" sz="2000" dirty="0" smtClean="0"/>
+              <a:t>-</a:t>
+            </a:r>
+            <a:r>
+              <a:rPr lang="en-US" sz="2000" b="1" i="1" dirty="0" smtClean="0"/>
+              <a:t>Undefined vs null</a:t>
+            </a:r>
+            <a:endParaRPr lang="en-US" sz="2000" b="1" i="1" dirty="0"/>
+          </a:p>
+          <a:p>
+            <a:pPr marL="0" lvl="1" indent="0">
+              <a:buClr>
+                <a:schemeClr val="accent3"/>
+              </a:buClr>
+              <a:buSzPct val="95000"/>
+              <a:buNone/>
+            </a:pPr>
+            <a:r>
+              <a:rPr lang="en-US" sz="2000" dirty="0" smtClean="0"/>
+              <a:t>	</a:t>
+            </a:r>
+            <a:r>
+              <a:rPr lang="en-US" sz="2000" b="1" i="1" dirty="0" err="1" smtClean="0"/>
+              <a:t>var</a:t>
+            </a:r>
+            <a:r>
+              <a:rPr lang="en-US" sz="2000" dirty="0"/>
+              <a:t> </a:t>
+            </a:r>
+            <a:r>
+              <a:rPr lang="en-US" sz="2000" dirty="0" smtClean="0"/>
+              <a:t>length = undefined;</a:t>
+            </a:r>
+            <a:r>
+              <a:rPr lang="en-US" sz="2000" dirty="0"/>
+              <a:t>                               </a:t>
+            </a:r>
+            <a:r>
+              <a:rPr lang="en-US" sz="2000" dirty="0" smtClean="0"/>
+              <a:t>		// undefined</a:t>
+            </a:r>
+            <a:br>
+              <a:rPr lang="en-US" sz="2000" dirty="0" smtClean="0"/>
+            </a:br>
+            <a:r>
+              <a:rPr lang="en-US" sz="2000" dirty="0" smtClean="0"/>
+              <a:t>	</a:t>
+            </a:r>
+            <a:r>
+              <a:rPr lang="en-US" sz="2000" b="1" i="1" dirty="0" err="1" smtClean="0"/>
+              <a:t>var</a:t>
+            </a:r>
+            <a:r>
+              <a:rPr lang="en-US" sz="2000" dirty="0" smtClean="0"/>
+              <a:t> </a:t>
+            </a:r>
+            <a:r>
+              <a:rPr lang="en-US" sz="2000" dirty="0" err="1"/>
+              <a:t>lengthNum</a:t>
+            </a:r>
+            <a:r>
+              <a:rPr lang="en-US" sz="2000" dirty="0"/>
+              <a:t> </a:t>
+            </a:r>
+            <a:r>
+              <a:rPr lang="en-US" sz="2000" dirty="0" smtClean="0"/>
+              <a:t>= null;				// value null, type object</a:t>
+            </a:r>
+            <a:r>
+              <a:rPr lang="en-US" sz="2000" dirty="0"/>
+              <a:t/>
+            </a:r>
+            <a:br>
+              <a:rPr lang="en-US" sz="2000" dirty="0"/>
+            </a:br>
+            <a:r>
+              <a:rPr lang="en-US" sz="2000" dirty="0" smtClean="0"/>
+              <a:t>	</a:t>
+            </a:r>
+            <a:r>
+              <a:rPr lang="en-US" sz="2000" b="1" i="1" dirty="0" err="1" smtClean="0"/>
+              <a:t>var</a:t>
+            </a:r>
+            <a:r>
+              <a:rPr lang="en-US" sz="2000" b="1" i="1" dirty="0" smtClean="0"/>
+              <a:t> </a:t>
+            </a:r>
+            <a:r>
+              <a:rPr lang="en-US" sz="2000" dirty="0" smtClean="0"/>
+              <a:t>x = length == </a:t>
+            </a:r>
+            <a:r>
+              <a:rPr lang="en-US" sz="2000" dirty="0" err="1" smtClean="0"/>
+              <a:t>lengthNum</a:t>
+            </a:r>
+            <a:r>
+              <a:rPr lang="en-US" sz="2000" dirty="0" smtClean="0"/>
+              <a:t>;			//true</a:t>
+            </a:r>
+            <a:r>
+              <a:rPr lang="en-US" sz="2000" dirty="0"/>
+              <a:t/>
+            </a:r>
+            <a:br>
+              <a:rPr lang="en-US" sz="2000" dirty="0"/>
+            </a:br>
+            <a:r>
+              <a:rPr lang="en-US" sz="2000" dirty="0" smtClean="0"/>
+              <a:t>	null == undefined					//true</a:t>
+            </a:r>
+            <a:br>
+              <a:rPr lang="en-US" sz="2000" dirty="0" smtClean="0"/>
+            </a:br>
+            <a:r>
+              <a:rPr lang="en-US" sz="2000" dirty="0" smtClean="0"/>
+              <a:t>	null === undefined				//false</a:t>
+            </a:r>
+          </a:p>
+          <a:p>
+            <a:pPr marL="0" lvl="1" indent="0">
+              <a:buClr>
+                <a:schemeClr val="accent3"/>
+              </a:buClr>
+              <a:buSzPct val="95000"/>
+              <a:buNone/>
+            </a:pPr>
+            <a:r>
+              <a:rPr lang="en-US" sz="2000" b="1" i="1" dirty="0" smtClean="0"/>
+              <a:t>-Data type specifics</a:t>
+            </a:r>
+          </a:p>
+          <a:p>
+            <a:pPr marL="0" lvl="1" indent="0">
+              <a:buClr>
+                <a:schemeClr val="accent3"/>
+              </a:buClr>
+              <a:buSzPct val="95000"/>
+              <a:buNone/>
+            </a:pPr>
+            <a:r>
+              <a:rPr lang="en-US" sz="2000" dirty="0"/>
+              <a:t>	</a:t>
+            </a:r>
+            <a:r>
+              <a:rPr lang="en-US" sz="2000" dirty="0" smtClean="0"/>
+              <a:t>JS has only one data type for Number</a:t>
+            </a:r>
+          </a:p>
+          <a:p>
+            <a:pPr marL="0" lvl="1" indent="0">
+              <a:buClr>
+                <a:schemeClr val="accent3"/>
+              </a:buClr>
+              <a:buSzPct val="95000"/>
+              <a:buNone/>
+            </a:pPr>
+            <a:r>
+              <a:rPr lang="en-US" sz="2000" dirty="0"/>
+              <a:t>	</a:t>
+            </a:r>
+            <a:r>
+              <a:rPr lang="en-US" sz="2000" dirty="0" smtClean="0"/>
+              <a:t>JS has dynamic types (</a:t>
+            </a:r>
+            <a:r>
+              <a:rPr lang="en-US" sz="2000" dirty="0" err="1" smtClean="0"/>
+              <a:t>var</a:t>
+            </a:r>
+            <a:r>
+              <a:rPr lang="en-US" sz="2000" dirty="0" smtClean="0"/>
+              <a:t> x=true; x=“.NET Talent”;)</a:t>
+            </a:r>
+          </a:p>
+          <a:p>
+            <a:pPr marL="0" lvl="1" indent="0">
+              <a:buClr>
+                <a:schemeClr val="accent3"/>
+              </a:buClr>
+              <a:buSzPct val="95000"/>
+              <a:buNone/>
+            </a:pPr>
+            <a:r>
+              <a:rPr lang="en-US" sz="2000" dirty="0"/>
+              <a:t>	</a:t>
+            </a:r>
+            <a:r>
+              <a:rPr lang="en-US" sz="2000" dirty="0" smtClean="0"/>
+              <a:t>JS null is “nothing” of type object</a:t>
+            </a:r>
+          </a:p>
+          <a:p>
+            <a:pPr marL="0" lvl="1" indent="0">
+              <a:buClr>
+                <a:schemeClr val="accent3"/>
+              </a:buClr>
+              <a:buSzPct val="95000"/>
+              <a:buNone/>
+            </a:pPr>
+            <a:r>
+              <a:rPr lang="en-US" sz="2000" dirty="0"/>
+              <a:t>	</a:t>
+            </a:r>
+            <a:r>
+              <a:rPr lang="en-US" sz="2000" dirty="0" smtClean="0"/>
+              <a:t>JS null is equal to undefined but not by type</a:t>
+            </a:r>
+          </a:p>
+        </p:txBody>
+      </p:sp>
+    </p:spTree>
+    <p:extLst>
+      <p:ext uri="{BB962C8B-B14F-4D97-AF65-F5344CB8AC3E}">
+        <p14:creationId xmlns:p14="http://schemas.microsoft.com/office/powerpoint/2010/main" val="2875403806"/>
+      </p:ext>
+    </p:extLst>
+  </p:cSld>
+  <p:clrMapOvr>
+    <a:masterClrMapping/>
+  </p:clrMapOvr>
+  <mc:AlternateContent xmlns:mc="http://schemas.openxmlformats.org/markup-compatibility/2006" xmlns:p14="http://schemas.microsoft.com/office/powerpoint/2010/main">
+    <mc:Choice Requires="p14">
+      <p:transition p14:dur="0"/>
+    </mc:Choice>
+    <mc:Fallback xmlns="">
+      <p:transition/>
+    </mc:Fallback>
+  </mc:AlternateContent>
+  <p:timing>
+    <p:tnLst>
+      <p:par>
+        <p:cTn id="1" dur="indefinite" restart="never" nodeType="tmRoot"/>
+      </p:par>
+    </p:tnLst>
+  </p:timing>
+</p:sld>
+</file>
+
+<file path=ppt/slides/slide26.xml><?xml version="1.0" encoding="utf-8"?>
+<p:sld xmlns:a="http://schemas.openxmlformats.org/drawingml/2006/main" xmlns:r="http://schemas.openxmlformats.org/officeDocument/2006/relationships" xmlns:p="http://schemas.openxmlformats.org/presentationml/2006/main">
+  <p:cSld>
+    <p:spTree>
+      <p:nvGrpSpPr>
+        <p:cNvPr id="1" name=""/>
+        <p:cNvGrpSpPr/>
+        <p:nvPr/>
+      </p:nvGrpSpPr>
+      <p:grpSpPr>
+        <a:xfrm>
+          <a:off x="0" y="0"/>
+          <a:ext cx="0" cy="0"/>
+          <a:chOff x="0" y="0"/>
+          <a:chExt cx="0" cy="0"/>
+        </a:xfrm>
+      </p:grpSpPr>
+      <p:sp>
+        <p:nvSpPr>
+          <p:cNvPr id="2" name="Title 1"/>
+          <p:cNvSpPr>
+            <a:spLocks noGrp="1"/>
+          </p:cNvSpPr>
+          <p:nvPr>
+            <p:ph type="title"/>
+          </p:nvPr>
+        </p:nvSpPr>
+        <p:spPr>
+          <a:xfrm>
+            <a:off x="1295400" y="-305034"/>
+            <a:ext cx="9601200" cy="1142385"/>
+          </a:xfrm>
+        </p:spPr>
+        <p:txBody>
+          <a:bodyPr/>
+          <a:lstStyle/>
+          <a:p>
+            <a:r>
+              <a:rPr lang="en-US" dirty="0" smtClean="0"/>
+              <a:t>JavaScript </a:t>
+            </a:r>
+            <a:r>
+              <a:rPr lang="en-US" dirty="0" err="1" smtClean="0"/>
+              <a:t>elements&amp;</a:t>
+            </a:r>
+            <a:r>
+              <a:rPr lang="en-US" dirty="0" err="1" smtClean="0"/>
+              <a:t>syntax</a:t>
+            </a:r>
+            <a:endParaRPr lang="en-US" dirty="0"/>
+          </a:p>
+        </p:txBody>
+      </p:sp>
+      <p:sp>
+        <p:nvSpPr>
+          <p:cNvPr id="3" name="Content Placeholder 2"/>
+          <p:cNvSpPr>
+            <a:spLocks noGrp="1"/>
+          </p:cNvSpPr>
+          <p:nvPr>
+            <p:ph idx="1"/>
+          </p:nvPr>
+        </p:nvSpPr>
+        <p:spPr>
+          <a:xfrm>
+            <a:off x="1295400" y="1031635"/>
+            <a:ext cx="9601200" cy="4196862"/>
+          </a:xfrm>
+        </p:spPr>
+        <p:txBody>
+          <a:bodyPr>
+            <a:noAutofit/>
+          </a:bodyPr>
+          <a:lstStyle/>
+          <a:p>
+            <a:pPr marL="0" lvl="1" indent="0">
+              <a:buClr>
+                <a:schemeClr val="accent3"/>
+              </a:buClr>
+              <a:buSzPct val="95000"/>
+              <a:buNone/>
+            </a:pPr>
+            <a:r>
+              <a:rPr lang="en-US" sz="2000" dirty="0" smtClean="0"/>
+              <a:t>-</a:t>
+            </a:r>
+            <a:r>
+              <a:rPr lang="en-US" sz="2000" b="1" i="1" dirty="0"/>
+              <a:t>Functions</a:t>
+            </a:r>
+          </a:p>
+          <a:p>
+            <a:pPr marL="0" lvl="1" indent="0">
+              <a:buClr>
+                <a:schemeClr val="accent3"/>
+              </a:buClr>
+              <a:buSzPct val="95000"/>
+              <a:buNone/>
+            </a:pPr>
+            <a:r>
+              <a:rPr lang="en-US" sz="2000" dirty="0"/>
+              <a:t>	function </a:t>
+            </a:r>
+            <a:r>
+              <a:rPr lang="en-US" sz="2000" dirty="0" err="1"/>
+              <a:t>FuncName</a:t>
+            </a:r>
+            <a:r>
+              <a:rPr lang="en-US" sz="2000" dirty="0"/>
+              <a:t>(param1, param2){</a:t>
+            </a:r>
+          </a:p>
+          <a:p>
+            <a:pPr marL="0" lvl="1" indent="0">
+              <a:buClr>
+                <a:schemeClr val="accent3"/>
+              </a:buClr>
+              <a:buSzPct val="95000"/>
+              <a:buNone/>
+            </a:pPr>
+            <a:r>
+              <a:rPr lang="en-US" sz="2000" dirty="0" smtClean="0"/>
+              <a:t>		//code;</a:t>
+            </a:r>
+          </a:p>
+          <a:p>
+            <a:pPr marL="0" lvl="1" indent="0">
+              <a:buClr>
+                <a:schemeClr val="accent3"/>
+              </a:buClr>
+              <a:buSzPct val="95000"/>
+              <a:buNone/>
+            </a:pPr>
+            <a:r>
+              <a:rPr lang="en-US" sz="2000" dirty="0"/>
+              <a:t>	</a:t>
+            </a:r>
+            <a:r>
+              <a:rPr lang="en-US" sz="2000" dirty="0" smtClean="0"/>
+              <a:t>	return param1 * param2;</a:t>
+            </a:r>
+            <a:endParaRPr lang="en-US" sz="2000" dirty="0"/>
+          </a:p>
+          <a:p>
+            <a:pPr marL="0" lvl="1" indent="0">
+              <a:buClr>
+                <a:schemeClr val="accent3"/>
+              </a:buClr>
+              <a:buSzPct val="95000"/>
+              <a:buNone/>
+            </a:pPr>
+            <a:r>
+              <a:rPr lang="en-US" sz="2000" dirty="0"/>
+              <a:t>	</a:t>
+            </a:r>
+            <a:r>
+              <a:rPr lang="en-US" sz="2000" dirty="0" smtClean="0"/>
+              <a:t>}</a:t>
+            </a:r>
+          </a:p>
+          <a:p>
+            <a:pPr marL="0" lvl="1" indent="0">
+              <a:buClr>
+                <a:schemeClr val="accent3"/>
+              </a:buClr>
+              <a:buSzPct val="95000"/>
+              <a:buNone/>
+            </a:pPr>
+            <a:r>
+              <a:rPr lang="en-US" sz="2000" dirty="0"/>
+              <a:t>	</a:t>
+            </a:r>
+            <a:r>
+              <a:rPr lang="en-US" sz="2000" b="1" i="1" dirty="0" err="1" smtClean="0"/>
+              <a:t>var</a:t>
+            </a:r>
+            <a:r>
+              <a:rPr lang="en-US" sz="2000" dirty="0" smtClean="0"/>
+              <a:t> x = </a:t>
+            </a:r>
+            <a:r>
+              <a:rPr lang="en-US" sz="2000" dirty="0" err="1" smtClean="0"/>
+              <a:t>FuncName</a:t>
+            </a:r>
+            <a:r>
+              <a:rPr lang="en-US" sz="2000" dirty="0" smtClean="0"/>
+              <a:t>(1);</a:t>
+            </a:r>
+            <a:endParaRPr lang="en-US" sz="2000" dirty="0"/>
+          </a:p>
+          <a:p>
+            <a:pPr marL="0" lvl="1" indent="0">
+              <a:buClr>
+                <a:schemeClr val="accent3"/>
+              </a:buClr>
+              <a:buSzPct val="95000"/>
+              <a:buNone/>
+            </a:pPr>
+            <a:r>
+              <a:rPr lang="en-US" sz="2000" dirty="0" smtClean="0"/>
+              <a:t>		-if </a:t>
+            </a:r>
+            <a:r>
+              <a:rPr lang="en-US" sz="2000" dirty="0" err="1" smtClean="0"/>
+              <a:t>param</a:t>
+            </a:r>
+            <a:r>
+              <a:rPr lang="en-US" sz="2000" dirty="0" smtClean="0"/>
+              <a:t> is not specified then undefined</a:t>
+            </a:r>
+          </a:p>
+          <a:p>
+            <a:pPr marL="0" lvl="1" indent="0">
+              <a:buClr>
+                <a:schemeClr val="accent3"/>
+              </a:buClr>
+              <a:buSzPct val="95000"/>
+              <a:buNone/>
+            </a:pPr>
+            <a:r>
+              <a:rPr lang="en-US" sz="2000" dirty="0"/>
+              <a:t>	</a:t>
+            </a:r>
+            <a:r>
+              <a:rPr lang="en-US" sz="2000" b="1" i="1" dirty="0" err="1" smtClean="0"/>
+              <a:t>var</a:t>
+            </a:r>
+            <a:r>
+              <a:rPr lang="en-US" sz="2000" dirty="0" smtClean="0"/>
+              <a:t> </a:t>
+            </a:r>
+            <a:r>
+              <a:rPr lang="en-US" sz="2000" dirty="0" err="1" smtClean="0"/>
+              <a:t>theFunc</a:t>
+            </a:r>
+            <a:r>
+              <a:rPr lang="en-US" sz="2000" dirty="0" smtClean="0"/>
+              <a:t> = function(param1, param2) { return param1*param2};</a:t>
+            </a:r>
+          </a:p>
+          <a:p>
+            <a:pPr marL="0" lvl="1" indent="0">
+              <a:buClr>
+                <a:schemeClr val="accent3"/>
+              </a:buClr>
+              <a:buSzPct val="95000"/>
+              <a:buNone/>
+            </a:pPr>
+            <a:r>
+              <a:rPr lang="en-US" sz="2000" dirty="0"/>
+              <a:t>	</a:t>
+            </a:r>
+            <a:r>
+              <a:rPr lang="en-US" sz="2000" dirty="0" err="1" smtClean="0"/>
+              <a:t>var</a:t>
+            </a:r>
+            <a:r>
+              <a:rPr lang="en-US" sz="2000" dirty="0" smtClean="0"/>
+              <a:t> </a:t>
+            </a:r>
+            <a:r>
+              <a:rPr lang="en-US" sz="2000" dirty="0" err="1" smtClean="0"/>
+              <a:t>theFuncRef</a:t>
+            </a:r>
+            <a:r>
+              <a:rPr lang="en-US" sz="2000" dirty="0" smtClean="0"/>
+              <a:t> = </a:t>
+            </a:r>
+            <a:r>
+              <a:rPr lang="en-US" sz="2000" dirty="0" err="1" smtClean="0"/>
+              <a:t>FuncName</a:t>
+            </a:r>
+            <a:r>
+              <a:rPr lang="en-US" sz="2000" dirty="0" smtClean="0"/>
+              <a:t>;</a:t>
+            </a:r>
+          </a:p>
+          <a:p>
+            <a:pPr marL="0" lvl="1" indent="0">
+              <a:buClr>
+                <a:schemeClr val="accent3"/>
+              </a:buClr>
+              <a:buSzPct val="95000"/>
+              <a:buNone/>
+            </a:pPr>
+            <a:r>
+              <a:rPr lang="en-US" sz="2000" dirty="0"/>
+              <a:t>	</a:t>
+            </a:r>
+            <a:r>
+              <a:rPr lang="en-US" sz="2000" dirty="0" err="1" smtClean="0"/>
+              <a:t>theFunc</a:t>
+            </a:r>
+            <a:r>
+              <a:rPr lang="en-US" sz="2000" dirty="0" smtClean="0"/>
+              <a:t>(1);//calls the function</a:t>
+            </a:r>
+          </a:p>
+          <a:p>
+            <a:pPr marL="0" lvl="1" indent="0">
+              <a:buClr>
+                <a:schemeClr val="accent3"/>
+              </a:buClr>
+              <a:buSzPct val="95000"/>
+              <a:buNone/>
+            </a:pPr>
+            <a:r>
+              <a:rPr lang="en-US" sz="2000" dirty="0"/>
+              <a:t>	</a:t>
+            </a:r>
+            <a:r>
+              <a:rPr lang="en-US" sz="2000" dirty="0" err="1" smtClean="0"/>
+              <a:t>theFuncRef</a:t>
+            </a:r>
+            <a:r>
+              <a:rPr lang="en-US" sz="2000" dirty="0" smtClean="0"/>
+              <a:t>(1,2);//calls the function</a:t>
+            </a:r>
+            <a:endParaRPr lang="en-US" sz="2000" dirty="0"/>
+          </a:p>
+        </p:txBody>
+      </p:sp>
+    </p:spTree>
+    <p:extLst>
+      <p:ext uri="{BB962C8B-B14F-4D97-AF65-F5344CB8AC3E}">
+        <p14:creationId xmlns:p14="http://schemas.microsoft.com/office/powerpoint/2010/main" val="335834486"/>
+      </p:ext>
+    </p:extLst>
+  </p:cSld>
+  <p:clrMapOvr>
+    <a:masterClrMapping/>
+  </p:clrMapOvr>
+  <mc:AlternateContent xmlns:mc="http://schemas.openxmlformats.org/markup-compatibility/2006" xmlns:p14="http://schemas.microsoft.com/office/powerpoint/2010/main">
+    <mc:Choice Requires="p14">
+      <p:transition p14:dur="0"/>
+    </mc:Choice>
+    <mc:Fallback xmlns="">
+      <p:transition/>
+    </mc:Fallback>
+  </mc:AlternateContent>
+  <p:timing>
+    <p:tnLst>
+      <p:par>
+        <p:cTn id="1" dur="indefinite" restart="never" nodeType="tmRoot"/>
+      </p:par>
+    </p:tnLst>
+  </p:timing>
+</p:sld>
+</file>
+
+<file path=ppt/slides/slide27.xml><?xml version="1.0" encoding="utf-8"?>
+<p:sld xmlns:a="http://schemas.openxmlformats.org/drawingml/2006/main" xmlns:r="http://schemas.openxmlformats.org/officeDocument/2006/relationships" xmlns:p="http://schemas.openxmlformats.org/presentationml/2006/main">
+  <p:cSld>
+    <p:spTree>
+      <p:nvGrpSpPr>
+        <p:cNvPr id="1" name=""/>
+        <p:cNvGrpSpPr/>
+        <p:nvPr/>
+      </p:nvGrpSpPr>
+      <p:grpSpPr>
+        <a:xfrm>
+          <a:off x="0" y="0"/>
+          <a:ext cx="0" cy="0"/>
+          <a:chOff x="0" y="0"/>
+          <a:chExt cx="0" cy="0"/>
+        </a:xfrm>
+      </p:grpSpPr>
+      <p:sp>
+        <p:nvSpPr>
+          <p:cNvPr id="2" name="Title 1"/>
+          <p:cNvSpPr>
+            <a:spLocks noGrp="1"/>
+          </p:cNvSpPr>
+          <p:nvPr>
+            <p:ph type="title"/>
+          </p:nvPr>
+        </p:nvSpPr>
+        <p:spPr>
+          <a:xfrm>
+            <a:off x="1295400" y="-305034"/>
+            <a:ext cx="9601200" cy="1142385"/>
+          </a:xfrm>
+        </p:spPr>
+        <p:txBody>
+          <a:bodyPr/>
+          <a:lstStyle/>
+          <a:p>
+            <a:r>
+              <a:rPr lang="en-US" dirty="0" smtClean="0"/>
+              <a:t>JavaScript </a:t>
+            </a:r>
+            <a:r>
+              <a:rPr lang="en-US" dirty="0" err="1" smtClean="0"/>
+              <a:t>elements&amp;</a:t>
+            </a:r>
+            <a:r>
+              <a:rPr lang="en-US" dirty="0" err="1" smtClean="0"/>
+              <a:t>syntax</a:t>
+            </a:r>
+            <a:endParaRPr lang="en-US" dirty="0"/>
+          </a:p>
+        </p:txBody>
+      </p:sp>
+      <p:sp>
+        <p:nvSpPr>
+          <p:cNvPr id="3" name="Content Placeholder 2"/>
+          <p:cNvSpPr>
+            <a:spLocks noGrp="1"/>
+          </p:cNvSpPr>
+          <p:nvPr>
+            <p:ph idx="1"/>
+          </p:nvPr>
+        </p:nvSpPr>
+        <p:spPr>
+          <a:xfrm>
+            <a:off x="1295400" y="1031635"/>
+            <a:ext cx="9601200" cy="4196862"/>
+          </a:xfrm>
+        </p:spPr>
+        <p:txBody>
+          <a:bodyPr>
+            <a:noAutofit/>
+          </a:bodyPr>
+          <a:lstStyle/>
+          <a:p>
+            <a:pPr marL="0" lvl="1" indent="0">
+              <a:buClr>
+                <a:schemeClr val="accent3"/>
+              </a:buClr>
+              <a:buSzPct val="95000"/>
+              <a:buNone/>
+            </a:pPr>
+            <a:r>
+              <a:rPr lang="en-US" sz="2000" dirty="0" smtClean="0"/>
+              <a:t>-</a:t>
+            </a:r>
+            <a:r>
+              <a:rPr lang="en-US" sz="2000" b="1" i="1" dirty="0" smtClean="0"/>
+              <a:t>Objects</a:t>
+            </a:r>
+            <a:endParaRPr lang="en-US" sz="2000" b="1" i="1" dirty="0"/>
+          </a:p>
+          <a:p>
+            <a:pPr marL="0" lvl="1" indent="0">
+              <a:buClr>
+                <a:schemeClr val="accent3"/>
+              </a:buClr>
+              <a:buSzPct val="95000"/>
+              <a:buNone/>
+            </a:pPr>
+            <a:r>
+              <a:rPr lang="en-US" sz="2000" dirty="0"/>
+              <a:t>	</a:t>
+            </a:r>
+            <a:r>
+              <a:rPr lang="en-US" sz="2000" dirty="0" err="1" smtClean="0"/>
+              <a:t>var</a:t>
+            </a:r>
+            <a:r>
+              <a:rPr lang="en-US" sz="2000" dirty="0" smtClean="0"/>
+              <a:t> </a:t>
+            </a:r>
+            <a:r>
+              <a:rPr lang="en-US" sz="2000" dirty="0" err="1" smtClean="0"/>
+              <a:t>theBike</a:t>
+            </a:r>
+            <a:r>
+              <a:rPr lang="en-US" sz="2000" dirty="0" smtClean="0"/>
+              <a:t> = {</a:t>
+            </a:r>
+          </a:p>
+          <a:p>
+            <a:pPr marL="0" lvl="1" indent="0">
+              <a:buClr>
+                <a:schemeClr val="accent3"/>
+              </a:buClr>
+              <a:buSzPct val="95000"/>
+              <a:buNone/>
+            </a:pPr>
+            <a:r>
+              <a:rPr lang="en-US" sz="2000" dirty="0"/>
+              <a:t>	</a:t>
+            </a:r>
+            <a:r>
+              <a:rPr lang="en-US" sz="2000" dirty="0" smtClean="0"/>
+              <a:t>	bikeId:123,</a:t>
+            </a:r>
+            <a:br>
+              <a:rPr lang="en-US" sz="2000" dirty="0" smtClean="0"/>
+            </a:br>
+            <a:r>
+              <a:rPr lang="en-US" sz="2000" dirty="0" smtClean="0"/>
+              <a:t>		bikeOwnerId:1,</a:t>
+            </a:r>
+            <a:br>
+              <a:rPr lang="en-US" sz="2000" dirty="0" smtClean="0"/>
+            </a:br>
+            <a:r>
+              <a:rPr lang="en-US" sz="2000" dirty="0" smtClean="0"/>
+              <a:t>		</a:t>
+            </a:r>
+            <a:r>
+              <a:rPr lang="en-US" sz="2000" dirty="0" err="1" smtClean="0"/>
+              <a:t>producer:”Trek</a:t>
+            </a:r>
+            <a:r>
+              <a:rPr lang="en-US" sz="2000" dirty="0" smtClean="0"/>
+              <a:t>”,</a:t>
+            </a:r>
+            <a:br>
+              <a:rPr lang="en-US" sz="2000" dirty="0" smtClean="0"/>
+            </a:br>
+            <a:r>
+              <a:rPr lang="en-US" sz="2000" dirty="0" smtClean="0"/>
+              <a:t>		</a:t>
+            </a:r>
+            <a:r>
+              <a:rPr lang="en-US" sz="2000" dirty="0" err="1" smtClean="0"/>
+              <a:t>model:”Monster</a:t>
+            </a:r>
+            <a:r>
+              <a:rPr lang="en-US" sz="2000" dirty="0" smtClean="0"/>
+              <a:t>”,</a:t>
+            </a:r>
+            <a:br>
+              <a:rPr lang="en-US" sz="2000" dirty="0" smtClean="0"/>
+            </a:br>
+            <a:r>
+              <a:rPr lang="en-US" sz="2000" dirty="0" smtClean="0"/>
+              <a:t>		</a:t>
+            </a:r>
+            <a:r>
+              <a:rPr lang="en-US" sz="2000" dirty="0" err="1" smtClean="0"/>
+              <a:t>colour</a:t>
+            </a:r>
+            <a:r>
+              <a:rPr lang="en-US" sz="2000" dirty="0" smtClean="0"/>
+              <a:t>:”Red”,</a:t>
+            </a:r>
+            <a:br>
+              <a:rPr lang="en-US" sz="2000" dirty="0" smtClean="0"/>
+            </a:br>
+            <a:r>
+              <a:rPr lang="en-US" sz="2000" dirty="0" smtClean="0"/>
+              <a:t>		validate: function() { …}</a:t>
+            </a:r>
+          </a:p>
+          <a:p>
+            <a:pPr marL="0" lvl="1" indent="0">
+              <a:buClr>
+                <a:schemeClr val="accent3"/>
+              </a:buClr>
+              <a:buSzPct val="95000"/>
+              <a:buNone/>
+            </a:pPr>
+            <a:r>
+              <a:rPr lang="en-US" sz="2000" dirty="0"/>
+              <a:t>	</a:t>
+            </a:r>
+            <a:r>
+              <a:rPr lang="en-US" sz="2000" dirty="0" smtClean="0"/>
+              <a:t>};</a:t>
+            </a:r>
+            <a:endParaRPr lang="en-US" sz="2000" dirty="0"/>
+          </a:p>
+          <a:p>
+            <a:pPr marL="0" lvl="1" indent="0">
+              <a:buClr>
+                <a:schemeClr val="accent3"/>
+              </a:buClr>
+              <a:buSzPct val="95000"/>
+              <a:buNone/>
+            </a:pPr>
+            <a:r>
+              <a:rPr lang="en-US" sz="2000" dirty="0" smtClean="0"/>
+              <a:t>	console.log(</a:t>
+            </a:r>
+            <a:r>
+              <a:rPr lang="en-US" sz="2000" dirty="0" err="1" smtClean="0"/>
+              <a:t>theBike.bikeId</a:t>
+            </a:r>
+            <a:r>
+              <a:rPr lang="en-US" sz="2000" dirty="0" smtClean="0"/>
+              <a:t>);</a:t>
+            </a:r>
+          </a:p>
+          <a:p>
+            <a:pPr marL="0" lvl="1" indent="0">
+              <a:buClr>
+                <a:schemeClr val="accent3"/>
+              </a:buClr>
+              <a:buSzPct val="95000"/>
+              <a:buNone/>
+            </a:pPr>
+            <a:r>
+              <a:rPr lang="en-US" sz="2000" dirty="0"/>
+              <a:t>	</a:t>
+            </a:r>
+            <a:r>
+              <a:rPr lang="en-US" sz="2000" dirty="0" smtClean="0"/>
+              <a:t>console.log(</a:t>
+            </a:r>
+            <a:r>
+              <a:rPr lang="en-US" sz="2000" dirty="0" err="1" smtClean="0"/>
+              <a:t>theBike</a:t>
+            </a:r>
+            <a:r>
+              <a:rPr lang="en-US" sz="2000" dirty="0" smtClean="0"/>
+              <a:t>[“</a:t>
+            </a:r>
+            <a:r>
+              <a:rPr lang="en-US" sz="2000" dirty="0" err="1" smtClean="0"/>
+              <a:t>bikeId</a:t>
+            </a:r>
+            <a:r>
+              <a:rPr lang="en-US" sz="2000" dirty="0" smtClean="0"/>
+              <a:t>”]);</a:t>
+            </a:r>
+            <a:endParaRPr lang="en-US" sz="2000" dirty="0"/>
+          </a:p>
+        </p:txBody>
+      </p:sp>
+    </p:spTree>
+    <p:extLst>
+      <p:ext uri="{BB962C8B-B14F-4D97-AF65-F5344CB8AC3E}">
+        <p14:creationId xmlns:p14="http://schemas.microsoft.com/office/powerpoint/2010/main" val="1508431842"/>
+      </p:ext>
+    </p:extLst>
+  </p:cSld>
+  <p:clrMapOvr>
+    <a:masterClrMapping/>
+  </p:clrMapOvr>
+  <mc:AlternateContent xmlns:mc="http://schemas.openxmlformats.org/markup-compatibility/2006" xmlns:p14="http://schemas.microsoft.com/office/powerpoint/2010/main">
+    <mc:Choice Requires="p14">
+      <p:transition p14:dur="0"/>
+    </mc:Choice>
+    <mc:Fallback xmlns="">
+      <p:transition/>
+    </mc:Fallback>
+  </mc:AlternateContent>
+  <p:timing>
+    <p:tnLst>
+      <p:par>
+        <p:cTn id="1" dur="indefinite" restart="never" nodeType="tmRoot"/>
+      </p:par>
+    </p:tnLst>
+  </p:timing>
+</p:sld>
+</file>
+
+<file path=ppt/slides/slide28.xml><?xml version="1.0" encoding="utf-8"?>
+<p:sld xmlns:a="http://schemas.openxmlformats.org/drawingml/2006/main" xmlns:r="http://schemas.openxmlformats.org/officeDocument/2006/relationships" xmlns:p="http://schemas.openxmlformats.org/presentationml/2006/main">
+  <p:cSld>
+    <p:spTree>
+      <p:nvGrpSpPr>
+        <p:cNvPr id="1" name=""/>
+        <p:cNvGrpSpPr/>
+        <p:nvPr/>
+      </p:nvGrpSpPr>
+      <p:grpSpPr>
+        <a:xfrm>
+          <a:off x="0" y="0"/>
+          <a:ext cx="0" cy="0"/>
+          <a:chOff x="0" y="0"/>
+          <a:chExt cx="0" cy="0"/>
+        </a:xfrm>
+      </p:grpSpPr>
+      <p:sp>
+        <p:nvSpPr>
+          <p:cNvPr id="2" name="Title 1"/>
+          <p:cNvSpPr>
+            <a:spLocks noGrp="1"/>
+          </p:cNvSpPr>
+          <p:nvPr>
+            <p:ph type="title"/>
+          </p:nvPr>
+        </p:nvSpPr>
+        <p:spPr>
+          <a:xfrm>
+            <a:off x="1295400" y="-305034"/>
+            <a:ext cx="9601200" cy="1142385"/>
+          </a:xfrm>
+        </p:spPr>
+        <p:txBody>
+          <a:bodyPr/>
+          <a:lstStyle/>
+          <a:p>
+            <a:r>
+              <a:rPr lang="en-US" dirty="0" smtClean="0"/>
+              <a:t>JavaScript </a:t>
+            </a:r>
+            <a:r>
+              <a:rPr lang="en-US" dirty="0" err="1" smtClean="0"/>
+              <a:t>elements&amp;</a:t>
+            </a:r>
+            <a:r>
+              <a:rPr lang="en-US" dirty="0" err="1" smtClean="0"/>
+              <a:t>syntax</a:t>
+            </a:r>
+            <a:endParaRPr lang="en-US" dirty="0"/>
+          </a:p>
+        </p:txBody>
+      </p:sp>
+      <p:sp>
+        <p:nvSpPr>
+          <p:cNvPr id="3" name="Content Placeholder 2"/>
+          <p:cNvSpPr>
+            <a:spLocks noGrp="1"/>
+          </p:cNvSpPr>
+          <p:nvPr>
+            <p:ph idx="1"/>
+          </p:nvPr>
+        </p:nvSpPr>
+        <p:spPr>
+          <a:xfrm>
+            <a:off x="1295400" y="1031635"/>
+            <a:ext cx="9601200" cy="4196862"/>
+          </a:xfrm>
+        </p:spPr>
+        <p:txBody>
+          <a:bodyPr>
+            <a:noAutofit/>
+          </a:bodyPr>
+          <a:lstStyle/>
+          <a:p>
+            <a:pPr marL="0" lvl="1" indent="0">
+              <a:buClr>
+                <a:schemeClr val="accent3"/>
+              </a:buClr>
+              <a:buSzPct val="95000"/>
+              <a:buNone/>
+            </a:pPr>
+            <a:r>
+              <a:rPr lang="en-US" sz="2000" dirty="0" smtClean="0"/>
+              <a:t>-</a:t>
+            </a:r>
+            <a:r>
+              <a:rPr lang="en-US" sz="2000" b="1" i="1" dirty="0" smtClean="0"/>
+              <a:t>Object creation</a:t>
+            </a:r>
+            <a:endParaRPr lang="en-US" sz="2000" b="1" i="1" dirty="0"/>
+          </a:p>
+          <a:p>
+            <a:pPr marL="0" lvl="1" indent="0">
+              <a:buClr>
+                <a:schemeClr val="accent3"/>
+              </a:buClr>
+              <a:buSzPct val="95000"/>
+              <a:buNone/>
+            </a:pPr>
+            <a:r>
+              <a:rPr lang="en-US" sz="2000" dirty="0"/>
+              <a:t>	</a:t>
+            </a:r>
+            <a:r>
+              <a:rPr lang="en-US" sz="2000" dirty="0" smtClean="0"/>
+              <a:t>-JSON syntax (example)</a:t>
+            </a:r>
+          </a:p>
+          <a:p>
+            <a:pPr marL="0" lvl="1" indent="0">
+              <a:buClr>
+                <a:schemeClr val="accent3"/>
+              </a:buClr>
+              <a:buSzPct val="95000"/>
+              <a:buNone/>
+            </a:pPr>
+            <a:r>
+              <a:rPr lang="en-US" sz="2000" dirty="0"/>
+              <a:t>	</a:t>
+            </a:r>
+            <a:r>
+              <a:rPr lang="en-US" sz="2000" dirty="0" smtClean="0"/>
+              <a:t>-Adding properties (example)</a:t>
+            </a:r>
+            <a:endParaRPr lang="en-US" sz="2000" dirty="0"/>
+          </a:p>
+        </p:txBody>
+      </p:sp>
+    </p:spTree>
+    <p:extLst>
+      <p:ext uri="{BB962C8B-B14F-4D97-AF65-F5344CB8AC3E}">
+        <p14:creationId xmlns:p14="http://schemas.microsoft.com/office/powerpoint/2010/main" val="2927707952"/>
+      </p:ext>
+    </p:extLst>
+  </p:cSld>
+  <p:clrMapOvr>
+    <a:masterClrMapping/>
+  </p:clrMapOvr>
+  <mc:AlternateContent xmlns:mc="http://schemas.openxmlformats.org/markup-compatibility/2006" xmlns:p14="http://schemas.microsoft.com/office/powerpoint/2010/main">
+    <mc:Choice Requires="p14">
+      <p:transition p14:dur="0"/>
+    </mc:Choice>
+    <mc:Fallback xmlns="">
+      <p:transition/>
+    </mc:Fallback>
+  </mc:AlternateContent>
+  <p:timing>
+    <p:tnLst>
+      <p:par>
+        <p:cTn id="1" dur="indefinite" restart="never" nodeType="tmRoot"/>
+      </p:par>
+    </p:tnLst>
+  </p:timing>
+</p:sld>
+</file>
+
+<file path=ppt/slides/slide29.xml><?xml version="1.0" encoding="utf-8"?>
+<p:sld xmlns:a="http://schemas.openxmlformats.org/drawingml/2006/main" xmlns:r="http://schemas.openxmlformats.org/officeDocument/2006/relationships" xmlns:p="http://schemas.openxmlformats.org/presentationml/2006/main">
+  <p:cSld>
+    <p:spTree>
+      <p:nvGrpSpPr>
+        <p:cNvPr id="1" name=""/>
+        <p:cNvGrpSpPr/>
+        <p:nvPr/>
+      </p:nvGrpSpPr>
+      <p:grpSpPr>
+        <a:xfrm>
+          <a:off x="0" y="0"/>
+          <a:ext cx="0" cy="0"/>
+          <a:chOff x="0" y="0"/>
+          <a:chExt cx="0" cy="0"/>
+        </a:xfrm>
+      </p:grpSpPr>
+      <p:sp>
+        <p:nvSpPr>
+          <p:cNvPr id="2" name="Title 1"/>
+          <p:cNvSpPr>
+            <a:spLocks noGrp="1"/>
+          </p:cNvSpPr>
+          <p:nvPr>
+            <p:ph type="title"/>
+          </p:nvPr>
+        </p:nvSpPr>
+        <p:spPr>
+          <a:xfrm>
+            <a:off x="1295400" y="-305034"/>
+            <a:ext cx="9601200" cy="1142385"/>
+          </a:xfrm>
+        </p:spPr>
+        <p:txBody>
+          <a:bodyPr/>
+          <a:lstStyle/>
+          <a:p>
+            <a:r>
+              <a:rPr lang="en-US" dirty="0" smtClean="0"/>
+              <a:t>JavaScript </a:t>
+            </a:r>
+            <a:r>
+              <a:rPr lang="en-US" dirty="0" err="1" smtClean="0"/>
+              <a:t>elements&amp;</a:t>
+            </a:r>
+            <a:r>
+              <a:rPr lang="en-US" dirty="0" err="1" smtClean="0"/>
+              <a:t>syntax</a:t>
+            </a:r>
+            <a:endParaRPr lang="en-US" dirty="0"/>
+          </a:p>
+        </p:txBody>
+      </p:sp>
+      <p:sp>
+        <p:nvSpPr>
+          <p:cNvPr id="3" name="Content Placeholder 2"/>
+          <p:cNvSpPr>
+            <a:spLocks noGrp="1"/>
+          </p:cNvSpPr>
+          <p:nvPr>
+            <p:ph idx="1"/>
+          </p:nvPr>
+        </p:nvSpPr>
+        <p:spPr>
+          <a:xfrm>
+            <a:off x="1295400" y="1031635"/>
+            <a:ext cx="9601200" cy="4196862"/>
+          </a:xfrm>
+        </p:spPr>
+        <p:txBody>
+          <a:bodyPr>
+            <a:noAutofit/>
+          </a:bodyPr>
+          <a:lstStyle/>
+          <a:p>
+            <a:pPr marL="0" lvl="1" indent="0">
+              <a:buClr>
+                <a:schemeClr val="accent3"/>
+              </a:buClr>
+              <a:buSzPct val="95000"/>
+              <a:buNone/>
+            </a:pPr>
+            <a:r>
+              <a:rPr lang="en-US" sz="2000" b="1" i="1" dirty="0" smtClean="0"/>
+              <a:t>Scope</a:t>
+            </a:r>
+            <a:endParaRPr lang="en-US" sz="2000" b="1" i="1" dirty="0"/>
+          </a:p>
+          <a:p>
+            <a:pPr marL="342900" lvl="1" indent="-342900">
+              <a:buClr>
+                <a:schemeClr val="accent3"/>
+              </a:buClr>
+              <a:buSzPct val="95000"/>
+              <a:buFontTx/>
+              <a:buChar char="-"/>
+            </a:pPr>
+            <a:r>
+              <a:rPr lang="en-US" sz="2000" b="1" dirty="0" smtClean="0"/>
+              <a:t>set </a:t>
+            </a:r>
+            <a:r>
+              <a:rPr lang="en-US" sz="2000" b="1" dirty="0"/>
+              <a:t>of variables, objects, and functions you have access </a:t>
+            </a:r>
+            <a:r>
+              <a:rPr lang="en-US" sz="2000" b="1" dirty="0" smtClean="0"/>
+              <a:t>to</a:t>
+            </a:r>
+          </a:p>
+          <a:p>
+            <a:pPr marL="342900" lvl="1" indent="-342900">
+              <a:buClr>
+                <a:schemeClr val="accent3"/>
+              </a:buClr>
+              <a:buSzPct val="95000"/>
+              <a:buFontTx/>
+              <a:buChar char="-"/>
+            </a:pPr>
+            <a:r>
+              <a:rPr lang="en-US" sz="2000" dirty="0" smtClean="0"/>
+              <a:t>Local variables:</a:t>
+            </a:r>
+          </a:p>
+          <a:p>
+            <a:pPr marL="228600" lvl="2" indent="0">
+              <a:buClr>
+                <a:schemeClr val="accent3"/>
+              </a:buClr>
+              <a:buSzPct val="95000"/>
+              <a:buNone/>
+            </a:pPr>
+            <a:r>
+              <a:rPr lang="en-US" sz="1800" dirty="0" smtClean="0"/>
+              <a:t>	function </a:t>
+            </a:r>
+            <a:r>
+              <a:rPr lang="en-US" sz="1800" dirty="0" err="1" smtClean="0"/>
+              <a:t>MyFunc</a:t>
+            </a:r>
+            <a:r>
+              <a:rPr lang="en-US" sz="1800" dirty="0" smtClean="0"/>
+              <a:t>(param1) {</a:t>
+            </a:r>
+          </a:p>
+          <a:p>
+            <a:pPr marL="228600" lvl="2" indent="0">
+              <a:buClr>
+                <a:schemeClr val="accent3"/>
+              </a:buClr>
+              <a:buSzPct val="95000"/>
+              <a:buNone/>
+            </a:pPr>
+            <a:r>
+              <a:rPr lang="en-US" sz="1800" dirty="0"/>
+              <a:t>	</a:t>
+            </a:r>
+            <a:r>
+              <a:rPr lang="en-US" sz="1800" dirty="0" smtClean="0"/>
+              <a:t>	</a:t>
+            </a:r>
+            <a:r>
+              <a:rPr lang="en-US" sz="1800" dirty="0" err="1" smtClean="0"/>
+              <a:t>var</a:t>
+            </a:r>
+            <a:r>
+              <a:rPr lang="en-US" sz="1800" dirty="0" smtClean="0"/>
+              <a:t> </a:t>
+            </a:r>
+            <a:r>
+              <a:rPr lang="en-US" sz="1800" dirty="0" err="1" smtClean="0"/>
+              <a:t>myVar</a:t>
+            </a:r>
+            <a:r>
+              <a:rPr lang="en-US" sz="1800" dirty="0" smtClean="0"/>
+              <a:t> = “Test”;//local </a:t>
+            </a:r>
+            <a:r>
+              <a:rPr lang="en-US" sz="1800" dirty="0" err="1" smtClean="0"/>
+              <a:t>var</a:t>
+            </a:r>
+            <a:endParaRPr lang="en-US" sz="1800" dirty="0" smtClean="0"/>
+          </a:p>
+          <a:p>
+            <a:pPr marL="228600" lvl="2" indent="0">
+              <a:buClr>
+                <a:schemeClr val="accent3"/>
+              </a:buClr>
+              <a:buSzPct val="95000"/>
+              <a:buNone/>
+            </a:pPr>
+            <a:r>
+              <a:rPr lang="en-US" sz="1800" dirty="0" smtClean="0"/>
+              <a:t>	}</a:t>
+            </a:r>
+            <a:endParaRPr lang="en-US" sz="1800" dirty="0"/>
+          </a:p>
+          <a:p>
+            <a:pPr marL="285750" lvl="1" indent="-285750">
+              <a:buClr>
+                <a:schemeClr val="accent3"/>
+              </a:buClr>
+              <a:buSzPct val="95000"/>
+            </a:pPr>
+            <a:r>
+              <a:rPr lang="en-US" sz="2000" dirty="0" smtClean="0"/>
+              <a:t>Global variables</a:t>
+            </a:r>
+            <a:endParaRPr lang="en-US" dirty="0"/>
+          </a:p>
+          <a:p>
+            <a:pPr marL="228600" lvl="2" indent="0">
+              <a:buClr>
+                <a:schemeClr val="accent3"/>
+              </a:buClr>
+              <a:buSzPct val="95000"/>
+              <a:buNone/>
+            </a:pPr>
+            <a:r>
+              <a:rPr lang="en-US" dirty="0" smtClean="0"/>
+              <a:t>	</a:t>
+            </a:r>
+            <a:r>
+              <a:rPr lang="en-US" sz="1800" dirty="0" err="1" smtClean="0"/>
+              <a:t>var</a:t>
+            </a:r>
+            <a:r>
+              <a:rPr lang="en-US" sz="1800" dirty="0" smtClean="0"/>
+              <a:t> </a:t>
+            </a:r>
+            <a:r>
+              <a:rPr lang="en-US" sz="1800" dirty="0" err="1" smtClean="0"/>
+              <a:t>myVar</a:t>
+            </a:r>
+            <a:r>
+              <a:rPr lang="en-US" sz="1800" dirty="0" smtClean="0"/>
+              <a:t>  = “Test”;</a:t>
+            </a:r>
+          </a:p>
+          <a:p>
+            <a:pPr marL="228600" lvl="2" indent="0">
+              <a:buClr>
+                <a:schemeClr val="accent3"/>
+              </a:buClr>
+              <a:buSzPct val="95000"/>
+              <a:buNone/>
+            </a:pPr>
+            <a:r>
+              <a:rPr lang="en-US" sz="1800" dirty="0"/>
+              <a:t>	</a:t>
+            </a:r>
+            <a:r>
+              <a:rPr lang="en-US" sz="1800" dirty="0" smtClean="0"/>
+              <a:t>function </a:t>
+            </a:r>
+            <a:r>
+              <a:rPr lang="en-US" sz="1800" dirty="0" err="1" smtClean="0"/>
+              <a:t>MyFunc</a:t>
+            </a:r>
+            <a:r>
+              <a:rPr lang="en-US" sz="1800" dirty="0" smtClean="0"/>
+              <a:t>(param1) { </a:t>
+            </a:r>
+            <a:r>
+              <a:rPr lang="en-US" sz="1800" dirty="0" err="1" smtClean="0"/>
+              <a:t>myVar</a:t>
+            </a:r>
+            <a:r>
+              <a:rPr lang="en-US" sz="1800" dirty="0" smtClean="0"/>
+              <a:t> = “Test1”;}//use inside of </a:t>
+            </a:r>
+            <a:r>
+              <a:rPr lang="en-US" sz="1800" dirty="0" err="1" smtClean="0"/>
+              <a:t>func</a:t>
+            </a:r>
+            <a:endParaRPr lang="en-US" sz="1800" dirty="0" smtClean="0"/>
+          </a:p>
+          <a:p>
+            <a:pPr marL="228600" lvl="2" indent="0">
+              <a:buClr>
+                <a:schemeClr val="accent3"/>
+              </a:buClr>
+              <a:buSzPct val="95000"/>
+              <a:buNone/>
+            </a:pPr>
+            <a:r>
+              <a:rPr lang="en-US" sz="1800" dirty="0"/>
+              <a:t>	</a:t>
+            </a:r>
+            <a:r>
+              <a:rPr lang="en-US" sz="1800" dirty="0" smtClean="0"/>
+              <a:t>function </a:t>
+            </a:r>
+            <a:r>
+              <a:rPr lang="en-US" sz="1800" dirty="0" err="1" smtClean="0"/>
+              <a:t>MyFuncGlobal</a:t>
+            </a:r>
+            <a:r>
+              <a:rPr lang="en-US" sz="1800" dirty="0" smtClean="0"/>
+              <a:t>(param1) { </a:t>
+            </a:r>
+            <a:r>
+              <a:rPr lang="en-US" sz="1800" dirty="0" err="1" smtClean="0"/>
+              <a:t>myVarGlobal</a:t>
+            </a:r>
+            <a:r>
+              <a:rPr lang="en-US" sz="1800" dirty="0" smtClean="0"/>
+              <a:t> = “Test”;} //declares and assigned global</a:t>
+            </a:r>
+          </a:p>
+          <a:p>
+            <a:pPr marL="228600" lvl="2" indent="0">
+              <a:buClr>
+                <a:schemeClr val="accent3"/>
+              </a:buClr>
+              <a:buSzPct val="95000"/>
+              <a:buNone/>
+            </a:pPr>
+            <a:endParaRPr lang="en-US" dirty="0" smtClean="0"/>
+          </a:p>
+        </p:txBody>
+      </p:sp>
+    </p:spTree>
+    <p:extLst>
+      <p:ext uri="{BB962C8B-B14F-4D97-AF65-F5344CB8AC3E}">
+        <p14:creationId xmlns:p14="http://schemas.microsoft.com/office/powerpoint/2010/main" val="3710993079"/>
       </p:ext>
     </p:extLst>
   </p:cSld>
@@ -15320,6 +20922,3673 @@
     <p:extLst>
       <p:ext uri="{BB962C8B-B14F-4D97-AF65-F5344CB8AC3E}">
         <p14:creationId xmlns:p14="http://schemas.microsoft.com/office/powerpoint/2010/main" val="3782324809"/>
+      </p:ext>
+    </p:extLst>
+  </p:cSld>
+  <p:clrMapOvr>
+    <a:masterClrMapping/>
+  </p:clrMapOvr>
+  <mc:AlternateContent xmlns:mc="http://schemas.openxmlformats.org/markup-compatibility/2006" xmlns:p14="http://schemas.microsoft.com/office/powerpoint/2010/main">
+    <mc:Choice Requires="p14">
+      <p:transition p14:dur="0"/>
+    </mc:Choice>
+    <mc:Fallback xmlns="">
+      <p:transition/>
+    </mc:Fallback>
+  </mc:AlternateContent>
+  <p:timing>
+    <p:tnLst>
+      <p:par>
+        <p:cTn id="1" dur="indefinite" restart="never" nodeType="tmRoot"/>
+      </p:par>
+    </p:tnLst>
+  </p:timing>
+</p:sld>
+</file>
+
+<file path=ppt/slides/slide30.xml><?xml version="1.0" encoding="utf-8"?>
+<p:sld xmlns:a="http://schemas.openxmlformats.org/drawingml/2006/main" xmlns:r="http://schemas.openxmlformats.org/officeDocument/2006/relationships" xmlns:p="http://schemas.openxmlformats.org/presentationml/2006/main">
+  <p:cSld>
+    <p:spTree>
+      <p:nvGrpSpPr>
+        <p:cNvPr id="1" name=""/>
+        <p:cNvGrpSpPr/>
+        <p:nvPr/>
+      </p:nvGrpSpPr>
+      <p:grpSpPr>
+        <a:xfrm>
+          <a:off x="0" y="0"/>
+          <a:ext cx="0" cy="0"/>
+          <a:chOff x="0" y="0"/>
+          <a:chExt cx="0" cy="0"/>
+        </a:xfrm>
+      </p:grpSpPr>
+      <p:sp>
+        <p:nvSpPr>
+          <p:cNvPr id="2" name="Title 1"/>
+          <p:cNvSpPr>
+            <a:spLocks noGrp="1"/>
+          </p:cNvSpPr>
+          <p:nvPr>
+            <p:ph type="title"/>
+          </p:nvPr>
+        </p:nvSpPr>
+        <p:spPr>
+          <a:xfrm>
+            <a:off x="1295400" y="-305034"/>
+            <a:ext cx="9601200" cy="1142385"/>
+          </a:xfrm>
+        </p:spPr>
+        <p:txBody>
+          <a:bodyPr/>
+          <a:lstStyle/>
+          <a:p>
+            <a:r>
+              <a:rPr lang="en-US" dirty="0" smtClean="0"/>
+              <a:t>JavaScript </a:t>
+            </a:r>
+            <a:r>
+              <a:rPr lang="en-US" dirty="0" err="1" smtClean="0"/>
+              <a:t>elements&amp;</a:t>
+            </a:r>
+            <a:r>
+              <a:rPr lang="en-US" dirty="0" err="1" smtClean="0"/>
+              <a:t>syntax</a:t>
+            </a:r>
+            <a:endParaRPr lang="en-US" dirty="0"/>
+          </a:p>
+        </p:txBody>
+      </p:sp>
+      <p:sp>
+        <p:nvSpPr>
+          <p:cNvPr id="3" name="Content Placeholder 2"/>
+          <p:cNvSpPr>
+            <a:spLocks noGrp="1"/>
+          </p:cNvSpPr>
+          <p:nvPr>
+            <p:ph idx="1"/>
+          </p:nvPr>
+        </p:nvSpPr>
+        <p:spPr>
+          <a:xfrm>
+            <a:off x="1295400" y="1031635"/>
+            <a:ext cx="9601200" cy="4196862"/>
+          </a:xfrm>
+        </p:spPr>
+        <p:txBody>
+          <a:bodyPr>
+            <a:noAutofit/>
+          </a:bodyPr>
+          <a:lstStyle/>
+          <a:p>
+            <a:pPr marL="0" lvl="1" indent="0">
+              <a:buClr>
+                <a:schemeClr val="accent3"/>
+              </a:buClr>
+              <a:buSzPct val="95000"/>
+              <a:buNone/>
+            </a:pPr>
+            <a:r>
+              <a:rPr lang="en-US" sz="2000" b="1" i="1" dirty="0" smtClean="0"/>
+              <a:t>Debugging</a:t>
+            </a:r>
+            <a:endParaRPr lang="en-US" sz="2000" b="1" i="1" dirty="0"/>
+          </a:p>
+          <a:p>
+            <a:pPr marL="514350" lvl="2" indent="-285750">
+              <a:buClr>
+                <a:schemeClr val="accent3"/>
+              </a:buClr>
+              <a:buSzPct val="95000"/>
+              <a:buFontTx/>
+              <a:buChar char="-"/>
+            </a:pPr>
+            <a:r>
+              <a:rPr lang="en-US" dirty="0" smtClean="0"/>
+              <a:t>Debuggers in browsers, breakpoints (F12 Chrome </a:t>
+            </a:r>
+            <a:r>
+              <a:rPr lang="en-US" dirty="0" err="1" smtClean="0"/>
+              <a:t>DevTools</a:t>
+            </a:r>
+            <a:r>
+              <a:rPr lang="en-US" dirty="0" smtClean="0"/>
+              <a:t>, IE </a:t>
+            </a:r>
+            <a:r>
+              <a:rPr lang="en-US" dirty="0" err="1" smtClean="0"/>
+              <a:t>DevOptions</a:t>
+            </a:r>
+            <a:r>
+              <a:rPr lang="en-US" dirty="0" smtClean="0"/>
+              <a:t>, FF </a:t>
+            </a:r>
+            <a:r>
+              <a:rPr lang="en-US" dirty="0" err="1" smtClean="0"/>
+              <a:t>FireBug</a:t>
+            </a:r>
+            <a:r>
+              <a:rPr lang="en-US" dirty="0" smtClean="0"/>
+              <a:t>, </a:t>
+            </a:r>
+            <a:r>
+              <a:rPr lang="en-US" dirty="0" err="1" smtClean="0"/>
+              <a:t>etc</a:t>
+            </a:r>
+            <a:r>
+              <a:rPr lang="en-US" dirty="0" smtClean="0"/>
+              <a:t>)</a:t>
+            </a:r>
+          </a:p>
+          <a:p>
+            <a:pPr marL="514350" lvl="2" indent="-285750">
+              <a:buClr>
+                <a:schemeClr val="accent3"/>
+              </a:buClr>
+              <a:buSzPct val="95000"/>
+              <a:buFontTx/>
+              <a:buChar char="-"/>
+            </a:pPr>
+            <a:r>
+              <a:rPr lang="en-US" dirty="0"/>
+              <a:t>c</a:t>
+            </a:r>
+            <a:r>
+              <a:rPr lang="en-US" dirty="0" smtClean="0"/>
+              <a:t>onsole.log();</a:t>
+            </a:r>
+            <a:endParaRPr lang="en-US" dirty="0" smtClean="0"/>
+          </a:p>
+          <a:p>
+            <a:pPr marL="514350" lvl="2" indent="-285750">
+              <a:buClr>
+                <a:schemeClr val="accent3"/>
+              </a:buClr>
+              <a:buSzPct val="95000"/>
+              <a:buFontTx/>
+              <a:buChar char="-"/>
+            </a:pPr>
+            <a:r>
+              <a:rPr lang="en-US" dirty="0" err="1"/>
+              <a:t>d</a:t>
+            </a:r>
+            <a:r>
+              <a:rPr lang="en-US" dirty="0" err="1" smtClean="0"/>
+              <a:t>ebbugger</a:t>
+            </a:r>
+            <a:r>
+              <a:rPr lang="en-US" dirty="0" smtClean="0"/>
+              <a:t>; //keyword</a:t>
+            </a:r>
+          </a:p>
+          <a:p>
+            <a:pPr marL="228600" lvl="2" indent="0">
+              <a:buClr>
+                <a:schemeClr val="accent3"/>
+              </a:buClr>
+              <a:buSzPct val="95000"/>
+              <a:buNone/>
+            </a:pPr>
+            <a:endParaRPr lang="en-US" dirty="0" smtClean="0"/>
+          </a:p>
+          <a:p>
+            <a:pPr marL="0" lvl="1" indent="0">
+              <a:buClr>
+                <a:schemeClr val="accent3"/>
+              </a:buClr>
+              <a:buSzPct val="95000"/>
+              <a:buNone/>
+            </a:pPr>
+            <a:r>
+              <a:rPr lang="en-US" b="1" i="1" dirty="0" smtClean="0"/>
+              <a:t>Strict mode</a:t>
+            </a:r>
+          </a:p>
+          <a:p>
+            <a:pPr marL="514350" lvl="2" indent="-285750">
+              <a:buClr>
+                <a:schemeClr val="accent3"/>
+              </a:buClr>
+              <a:buSzPct val="95000"/>
+              <a:buFontTx/>
+              <a:buChar char="-"/>
+            </a:pPr>
+            <a:r>
+              <a:rPr lang="en-US" dirty="0" smtClean="0"/>
+              <a:t>“use strict”//directive</a:t>
+            </a:r>
+          </a:p>
+          <a:p>
+            <a:pPr marL="514350" lvl="2" indent="-285750">
+              <a:buClr>
+                <a:schemeClr val="accent3"/>
+              </a:buClr>
+              <a:buSzPct val="95000"/>
+              <a:buFontTx/>
+              <a:buChar char="-"/>
+            </a:pPr>
+            <a:r>
+              <a:rPr lang="en-US" dirty="0" smtClean="0"/>
+              <a:t>Support in major browsers (from different versions +)</a:t>
+            </a:r>
+          </a:p>
+          <a:p>
+            <a:pPr marL="514350" lvl="2" indent="-285750">
+              <a:buClr>
+                <a:schemeClr val="accent3"/>
+              </a:buClr>
+              <a:buSzPct val="95000"/>
+              <a:buFontTx/>
+              <a:buChar char="-"/>
+            </a:pPr>
+            <a:r>
+              <a:rPr lang="en-US" dirty="0" smtClean="0"/>
+              <a:t>w</a:t>
+            </a:r>
+            <a:r>
+              <a:rPr lang="en-US" dirty="0" smtClean="0"/>
+              <a:t>rite more “secure” JS since it makes validation and shows errors instead od default </a:t>
+            </a:r>
+            <a:r>
+              <a:rPr lang="en-US" dirty="0" err="1" smtClean="0"/>
+              <a:t>behvaiour</a:t>
+            </a:r>
+            <a:endParaRPr lang="en-US" dirty="0" smtClean="0"/>
+          </a:p>
+          <a:p>
+            <a:pPr marL="228600" lvl="2" indent="0">
+              <a:buClr>
+                <a:schemeClr val="accent3"/>
+              </a:buClr>
+              <a:buSzPct val="95000"/>
+              <a:buNone/>
+            </a:pPr>
+            <a:r>
+              <a:rPr lang="en-US" dirty="0" smtClean="0"/>
+              <a:t>Not allowed:</a:t>
+            </a:r>
+          </a:p>
+          <a:p>
+            <a:pPr marL="228600" lvl="2" indent="0">
+              <a:buClr>
+                <a:schemeClr val="accent3"/>
+              </a:buClr>
+              <a:buSzPct val="95000"/>
+              <a:buNone/>
+            </a:pPr>
+            <a:r>
+              <a:rPr lang="en-US" dirty="0" smtClean="0"/>
+              <a:t>- use variable without declaring it, defining property more then once, declare parameter more then once, </a:t>
+            </a:r>
+            <a:r>
+              <a:rPr lang="en-US" dirty="0" err="1" smtClean="0"/>
+              <a:t>etc</a:t>
+            </a:r>
+            <a:endParaRPr lang="en-US" dirty="0" smtClean="0"/>
+          </a:p>
+        </p:txBody>
+      </p:sp>
+    </p:spTree>
+    <p:extLst>
+      <p:ext uri="{BB962C8B-B14F-4D97-AF65-F5344CB8AC3E}">
+        <p14:creationId xmlns:p14="http://schemas.microsoft.com/office/powerpoint/2010/main" val="3237573132"/>
+      </p:ext>
+    </p:extLst>
+  </p:cSld>
+  <p:clrMapOvr>
+    <a:masterClrMapping/>
+  </p:clrMapOvr>
+  <mc:AlternateContent xmlns:mc="http://schemas.openxmlformats.org/markup-compatibility/2006" xmlns:p14="http://schemas.microsoft.com/office/powerpoint/2010/main">
+    <mc:Choice Requires="p14">
+      <p:transition p14:dur="0"/>
+    </mc:Choice>
+    <mc:Fallback xmlns="">
+      <p:transition/>
+    </mc:Fallback>
+  </mc:AlternateContent>
+  <p:timing>
+    <p:tnLst>
+      <p:par>
+        <p:cTn id="1" dur="indefinite" restart="never" nodeType="tmRoot"/>
+      </p:par>
+    </p:tnLst>
+  </p:timing>
+</p:sld>
+</file>
+
+<file path=ppt/slides/slide31.xml><?xml version="1.0" encoding="utf-8"?>
+<p:sld xmlns:a="http://schemas.openxmlformats.org/drawingml/2006/main" xmlns:r="http://schemas.openxmlformats.org/officeDocument/2006/relationships" xmlns:p="http://schemas.openxmlformats.org/presentationml/2006/main">
+  <p:cSld>
+    <p:spTree>
+      <p:nvGrpSpPr>
+        <p:cNvPr id="1" name=""/>
+        <p:cNvGrpSpPr/>
+        <p:nvPr/>
+      </p:nvGrpSpPr>
+      <p:grpSpPr>
+        <a:xfrm>
+          <a:off x="0" y="0"/>
+          <a:ext cx="0" cy="0"/>
+          <a:chOff x="0" y="0"/>
+          <a:chExt cx="0" cy="0"/>
+        </a:xfrm>
+      </p:grpSpPr>
+      <p:sp>
+        <p:nvSpPr>
+          <p:cNvPr id="2" name="Title 1"/>
+          <p:cNvSpPr>
+            <a:spLocks noGrp="1"/>
+          </p:cNvSpPr>
+          <p:nvPr>
+            <p:ph type="title"/>
+          </p:nvPr>
+        </p:nvSpPr>
+        <p:spPr>
+          <a:xfrm>
+            <a:off x="1295400" y="-305034"/>
+            <a:ext cx="9601200" cy="1142385"/>
+          </a:xfrm>
+        </p:spPr>
+        <p:txBody>
+          <a:bodyPr/>
+          <a:lstStyle/>
+          <a:p>
+            <a:r>
+              <a:rPr lang="en-US" dirty="0" smtClean="0"/>
+              <a:t>JavaScript </a:t>
+            </a:r>
+            <a:r>
+              <a:rPr lang="en-US" dirty="0" err="1" smtClean="0"/>
+              <a:t>elements&amp;</a:t>
+            </a:r>
+            <a:r>
+              <a:rPr lang="en-US" dirty="0" err="1" smtClean="0"/>
+              <a:t>syntax</a:t>
+            </a:r>
+            <a:endParaRPr lang="en-US" dirty="0"/>
+          </a:p>
+        </p:txBody>
+      </p:sp>
+      <p:sp>
+        <p:nvSpPr>
+          <p:cNvPr id="3" name="Content Placeholder 2"/>
+          <p:cNvSpPr>
+            <a:spLocks noGrp="1"/>
+          </p:cNvSpPr>
+          <p:nvPr>
+            <p:ph idx="1"/>
+          </p:nvPr>
+        </p:nvSpPr>
+        <p:spPr>
+          <a:xfrm>
+            <a:off x="404452" y="1031635"/>
+            <a:ext cx="5843954" cy="4196862"/>
+          </a:xfrm>
+        </p:spPr>
+        <p:txBody>
+          <a:bodyPr>
+            <a:noAutofit/>
+          </a:bodyPr>
+          <a:lstStyle/>
+          <a:p>
+            <a:pPr marL="0" lvl="1" indent="0">
+              <a:buClr>
+                <a:schemeClr val="accent3"/>
+              </a:buClr>
+              <a:buSzPct val="95000"/>
+              <a:buNone/>
+            </a:pPr>
+            <a:r>
+              <a:rPr lang="en-US" sz="2000" b="1" i="1" dirty="0" smtClean="0"/>
+              <a:t>Code style guide</a:t>
+            </a:r>
+            <a:endParaRPr lang="en-US" sz="2000" b="1" i="1" dirty="0"/>
+          </a:p>
+          <a:p>
+            <a:pPr marL="514350" lvl="2" indent="-285750">
+              <a:buClr>
+                <a:schemeClr val="accent3"/>
+              </a:buClr>
+              <a:buSzPct val="95000"/>
+              <a:buFontTx/>
+              <a:buChar char="-"/>
+            </a:pPr>
+            <a:r>
+              <a:rPr lang="en-US" sz="1800" dirty="0" err="1" smtClean="0"/>
+              <a:t>cammelCase</a:t>
+            </a:r>
+            <a:r>
+              <a:rPr lang="en-US" sz="1800" dirty="0" smtClean="0"/>
+              <a:t> variable names</a:t>
+            </a:r>
+          </a:p>
+          <a:p>
+            <a:pPr marL="228600" lvl="2" indent="0">
+              <a:buClr>
+                <a:schemeClr val="accent3"/>
+              </a:buClr>
+              <a:buSzPct val="95000"/>
+              <a:buNone/>
+            </a:pPr>
+            <a:r>
+              <a:rPr lang="en-US" dirty="0"/>
+              <a:t>	</a:t>
+            </a:r>
+            <a:r>
+              <a:rPr lang="en-US" dirty="0" err="1" smtClean="0"/>
+              <a:t>var</a:t>
+            </a:r>
+            <a:r>
+              <a:rPr lang="en-US" dirty="0" smtClean="0"/>
+              <a:t> </a:t>
+            </a:r>
+            <a:r>
+              <a:rPr lang="en-US" dirty="0" err="1" smtClean="0"/>
+              <a:t>myVarNameIsCammelCase</a:t>
+            </a:r>
+            <a:r>
+              <a:rPr lang="en-US" dirty="0" smtClean="0"/>
+              <a:t> = “Test”;</a:t>
+            </a:r>
+          </a:p>
+          <a:p>
+            <a:pPr marL="228600" lvl="2" indent="0">
+              <a:buClr>
+                <a:schemeClr val="accent3"/>
+              </a:buClr>
+              <a:buSzPct val="95000"/>
+              <a:buNone/>
+            </a:pPr>
+            <a:r>
+              <a:rPr lang="en-US" dirty="0"/>
+              <a:t>	</a:t>
+            </a:r>
+            <a:r>
+              <a:rPr lang="en-US" dirty="0" smtClean="0"/>
+              <a:t>function </a:t>
+            </a:r>
+            <a:r>
+              <a:rPr lang="en-US" dirty="0" err="1" smtClean="0"/>
+              <a:t>myFunctionIsCammelCaseAsWell</a:t>
+            </a:r>
+            <a:r>
+              <a:rPr lang="en-US" dirty="0" smtClean="0"/>
+              <a:t>() { ..};</a:t>
+            </a:r>
+          </a:p>
+          <a:p>
+            <a:pPr marL="514350" lvl="2" indent="-285750">
+              <a:buClr>
+                <a:schemeClr val="accent3"/>
+              </a:buClr>
+              <a:buSzPct val="95000"/>
+              <a:buFontTx/>
+              <a:buChar char="-"/>
+            </a:pPr>
+            <a:r>
+              <a:rPr lang="en-US" sz="1800" dirty="0"/>
+              <a:t>c</a:t>
+            </a:r>
+            <a:r>
+              <a:rPr lang="en-US" sz="1800" dirty="0" smtClean="0"/>
+              <a:t>ode</a:t>
+            </a:r>
+            <a:r>
+              <a:rPr lang="en-US" dirty="0" smtClean="0"/>
+              <a:t> </a:t>
+            </a:r>
+            <a:r>
+              <a:rPr lang="en-US" sz="1800" dirty="0" smtClean="0"/>
+              <a:t>indentation</a:t>
+            </a:r>
+            <a:endParaRPr lang="en-US" dirty="0" smtClean="0"/>
+          </a:p>
+          <a:p>
+            <a:pPr marL="457200" lvl="3" indent="0">
+              <a:buClr>
+                <a:schemeClr val="accent3"/>
+              </a:buClr>
+              <a:buSzPct val="95000"/>
+              <a:buNone/>
+            </a:pPr>
+            <a:r>
+              <a:rPr lang="en-US" dirty="0"/>
+              <a:t>	</a:t>
+            </a:r>
+            <a:r>
+              <a:rPr lang="en-US" sz="1600" dirty="0" smtClean="0"/>
+              <a:t>function </a:t>
+            </a:r>
+            <a:r>
+              <a:rPr lang="en-US" sz="1600" dirty="0" err="1" smtClean="0"/>
+              <a:t>myFunction</a:t>
+            </a:r>
+            <a:r>
+              <a:rPr lang="en-US" sz="1600" dirty="0" smtClean="0"/>
+              <a:t>() {</a:t>
+            </a:r>
+          </a:p>
+          <a:p>
+            <a:pPr marL="457200" lvl="3" indent="0">
+              <a:buClr>
+                <a:schemeClr val="accent3"/>
+              </a:buClr>
+              <a:buSzPct val="95000"/>
+              <a:buNone/>
+            </a:pPr>
+            <a:r>
+              <a:rPr lang="en-US" sz="1600" dirty="0"/>
+              <a:t>	</a:t>
+            </a:r>
+            <a:r>
+              <a:rPr lang="en-US" sz="1600" dirty="0" smtClean="0"/>
+              <a:t>	</a:t>
+            </a:r>
+            <a:r>
+              <a:rPr lang="en-US" sz="1600" dirty="0" err="1" smtClean="0"/>
+              <a:t>var</a:t>
+            </a:r>
+            <a:r>
+              <a:rPr lang="en-US" sz="1600" dirty="0" smtClean="0"/>
+              <a:t> </a:t>
+            </a:r>
+            <a:r>
+              <a:rPr lang="en-US" sz="1600" dirty="0" err="1" smtClean="0"/>
+              <a:t>myVar</a:t>
+            </a:r>
+            <a:r>
+              <a:rPr lang="en-US" sz="1600" dirty="0" smtClean="0"/>
+              <a:t>; //indented</a:t>
+            </a:r>
+          </a:p>
+          <a:p>
+            <a:pPr marL="457200" lvl="3" indent="0">
+              <a:buClr>
+                <a:schemeClr val="accent3"/>
+              </a:buClr>
+              <a:buSzPct val="95000"/>
+              <a:buNone/>
+            </a:pPr>
+            <a:r>
+              <a:rPr lang="en-US" sz="1600" dirty="0"/>
+              <a:t>	</a:t>
+            </a:r>
+            <a:r>
+              <a:rPr lang="en-US" sz="1600" dirty="0" smtClean="0"/>
+              <a:t>}</a:t>
+            </a:r>
+          </a:p>
+          <a:p>
+            <a:pPr marL="514350" lvl="2" indent="-285750">
+              <a:buClr>
+                <a:schemeClr val="accent3"/>
+              </a:buClr>
+              <a:buSzPct val="95000"/>
+            </a:pPr>
+            <a:r>
+              <a:rPr lang="en-US" sz="1800" dirty="0" smtClean="0"/>
+              <a:t>statement rules</a:t>
+            </a:r>
+            <a:br>
+              <a:rPr lang="en-US" sz="1800" dirty="0" smtClean="0"/>
+            </a:br>
+            <a:r>
+              <a:rPr lang="en-US" sz="1600" dirty="0" smtClean="0"/>
+              <a:t>Put </a:t>
+            </a:r>
+            <a:r>
+              <a:rPr lang="en-US" sz="1600" dirty="0"/>
+              <a:t>the opening bracket at the end of the first </a:t>
+            </a:r>
+            <a:r>
+              <a:rPr lang="en-US" sz="1600" dirty="0" smtClean="0"/>
+              <a:t>line.</a:t>
+            </a:r>
+            <a:br>
+              <a:rPr lang="en-US" sz="1600" dirty="0" smtClean="0"/>
+            </a:br>
+            <a:r>
+              <a:rPr lang="en-US" sz="1600" dirty="0" smtClean="0"/>
+              <a:t>Use </a:t>
+            </a:r>
+            <a:r>
+              <a:rPr lang="en-US" sz="1600" dirty="0"/>
+              <a:t>one space before the opening </a:t>
+            </a:r>
+            <a:r>
+              <a:rPr lang="en-US" sz="1600" dirty="0" smtClean="0"/>
+              <a:t>bracket.</a:t>
+            </a:r>
+            <a:br>
+              <a:rPr lang="en-US" sz="1600" dirty="0" smtClean="0"/>
+            </a:br>
+            <a:r>
+              <a:rPr lang="en-US" sz="1600" dirty="0" smtClean="0"/>
+              <a:t>Put </a:t>
+            </a:r>
+            <a:r>
+              <a:rPr lang="en-US" sz="1600" dirty="0"/>
+              <a:t>the closing bracket on a new line, without leading </a:t>
+            </a:r>
+            <a:r>
+              <a:rPr lang="en-US" sz="1600" dirty="0" smtClean="0"/>
+              <a:t>spaces.</a:t>
+            </a:r>
+            <a:br>
+              <a:rPr lang="en-US" sz="1600" dirty="0" smtClean="0"/>
+            </a:br>
+            <a:r>
+              <a:rPr lang="en-US" sz="1600" dirty="0" smtClean="0"/>
+              <a:t>Do not end a complex statement with a semicolon.</a:t>
+            </a:r>
+          </a:p>
+          <a:p>
+            <a:pPr marL="742950" lvl="3" indent="-285750">
+              <a:buClr>
+                <a:schemeClr val="accent3"/>
+              </a:buClr>
+              <a:buSzPct val="95000"/>
+            </a:pPr>
+            <a:endParaRPr lang="en-US" dirty="0" smtClean="0"/>
+          </a:p>
+        </p:txBody>
+      </p:sp>
+      <p:sp>
+        <p:nvSpPr>
+          <p:cNvPr id="4" name="Content Placeholder 2"/>
+          <p:cNvSpPr txBox="1">
+            <a:spLocks/>
+          </p:cNvSpPr>
+          <p:nvPr/>
+        </p:nvSpPr>
+        <p:spPr>
+          <a:xfrm>
+            <a:off x="5996356" y="1043359"/>
+            <a:ext cx="5843954" cy="4196862"/>
+          </a:xfrm>
+          <a:prstGeom prst="rect">
+            <a:avLst/>
+          </a:prstGeom>
+        </p:spPr>
+        <p:txBody>
+          <a:bodyPr vert="horz" lIns="91440" tIns="45720" rIns="91440" bIns="45720" rtlCol="0">
+            <a:noAutofit/>
+          </a:bodyPr>
+          <a:lstStyle>
+            <a:lvl1pPr marL="228600" indent="-228600" algn="l" defTabSz="914400" rtl="0" eaLnBrk="1" latinLnBrk="0" hangingPunct="1">
+              <a:lnSpc>
+                <a:spcPct val="90000"/>
+              </a:lnSpc>
+              <a:spcBef>
+                <a:spcPts val="1800"/>
+              </a:spcBef>
+              <a:buClr>
+                <a:srgbClr val="016C48"/>
+              </a:buClr>
+              <a:buSzPct val="100000"/>
+              <a:buFont typeface="Arial" pitchFamily="34" charset="0"/>
+              <a:buChar char="•"/>
+              <a:defRPr sz="2000" kern="1200">
+                <a:solidFill>
+                  <a:schemeClr val="tx1"/>
+                </a:solidFill>
+                <a:latin typeface="Calibri" panose="020F0502020204030204" pitchFamily="34" charset="0"/>
+                <a:ea typeface="+mn-ea"/>
+                <a:cs typeface="+mn-cs"/>
+              </a:defRPr>
+            </a:lvl1pPr>
+            <a:lvl2pPr marL="457200" indent="-182880" algn="l" defTabSz="914400" rtl="0" eaLnBrk="1" latinLnBrk="0" hangingPunct="1">
+              <a:lnSpc>
+                <a:spcPct val="90000"/>
+              </a:lnSpc>
+              <a:spcBef>
+                <a:spcPts val="1200"/>
+              </a:spcBef>
+              <a:buClr>
+                <a:srgbClr val="016C48"/>
+              </a:buClr>
+              <a:buSzPct val="100000"/>
+              <a:buFont typeface="Arial" pitchFamily="34" charset="0"/>
+              <a:buChar char="-"/>
+              <a:defRPr sz="1800" kern="1200">
+                <a:solidFill>
+                  <a:schemeClr val="tx1"/>
+                </a:solidFill>
+                <a:latin typeface="Calibri" panose="020F0502020204030204" pitchFamily="34" charset="0"/>
+                <a:ea typeface="+mn-ea"/>
+                <a:cs typeface="+mn-cs"/>
+              </a:defRPr>
+            </a:lvl2pPr>
+            <a:lvl3pPr marL="685800" indent="-179388" algn="l" defTabSz="914400" rtl="0" eaLnBrk="1" latinLnBrk="0" hangingPunct="1">
+              <a:lnSpc>
+                <a:spcPct val="90000"/>
+              </a:lnSpc>
+              <a:spcBef>
+                <a:spcPts val="800"/>
+              </a:spcBef>
+              <a:buClr>
+                <a:srgbClr val="016C48"/>
+              </a:buClr>
+              <a:buSzPct val="100000"/>
+              <a:buFont typeface="Arial" pitchFamily="34" charset="0"/>
+              <a:buChar char="-"/>
+              <a:defRPr sz="1600" kern="1200">
+                <a:solidFill>
+                  <a:schemeClr val="tx1"/>
+                </a:solidFill>
+                <a:latin typeface="Calibri" panose="020F0502020204030204" pitchFamily="34" charset="0"/>
+                <a:ea typeface="+mn-ea"/>
+                <a:cs typeface="+mn-cs"/>
+              </a:defRPr>
+            </a:lvl3pPr>
+            <a:lvl4pPr marL="914400" indent="-182880" algn="l" defTabSz="914400" rtl="0" eaLnBrk="1" latinLnBrk="0" hangingPunct="1">
+              <a:lnSpc>
+                <a:spcPct val="90000"/>
+              </a:lnSpc>
+              <a:spcBef>
+                <a:spcPts val="800"/>
+              </a:spcBef>
+              <a:buClr>
+                <a:srgbClr val="016C48"/>
+              </a:buClr>
+              <a:buSzPct val="100000"/>
+              <a:buFont typeface="Arial" pitchFamily="34" charset="0"/>
+              <a:buChar char="-"/>
+              <a:defRPr sz="1400" kern="1200">
+                <a:solidFill>
+                  <a:schemeClr val="tx1"/>
+                </a:solidFill>
+                <a:latin typeface="Calibri" panose="020F0502020204030204" pitchFamily="34" charset="0"/>
+                <a:ea typeface="+mn-ea"/>
+                <a:cs typeface="+mn-cs"/>
+              </a:defRPr>
+            </a:lvl4pPr>
+            <a:lvl5pPr marL="1143000" indent="-179388" algn="l" defTabSz="914400" rtl="0" eaLnBrk="1" latinLnBrk="0" hangingPunct="1">
+              <a:lnSpc>
+                <a:spcPct val="90000"/>
+              </a:lnSpc>
+              <a:spcBef>
+                <a:spcPts val="600"/>
+              </a:spcBef>
+              <a:buClr>
+                <a:srgbClr val="016C48"/>
+              </a:buClr>
+              <a:buSzPct val="100000"/>
+              <a:buFont typeface="Arial" pitchFamily="34" charset="0"/>
+              <a:buChar char="-"/>
+              <a:defRPr sz="1400" kern="1200">
+                <a:solidFill>
+                  <a:schemeClr val="tx1"/>
+                </a:solidFill>
+                <a:latin typeface="Calibri" panose="020F0502020204030204" pitchFamily="34" charset="0"/>
+                <a:ea typeface="+mn-ea"/>
+                <a:cs typeface="+mn-cs"/>
+              </a:defRPr>
+            </a:lvl5pPr>
+            <a:lvl6pPr marL="1371600" indent="-182880" algn="l" defTabSz="914400" rtl="0" eaLnBrk="1" latinLnBrk="0" hangingPunct="1">
+              <a:lnSpc>
+                <a:spcPct val="90000"/>
+              </a:lnSpc>
+              <a:spcBef>
+                <a:spcPts val="600"/>
+              </a:spcBef>
+              <a:buClr>
+                <a:schemeClr val="accent1"/>
+              </a:buClr>
+              <a:buSzPct val="100000"/>
+              <a:buFont typeface="Arial" pitchFamily="34" charset="0"/>
+              <a:buChar char="▪"/>
+              <a:defRPr sz="1400" kern="1200">
+                <a:solidFill>
+                  <a:schemeClr val="tx1"/>
+                </a:solidFill>
+                <a:latin typeface="+mn-lt"/>
+                <a:ea typeface="+mn-ea"/>
+                <a:cs typeface="+mn-cs"/>
+              </a:defRPr>
+            </a:lvl6pPr>
+            <a:lvl7pPr marL="1600200" indent="-179388" algn="l" defTabSz="914400" rtl="0" eaLnBrk="1" latinLnBrk="0" hangingPunct="1">
+              <a:lnSpc>
+                <a:spcPct val="90000"/>
+              </a:lnSpc>
+              <a:spcBef>
+                <a:spcPts val="600"/>
+              </a:spcBef>
+              <a:buClr>
+                <a:schemeClr val="accent1"/>
+              </a:buClr>
+              <a:buSzPct val="100000"/>
+              <a:buFont typeface="Arial" pitchFamily="34" charset="0"/>
+              <a:buChar char="▪"/>
+              <a:defRPr sz="1400" kern="1200">
+                <a:solidFill>
+                  <a:schemeClr val="tx1"/>
+                </a:solidFill>
+                <a:latin typeface="+mn-lt"/>
+                <a:ea typeface="+mn-ea"/>
+                <a:cs typeface="+mn-cs"/>
+              </a:defRPr>
+            </a:lvl7pPr>
+            <a:lvl8pPr marL="1828800" indent="-182880" algn="l" defTabSz="914400" rtl="0" eaLnBrk="1" latinLnBrk="0" hangingPunct="1">
+              <a:lnSpc>
+                <a:spcPct val="90000"/>
+              </a:lnSpc>
+              <a:spcBef>
+                <a:spcPts val="600"/>
+              </a:spcBef>
+              <a:buClr>
+                <a:schemeClr val="accent1"/>
+              </a:buClr>
+              <a:buSzPct val="100000"/>
+              <a:buFont typeface="Arial" pitchFamily="34" charset="0"/>
+              <a:buChar char="▪"/>
+              <a:defRPr sz="1400" kern="1200">
+                <a:solidFill>
+                  <a:schemeClr val="tx1"/>
+                </a:solidFill>
+                <a:latin typeface="+mn-lt"/>
+                <a:ea typeface="+mn-ea"/>
+                <a:cs typeface="+mn-cs"/>
+              </a:defRPr>
+            </a:lvl8pPr>
+            <a:lvl9pPr marL="2057400" indent="-179388" algn="l" defTabSz="914400" rtl="0" eaLnBrk="1" latinLnBrk="0" hangingPunct="1">
+              <a:lnSpc>
+                <a:spcPct val="90000"/>
+              </a:lnSpc>
+              <a:spcBef>
+                <a:spcPts val="600"/>
+              </a:spcBef>
+              <a:buClr>
+                <a:schemeClr val="accent1"/>
+              </a:buClr>
+              <a:buSzPct val="100000"/>
+              <a:buFont typeface="Arial" pitchFamily="34" charset="0"/>
+              <a:buChar char="▪"/>
+              <a:defRPr sz="1400" kern="1200">
+                <a:solidFill>
+                  <a:schemeClr val="tx1"/>
+                </a:solidFill>
+                <a:latin typeface="+mn-lt"/>
+                <a:ea typeface="+mn-ea"/>
+                <a:cs typeface="+mn-cs"/>
+              </a:defRPr>
+            </a:lvl9pPr>
+          </a:lstStyle>
+          <a:p>
+            <a:pPr marL="0" lvl="1" indent="0">
+              <a:buClr>
+                <a:schemeClr val="accent3"/>
+              </a:buClr>
+              <a:buSzPct val="95000"/>
+              <a:buFont typeface="Arial" pitchFamily="34" charset="0"/>
+              <a:buNone/>
+            </a:pPr>
+            <a:r>
+              <a:rPr lang="en-US" sz="2000" b="1" i="1" dirty="0" smtClean="0"/>
+              <a:t>Code style guide</a:t>
+            </a:r>
+          </a:p>
+          <a:p>
+            <a:pPr marL="514350" lvl="2" indent="-285750">
+              <a:buClr>
+                <a:schemeClr val="accent3"/>
+              </a:buClr>
+              <a:buSzPct val="95000"/>
+              <a:buFontTx/>
+              <a:buChar char="-"/>
+            </a:pPr>
+            <a:r>
+              <a:rPr lang="en-US" dirty="0" smtClean="0"/>
+              <a:t>object rules (Example)</a:t>
+            </a:r>
+          </a:p>
+          <a:p>
+            <a:pPr marL="228600" lvl="2" indent="0">
+              <a:buClr>
+                <a:schemeClr val="accent3"/>
+              </a:buClr>
+              <a:buSzPct val="95000"/>
+              <a:buNone/>
+            </a:pPr>
+            <a:r>
+              <a:rPr lang="en-US" sz="1600" dirty="0" smtClean="0"/>
+              <a:t>Place </a:t>
+            </a:r>
+            <a:r>
+              <a:rPr lang="en-US" sz="1600" dirty="0"/>
+              <a:t>the opening bracket on the same line as the object </a:t>
+            </a:r>
+            <a:r>
+              <a:rPr lang="en-US" sz="1600" dirty="0" smtClean="0"/>
+              <a:t>name.</a:t>
+            </a:r>
+            <a:br>
+              <a:rPr lang="en-US" sz="1600" dirty="0" smtClean="0"/>
+            </a:br>
+            <a:r>
+              <a:rPr lang="en-US" sz="1600" dirty="0" smtClean="0"/>
+              <a:t>Use </a:t>
+            </a:r>
+            <a:r>
+              <a:rPr lang="en-US" sz="1600" dirty="0"/>
+              <a:t>colon plus one space between each property and its </a:t>
+            </a:r>
+            <a:r>
+              <a:rPr lang="en-US" sz="1600" dirty="0" smtClean="0"/>
+              <a:t>value.</a:t>
+            </a:r>
+            <a:br>
+              <a:rPr lang="en-US" sz="1600" dirty="0" smtClean="0"/>
+            </a:br>
+            <a:r>
+              <a:rPr lang="en-US" sz="1600" dirty="0" smtClean="0"/>
+              <a:t>Use </a:t>
+            </a:r>
+            <a:r>
+              <a:rPr lang="en-US" sz="1600" dirty="0"/>
+              <a:t>quotes around string values, not around numeric </a:t>
+            </a:r>
+            <a:r>
+              <a:rPr lang="en-US" sz="1600" dirty="0" smtClean="0"/>
+              <a:t>values.</a:t>
+            </a:r>
+            <a:br>
+              <a:rPr lang="en-US" sz="1600" dirty="0" smtClean="0"/>
+            </a:br>
+            <a:r>
+              <a:rPr lang="en-US" sz="1600" dirty="0" smtClean="0"/>
+              <a:t>Do </a:t>
+            </a:r>
+            <a:r>
+              <a:rPr lang="en-US" sz="1600" dirty="0"/>
+              <a:t>not add a comma after the last property-value </a:t>
+            </a:r>
+            <a:r>
+              <a:rPr lang="en-US" sz="1600" dirty="0" smtClean="0"/>
+              <a:t>pair.</a:t>
+            </a:r>
+            <a:br>
+              <a:rPr lang="en-US" sz="1600" dirty="0" smtClean="0"/>
+            </a:br>
+            <a:r>
+              <a:rPr lang="en-US" sz="1600" dirty="0" smtClean="0"/>
+              <a:t>Place </a:t>
+            </a:r>
+            <a:r>
+              <a:rPr lang="en-US" sz="1600" dirty="0"/>
+              <a:t>the closing bracket on a new line, without leading </a:t>
+            </a:r>
+            <a:r>
+              <a:rPr lang="en-US" sz="1600" dirty="0" smtClean="0"/>
+              <a:t>spaces.</a:t>
+            </a:r>
+            <a:br>
+              <a:rPr lang="en-US" sz="1600" dirty="0" smtClean="0"/>
+            </a:br>
+            <a:r>
+              <a:rPr lang="en-US" sz="1600" dirty="0" smtClean="0"/>
+              <a:t>Always </a:t>
+            </a:r>
+            <a:r>
+              <a:rPr lang="en-US" sz="1600" dirty="0"/>
+              <a:t>end  an object definition with a semicolon.</a:t>
+            </a:r>
+          </a:p>
+          <a:p>
+            <a:pPr marL="514350" lvl="2" indent="-285750">
+              <a:buClr>
+                <a:schemeClr val="accent3"/>
+              </a:buClr>
+              <a:buSzPct val="95000"/>
+              <a:buFontTx/>
+              <a:buChar char="-"/>
+            </a:pPr>
+            <a:endParaRPr lang="en-US" dirty="0" smtClean="0"/>
+          </a:p>
+          <a:p>
+            <a:pPr marL="742950" lvl="3" indent="-285750">
+              <a:buClr>
+                <a:schemeClr val="accent3"/>
+              </a:buClr>
+              <a:buSzPct val="95000"/>
+            </a:pPr>
+            <a:endParaRPr lang="en-US" dirty="0" smtClean="0"/>
+          </a:p>
+        </p:txBody>
+      </p:sp>
+    </p:spTree>
+    <p:extLst>
+      <p:ext uri="{BB962C8B-B14F-4D97-AF65-F5344CB8AC3E}">
+        <p14:creationId xmlns:p14="http://schemas.microsoft.com/office/powerpoint/2010/main" val="2612346998"/>
+      </p:ext>
+    </p:extLst>
+  </p:cSld>
+  <p:clrMapOvr>
+    <a:masterClrMapping/>
+  </p:clrMapOvr>
+  <mc:AlternateContent xmlns:mc="http://schemas.openxmlformats.org/markup-compatibility/2006" xmlns:p14="http://schemas.microsoft.com/office/powerpoint/2010/main">
+    <mc:Choice Requires="p14">
+      <p:transition p14:dur="0"/>
+    </mc:Choice>
+    <mc:Fallback xmlns="">
+      <p:transition/>
+    </mc:Fallback>
+  </mc:AlternateContent>
+  <p:timing>
+    <p:tnLst>
+      <p:par>
+        <p:cTn id="1" dur="indefinite" restart="never" nodeType="tmRoot"/>
+      </p:par>
+    </p:tnLst>
+  </p:timing>
+</p:sld>
+</file>
+
+<file path=ppt/slides/slide32.xml><?xml version="1.0" encoding="utf-8"?>
+<p:sld xmlns:a="http://schemas.openxmlformats.org/drawingml/2006/main" xmlns:r="http://schemas.openxmlformats.org/officeDocument/2006/relationships" xmlns:p="http://schemas.openxmlformats.org/presentationml/2006/main">
+  <p:cSld>
+    <p:spTree>
+      <p:nvGrpSpPr>
+        <p:cNvPr id="1" name=""/>
+        <p:cNvGrpSpPr/>
+        <p:nvPr/>
+      </p:nvGrpSpPr>
+      <p:grpSpPr>
+        <a:xfrm>
+          <a:off x="0" y="0"/>
+          <a:ext cx="0" cy="0"/>
+          <a:chOff x="0" y="0"/>
+          <a:chExt cx="0" cy="0"/>
+        </a:xfrm>
+      </p:grpSpPr>
+      <p:sp>
+        <p:nvSpPr>
+          <p:cNvPr id="2" name="Title 1"/>
+          <p:cNvSpPr>
+            <a:spLocks noGrp="1"/>
+          </p:cNvSpPr>
+          <p:nvPr>
+            <p:ph type="title"/>
+          </p:nvPr>
+        </p:nvSpPr>
+        <p:spPr>
+          <a:xfrm>
+            <a:off x="1295400" y="-305034"/>
+            <a:ext cx="9601200" cy="1142385"/>
+          </a:xfrm>
+        </p:spPr>
+        <p:txBody>
+          <a:bodyPr/>
+          <a:lstStyle/>
+          <a:p>
+            <a:r>
+              <a:rPr lang="en-US" dirty="0" smtClean="0"/>
+              <a:t>JavaScript </a:t>
+            </a:r>
+            <a:r>
+              <a:rPr lang="en-US" dirty="0" err="1" smtClean="0"/>
+              <a:t>elements&amp;</a:t>
+            </a:r>
+            <a:r>
+              <a:rPr lang="en-US" dirty="0" err="1" smtClean="0"/>
+              <a:t>syntax</a:t>
+            </a:r>
+            <a:endParaRPr lang="en-US" dirty="0"/>
+          </a:p>
+        </p:txBody>
+      </p:sp>
+      <p:sp>
+        <p:nvSpPr>
+          <p:cNvPr id="3" name="Content Placeholder 2"/>
+          <p:cNvSpPr>
+            <a:spLocks noGrp="1"/>
+          </p:cNvSpPr>
+          <p:nvPr>
+            <p:ph idx="1"/>
+          </p:nvPr>
+        </p:nvSpPr>
+        <p:spPr>
+          <a:xfrm>
+            <a:off x="404452" y="1031634"/>
+            <a:ext cx="5843954" cy="5040919"/>
+          </a:xfrm>
+        </p:spPr>
+        <p:txBody>
+          <a:bodyPr>
+            <a:noAutofit/>
+          </a:bodyPr>
+          <a:lstStyle/>
+          <a:p>
+            <a:pPr marL="0" lvl="1" indent="0">
+              <a:buClr>
+                <a:schemeClr val="accent3"/>
+              </a:buClr>
+              <a:buSzPct val="95000"/>
+              <a:buNone/>
+            </a:pPr>
+            <a:r>
+              <a:rPr lang="en-US" sz="2000" b="1" i="1" dirty="0" smtClean="0"/>
+              <a:t>Mistakes</a:t>
+            </a:r>
+            <a:endParaRPr lang="en-US" sz="2000" b="1" i="1" dirty="0"/>
+          </a:p>
+          <a:p>
+            <a:pPr marL="514350" lvl="2" indent="-285750">
+              <a:buClr>
+                <a:schemeClr val="accent3"/>
+              </a:buClr>
+              <a:buSzPct val="95000"/>
+              <a:buFontTx/>
+              <a:buChar char="-"/>
+            </a:pPr>
+            <a:r>
+              <a:rPr lang="en-US" sz="1800" dirty="0" smtClean="0"/>
+              <a:t>accidently using </a:t>
+            </a:r>
+            <a:r>
+              <a:rPr lang="en-US" sz="1800" dirty="0" err="1" smtClean="0"/>
+              <a:t>assing</a:t>
+            </a:r>
+            <a:r>
+              <a:rPr lang="en-US" sz="1800" dirty="0" smtClean="0"/>
+              <a:t> instead od equal</a:t>
+            </a:r>
+          </a:p>
+          <a:p>
+            <a:pPr marL="514350" lvl="2" indent="-285750">
+              <a:buClr>
+                <a:schemeClr val="accent3"/>
+              </a:buClr>
+              <a:buSzPct val="95000"/>
+              <a:buFontTx/>
+              <a:buChar char="-"/>
+            </a:pPr>
+            <a:r>
+              <a:rPr lang="en-US" sz="1800" dirty="0" smtClean="0"/>
+              <a:t>expecting == everywhere </a:t>
+            </a:r>
+          </a:p>
+          <a:p>
+            <a:pPr marL="228600" lvl="2" indent="0">
+              <a:buClr>
+                <a:schemeClr val="accent3"/>
+              </a:buClr>
+              <a:buSzPct val="95000"/>
+              <a:buNone/>
+            </a:pPr>
+            <a:r>
+              <a:rPr lang="en-US" dirty="0" smtClean="0"/>
+              <a:t>	</a:t>
+            </a:r>
+            <a:r>
+              <a:rPr lang="en-US" dirty="0" err="1" smtClean="0"/>
+              <a:t>var</a:t>
+            </a:r>
+            <a:r>
+              <a:rPr lang="en-US" dirty="0" smtClean="0"/>
+              <a:t> x = 10, y=“10”;</a:t>
+            </a:r>
+          </a:p>
+          <a:p>
+            <a:pPr marL="228600" lvl="2" indent="0">
+              <a:buClr>
+                <a:schemeClr val="accent3"/>
+              </a:buClr>
+              <a:buSzPct val="95000"/>
+              <a:buNone/>
+            </a:pPr>
+            <a:r>
+              <a:rPr lang="en-US" sz="1600" dirty="0"/>
+              <a:t>	</a:t>
+            </a:r>
+            <a:r>
+              <a:rPr lang="en-US" dirty="0" smtClean="0"/>
+              <a:t>if (x==y) //true</a:t>
+            </a:r>
+          </a:p>
+          <a:p>
+            <a:pPr marL="228600" lvl="2" indent="0">
+              <a:buClr>
+                <a:schemeClr val="accent3"/>
+              </a:buClr>
+              <a:buSzPct val="95000"/>
+              <a:buNone/>
+            </a:pPr>
+            <a:r>
+              <a:rPr lang="en-US" sz="1600" dirty="0"/>
+              <a:t>	</a:t>
+            </a:r>
+            <a:r>
+              <a:rPr lang="en-US" sz="1600" dirty="0" smtClean="0"/>
+              <a:t>switch (x) { case “10”: //not true</a:t>
+            </a:r>
+          </a:p>
+          <a:p>
+            <a:pPr marL="514350" lvl="2" indent="-285750">
+              <a:buClr>
+                <a:schemeClr val="accent3"/>
+              </a:buClr>
+              <a:buSzPct val="95000"/>
+              <a:buFontTx/>
+              <a:buChar char="-"/>
+            </a:pPr>
+            <a:r>
+              <a:rPr lang="en-US" sz="1800" dirty="0" smtClean="0"/>
+              <a:t>add operator duality </a:t>
+            </a:r>
+          </a:p>
+          <a:p>
+            <a:pPr marL="228600" lvl="2" indent="0">
+              <a:buClr>
+                <a:schemeClr val="accent3"/>
+              </a:buClr>
+              <a:buSzPct val="95000"/>
+              <a:buNone/>
+            </a:pPr>
+            <a:r>
+              <a:rPr lang="en-US" dirty="0"/>
+              <a:t>	</a:t>
+            </a:r>
+            <a:r>
+              <a:rPr lang="en-US" dirty="0" err="1" smtClean="0"/>
+              <a:t>var</a:t>
+            </a:r>
+            <a:r>
+              <a:rPr lang="en-US" dirty="0" smtClean="0"/>
+              <a:t> x = 10+5; //result = 15</a:t>
+            </a:r>
+          </a:p>
+          <a:p>
+            <a:pPr marL="228600" lvl="2" indent="0">
+              <a:buClr>
+                <a:schemeClr val="accent3"/>
+              </a:buClr>
+              <a:buSzPct val="95000"/>
+              <a:buNone/>
+            </a:pPr>
+            <a:r>
+              <a:rPr lang="en-US" dirty="0"/>
+              <a:t>	</a:t>
+            </a:r>
+            <a:r>
+              <a:rPr lang="en-US" dirty="0" err="1" smtClean="0"/>
+              <a:t>var</a:t>
+            </a:r>
+            <a:r>
+              <a:rPr lang="en-US" dirty="0" smtClean="0"/>
+              <a:t> x = 10 + “5”; //result = 105</a:t>
+            </a:r>
+          </a:p>
+          <a:p>
+            <a:pPr marL="514350" lvl="2" indent="-285750">
+              <a:buClr>
+                <a:schemeClr val="accent3"/>
+              </a:buClr>
+              <a:buSzPct val="95000"/>
+              <a:buFontTx/>
+              <a:buChar char="-"/>
+            </a:pPr>
+            <a:r>
+              <a:rPr lang="en-US" sz="1800" dirty="0" smtClean="0"/>
+              <a:t>floating point problems</a:t>
+            </a:r>
+          </a:p>
+          <a:p>
+            <a:pPr marL="457200" lvl="3" indent="0">
+              <a:buClr>
+                <a:schemeClr val="accent3"/>
+              </a:buClr>
+              <a:buSzPct val="95000"/>
+              <a:buNone/>
+            </a:pPr>
+            <a:r>
+              <a:rPr lang="en-US" sz="1600" dirty="0" smtClean="0"/>
+              <a:t>	</a:t>
+            </a:r>
+            <a:r>
+              <a:rPr lang="en-US" sz="1600" dirty="0" err="1" smtClean="0"/>
+              <a:t>var</a:t>
+            </a:r>
+            <a:r>
+              <a:rPr lang="en-US" sz="1600" dirty="0" smtClean="0"/>
+              <a:t> x = 0.1, y=0.2, z=</a:t>
+            </a:r>
+            <a:r>
+              <a:rPr lang="en-US" sz="1600" dirty="0" err="1" smtClean="0"/>
+              <a:t>x+y</a:t>
+            </a:r>
+            <a:r>
+              <a:rPr lang="en-US" sz="1600" dirty="0" smtClean="0"/>
+              <a:t>;</a:t>
+            </a:r>
+          </a:p>
+          <a:p>
+            <a:pPr marL="457200" lvl="3" indent="0">
+              <a:buClr>
+                <a:schemeClr val="accent3"/>
+              </a:buClr>
+              <a:buSzPct val="95000"/>
+              <a:buNone/>
+            </a:pPr>
+            <a:r>
+              <a:rPr lang="en-US" sz="1600" dirty="0"/>
+              <a:t>	</a:t>
+            </a:r>
+            <a:r>
+              <a:rPr lang="en-US" sz="1600" dirty="0" smtClean="0"/>
+              <a:t>if (z == 0.3) //this will fail</a:t>
+            </a:r>
+          </a:p>
+          <a:p>
+            <a:pPr marL="457200" lvl="3" indent="0">
+              <a:buClr>
+                <a:schemeClr val="accent3"/>
+              </a:buClr>
+              <a:buSzPct val="95000"/>
+              <a:buNone/>
+            </a:pPr>
+            <a:r>
+              <a:rPr lang="en-US" sz="1600" dirty="0"/>
+              <a:t>	</a:t>
+            </a:r>
+            <a:r>
+              <a:rPr lang="en-US" sz="1600" dirty="0" err="1" smtClean="0"/>
+              <a:t>var</a:t>
+            </a:r>
+            <a:r>
+              <a:rPr lang="en-US" sz="1600" dirty="0" smtClean="0"/>
+              <a:t> z = (x*10 + y*10)/10; //x=0.3</a:t>
+            </a:r>
+          </a:p>
+          <a:p>
+            <a:pPr marL="514350" lvl="2" indent="-285750">
+              <a:buClr>
+                <a:schemeClr val="accent3"/>
+              </a:buClr>
+              <a:buSzPct val="95000"/>
+              <a:buFontTx/>
+              <a:buChar char="-"/>
+            </a:pPr>
+            <a:endParaRPr lang="en-US" sz="1600" dirty="0" smtClean="0"/>
+          </a:p>
+          <a:p>
+            <a:pPr marL="742950" lvl="3" indent="-285750">
+              <a:buClr>
+                <a:schemeClr val="accent3"/>
+              </a:buClr>
+              <a:buSzPct val="95000"/>
+            </a:pPr>
+            <a:endParaRPr lang="en-US" dirty="0" smtClean="0"/>
+          </a:p>
+        </p:txBody>
+      </p:sp>
+      <p:sp>
+        <p:nvSpPr>
+          <p:cNvPr id="5" name="Content Placeholder 2"/>
+          <p:cNvSpPr txBox="1">
+            <a:spLocks/>
+          </p:cNvSpPr>
+          <p:nvPr/>
+        </p:nvSpPr>
+        <p:spPr>
+          <a:xfrm>
+            <a:off x="5292977" y="1418496"/>
+            <a:ext cx="5843954" cy="5040919"/>
+          </a:xfrm>
+          <a:prstGeom prst="rect">
+            <a:avLst/>
+          </a:prstGeom>
+        </p:spPr>
+        <p:txBody>
+          <a:bodyPr vert="horz" lIns="91440" tIns="45720" rIns="91440" bIns="45720" rtlCol="0">
+            <a:noAutofit/>
+          </a:bodyPr>
+          <a:lstStyle>
+            <a:lvl1pPr marL="228600" indent="-228600" algn="l" defTabSz="914400" rtl="0" eaLnBrk="1" latinLnBrk="0" hangingPunct="1">
+              <a:lnSpc>
+                <a:spcPct val="90000"/>
+              </a:lnSpc>
+              <a:spcBef>
+                <a:spcPts val="1800"/>
+              </a:spcBef>
+              <a:buClr>
+                <a:srgbClr val="016C48"/>
+              </a:buClr>
+              <a:buSzPct val="100000"/>
+              <a:buFont typeface="Arial" pitchFamily="34" charset="0"/>
+              <a:buChar char="•"/>
+              <a:defRPr sz="2000" kern="1200">
+                <a:solidFill>
+                  <a:schemeClr val="tx1"/>
+                </a:solidFill>
+                <a:latin typeface="Calibri" panose="020F0502020204030204" pitchFamily="34" charset="0"/>
+                <a:ea typeface="+mn-ea"/>
+                <a:cs typeface="+mn-cs"/>
+              </a:defRPr>
+            </a:lvl1pPr>
+            <a:lvl2pPr marL="457200" indent="-182880" algn="l" defTabSz="914400" rtl="0" eaLnBrk="1" latinLnBrk="0" hangingPunct="1">
+              <a:lnSpc>
+                <a:spcPct val="90000"/>
+              </a:lnSpc>
+              <a:spcBef>
+                <a:spcPts val="1200"/>
+              </a:spcBef>
+              <a:buClr>
+                <a:srgbClr val="016C48"/>
+              </a:buClr>
+              <a:buSzPct val="100000"/>
+              <a:buFont typeface="Arial" pitchFamily="34" charset="0"/>
+              <a:buChar char="-"/>
+              <a:defRPr sz="1800" kern="1200">
+                <a:solidFill>
+                  <a:schemeClr val="tx1"/>
+                </a:solidFill>
+                <a:latin typeface="Calibri" panose="020F0502020204030204" pitchFamily="34" charset="0"/>
+                <a:ea typeface="+mn-ea"/>
+                <a:cs typeface="+mn-cs"/>
+              </a:defRPr>
+            </a:lvl2pPr>
+            <a:lvl3pPr marL="685800" indent="-179388" algn="l" defTabSz="914400" rtl="0" eaLnBrk="1" latinLnBrk="0" hangingPunct="1">
+              <a:lnSpc>
+                <a:spcPct val="90000"/>
+              </a:lnSpc>
+              <a:spcBef>
+                <a:spcPts val="800"/>
+              </a:spcBef>
+              <a:buClr>
+                <a:srgbClr val="016C48"/>
+              </a:buClr>
+              <a:buSzPct val="100000"/>
+              <a:buFont typeface="Arial" pitchFamily="34" charset="0"/>
+              <a:buChar char="-"/>
+              <a:defRPr sz="1600" kern="1200">
+                <a:solidFill>
+                  <a:schemeClr val="tx1"/>
+                </a:solidFill>
+                <a:latin typeface="Calibri" panose="020F0502020204030204" pitchFamily="34" charset="0"/>
+                <a:ea typeface="+mn-ea"/>
+                <a:cs typeface="+mn-cs"/>
+              </a:defRPr>
+            </a:lvl3pPr>
+            <a:lvl4pPr marL="914400" indent="-182880" algn="l" defTabSz="914400" rtl="0" eaLnBrk="1" latinLnBrk="0" hangingPunct="1">
+              <a:lnSpc>
+                <a:spcPct val="90000"/>
+              </a:lnSpc>
+              <a:spcBef>
+                <a:spcPts val="800"/>
+              </a:spcBef>
+              <a:buClr>
+                <a:srgbClr val="016C48"/>
+              </a:buClr>
+              <a:buSzPct val="100000"/>
+              <a:buFont typeface="Arial" pitchFamily="34" charset="0"/>
+              <a:buChar char="-"/>
+              <a:defRPr sz="1400" kern="1200">
+                <a:solidFill>
+                  <a:schemeClr val="tx1"/>
+                </a:solidFill>
+                <a:latin typeface="Calibri" panose="020F0502020204030204" pitchFamily="34" charset="0"/>
+                <a:ea typeface="+mn-ea"/>
+                <a:cs typeface="+mn-cs"/>
+              </a:defRPr>
+            </a:lvl4pPr>
+            <a:lvl5pPr marL="1143000" indent="-179388" algn="l" defTabSz="914400" rtl="0" eaLnBrk="1" latinLnBrk="0" hangingPunct="1">
+              <a:lnSpc>
+                <a:spcPct val="90000"/>
+              </a:lnSpc>
+              <a:spcBef>
+                <a:spcPts val="600"/>
+              </a:spcBef>
+              <a:buClr>
+                <a:srgbClr val="016C48"/>
+              </a:buClr>
+              <a:buSzPct val="100000"/>
+              <a:buFont typeface="Arial" pitchFamily="34" charset="0"/>
+              <a:buChar char="-"/>
+              <a:defRPr sz="1400" kern="1200">
+                <a:solidFill>
+                  <a:schemeClr val="tx1"/>
+                </a:solidFill>
+                <a:latin typeface="Calibri" panose="020F0502020204030204" pitchFamily="34" charset="0"/>
+                <a:ea typeface="+mn-ea"/>
+                <a:cs typeface="+mn-cs"/>
+              </a:defRPr>
+            </a:lvl5pPr>
+            <a:lvl6pPr marL="1371600" indent="-182880" algn="l" defTabSz="914400" rtl="0" eaLnBrk="1" latinLnBrk="0" hangingPunct="1">
+              <a:lnSpc>
+                <a:spcPct val="90000"/>
+              </a:lnSpc>
+              <a:spcBef>
+                <a:spcPts val="600"/>
+              </a:spcBef>
+              <a:buClr>
+                <a:schemeClr val="accent1"/>
+              </a:buClr>
+              <a:buSzPct val="100000"/>
+              <a:buFont typeface="Arial" pitchFamily="34" charset="0"/>
+              <a:buChar char="▪"/>
+              <a:defRPr sz="1400" kern="1200">
+                <a:solidFill>
+                  <a:schemeClr val="tx1"/>
+                </a:solidFill>
+                <a:latin typeface="+mn-lt"/>
+                <a:ea typeface="+mn-ea"/>
+                <a:cs typeface="+mn-cs"/>
+              </a:defRPr>
+            </a:lvl6pPr>
+            <a:lvl7pPr marL="1600200" indent="-179388" algn="l" defTabSz="914400" rtl="0" eaLnBrk="1" latinLnBrk="0" hangingPunct="1">
+              <a:lnSpc>
+                <a:spcPct val="90000"/>
+              </a:lnSpc>
+              <a:spcBef>
+                <a:spcPts val="600"/>
+              </a:spcBef>
+              <a:buClr>
+                <a:schemeClr val="accent1"/>
+              </a:buClr>
+              <a:buSzPct val="100000"/>
+              <a:buFont typeface="Arial" pitchFamily="34" charset="0"/>
+              <a:buChar char="▪"/>
+              <a:defRPr sz="1400" kern="1200">
+                <a:solidFill>
+                  <a:schemeClr val="tx1"/>
+                </a:solidFill>
+                <a:latin typeface="+mn-lt"/>
+                <a:ea typeface="+mn-ea"/>
+                <a:cs typeface="+mn-cs"/>
+              </a:defRPr>
+            </a:lvl7pPr>
+            <a:lvl8pPr marL="1828800" indent="-182880" algn="l" defTabSz="914400" rtl="0" eaLnBrk="1" latinLnBrk="0" hangingPunct="1">
+              <a:lnSpc>
+                <a:spcPct val="90000"/>
+              </a:lnSpc>
+              <a:spcBef>
+                <a:spcPts val="600"/>
+              </a:spcBef>
+              <a:buClr>
+                <a:schemeClr val="accent1"/>
+              </a:buClr>
+              <a:buSzPct val="100000"/>
+              <a:buFont typeface="Arial" pitchFamily="34" charset="0"/>
+              <a:buChar char="▪"/>
+              <a:defRPr sz="1400" kern="1200">
+                <a:solidFill>
+                  <a:schemeClr val="tx1"/>
+                </a:solidFill>
+                <a:latin typeface="+mn-lt"/>
+                <a:ea typeface="+mn-ea"/>
+                <a:cs typeface="+mn-cs"/>
+              </a:defRPr>
+            </a:lvl8pPr>
+            <a:lvl9pPr marL="2057400" indent="-179388" algn="l" defTabSz="914400" rtl="0" eaLnBrk="1" latinLnBrk="0" hangingPunct="1">
+              <a:lnSpc>
+                <a:spcPct val="90000"/>
+              </a:lnSpc>
+              <a:spcBef>
+                <a:spcPts val="600"/>
+              </a:spcBef>
+              <a:buClr>
+                <a:schemeClr val="accent1"/>
+              </a:buClr>
+              <a:buSzPct val="100000"/>
+              <a:buFont typeface="Arial" pitchFamily="34" charset="0"/>
+              <a:buChar char="▪"/>
+              <a:defRPr sz="1400" kern="1200">
+                <a:solidFill>
+                  <a:schemeClr val="tx1"/>
+                </a:solidFill>
+                <a:latin typeface="+mn-lt"/>
+                <a:ea typeface="+mn-ea"/>
+                <a:cs typeface="+mn-cs"/>
+              </a:defRPr>
+            </a:lvl9pPr>
+          </a:lstStyle>
+          <a:p>
+            <a:pPr marL="514350" lvl="2" indent="-285750">
+              <a:buClr>
+                <a:schemeClr val="accent3"/>
+              </a:buClr>
+              <a:buSzPct val="95000"/>
+              <a:buFontTx/>
+              <a:buChar char="-"/>
+            </a:pPr>
+            <a:r>
+              <a:rPr lang="en-US" sz="1800" dirty="0"/>
+              <a:t>s</a:t>
+            </a:r>
+            <a:r>
+              <a:rPr lang="en-US" sz="1800" dirty="0" smtClean="0"/>
+              <a:t>tring in multiple lines</a:t>
+            </a:r>
+          </a:p>
+          <a:p>
+            <a:pPr marL="228600" lvl="2" indent="0">
+              <a:buClr>
+                <a:schemeClr val="accent3"/>
+              </a:buClr>
+              <a:buSzPct val="95000"/>
+              <a:buNone/>
+            </a:pPr>
+            <a:r>
+              <a:rPr lang="en-US" sz="1800" dirty="0"/>
+              <a:t>	</a:t>
+            </a:r>
+            <a:r>
+              <a:rPr lang="en-US" dirty="0" err="1" smtClean="0"/>
+              <a:t>var</a:t>
+            </a:r>
+            <a:r>
+              <a:rPr lang="en-US" dirty="0" smtClean="0"/>
+              <a:t> x= “.NET</a:t>
+            </a:r>
+          </a:p>
+          <a:p>
+            <a:pPr marL="228600" lvl="2" indent="0">
+              <a:buClr>
+                <a:schemeClr val="accent3"/>
+              </a:buClr>
+              <a:buSzPct val="95000"/>
+              <a:buNone/>
+            </a:pPr>
+            <a:r>
+              <a:rPr lang="en-US" sz="1800" dirty="0"/>
+              <a:t>	</a:t>
+            </a:r>
+            <a:r>
+              <a:rPr lang="en-US" dirty="0" smtClean="0"/>
+              <a:t>Talent</a:t>
+            </a:r>
+            <a:r>
+              <a:rPr lang="en-US" sz="1800" dirty="0" smtClean="0"/>
+              <a:t>”</a:t>
+            </a:r>
+            <a:r>
+              <a:rPr lang="en-US" dirty="0" smtClean="0"/>
+              <a:t>;//bad</a:t>
+            </a:r>
+            <a:endParaRPr lang="en-US" sz="1800" dirty="0" smtClean="0"/>
+          </a:p>
+          <a:p>
+            <a:pPr marL="228600" lvl="2" indent="0">
+              <a:buClr>
+                <a:schemeClr val="accent3"/>
+              </a:buClr>
+              <a:buSzPct val="95000"/>
+              <a:buNone/>
+            </a:pPr>
+            <a:r>
+              <a:rPr lang="en-US" dirty="0"/>
+              <a:t>	</a:t>
+            </a:r>
+            <a:r>
+              <a:rPr lang="en-US" dirty="0" err="1" smtClean="0"/>
+              <a:t>var</a:t>
+            </a:r>
+            <a:r>
+              <a:rPr lang="en-US" dirty="0" smtClean="0"/>
+              <a:t>  y = “.NET /</a:t>
+            </a:r>
+          </a:p>
+          <a:p>
+            <a:pPr marL="228600" lvl="2" indent="0">
+              <a:buClr>
+                <a:schemeClr val="accent3"/>
+              </a:buClr>
+              <a:buSzPct val="95000"/>
+              <a:buNone/>
+            </a:pPr>
+            <a:r>
+              <a:rPr lang="en-US" dirty="0"/>
+              <a:t>	</a:t>
+            </a:r>
+            <a:r>
+              <a:rPr lang="en-US" dirty="0" smtClean="0"/>
+              <a:t>Talent”;//good</a:t>
+            </a:r>
+          </a:p>
+          <a:p>
+            <a:pPr marL="514350" lvl="2" indent="-285750">
+              <a:buClr>
+                <a:schemeClr val="accent3"/>
+              </a:buClr>
+              <a:buSzPct val="95000"/>
+              <a:buFontTx/>
+              <a:buChar char="-"/>
+            </a:pPr>
+            <a:r>
+              <a:rPr lang="en-US" sz="1800" dirty="0"/>
+              <a:t>m</a:t>
+            </a:r>
+            <a:r>
+              <a:rPr lang="en-US" sz="1800" dirty="0" smtClean="0"/>
+              <a:t>isplacing semicolon</a:t>
+            </a:r>
+          </a:p>
+          <a:p>
+            <a:pPr marL="914400" lvl="5" indent="0">
+              <a:buClr>
+                <a:schemeClr val="accent3"/>
+              </a:buClr>
+              <a:buSzPct val="95000"/>
+              <a:buNone/>
+            </a:pPr>
+            <a:r>
+              <a:rPr lang="en-US" sz="1600" dirty="0"/>
+              <a:t>if (x == 19);</a:t>
+            </a:r>
+            <a:r>
+              <a:rPr lang="en-US" sz="1600" dirty="0"/>
+              <a:t/>
+            </a:r>
+            <a:br>
+              <a:rPr lang="en-US" sz="1600" dirty="0"/>
+            </a:br>
+            <a:r>
+              <a:rPr lang="en-US" sz="1600" dirty="0"/>
+              <a:t>{</a:t>
+            </a:r>
+            <a:r>
+              <a:rPr lang="en-US" sz="1600" dirty="0"/>
+              <a:t/>
+            </a:r>
+            <a:br>
+              <a:rPr lang="en-US" sz="1600" dirty="0"/>
+            </a:br>
+            <a:r>
+              <a:rPr lang="en-US" sz="1600" dirty="0"/>
+              <a:t>    // code block  </a:t>
+            </a:r>
+            <a:br>
+              <a:rPr lang="en-US" sz="1600" dirty="0"/>
+            </a:br>
+            <a:r>
+              <a:rPr lang="en-US" sz="1600" dirty="0" smtClean="0"/>
+              <a:t>}</a:t>
+            </a:r>
+          </a:p>
+          <a:p>
+            <a:pPr marL="514350" lvl="2" indent="-285750">
+              <a:buClr>
+                <a:schemeClr val="accent3"/>
+              </a:buClr>
+              <a:buSzPct val="95000"/>
+              <a:buFontTx/>
+              <a:buChar char="-"/>
+            </a:pPr>
+            <a:r>
+              <a:rPr lang="en-US" sz="1800" dirty="0" smtClean="0"/>
+              <a:t>breaking the return</a:t>
+            </a:r>
+          </a:p>
+          <a:p>
+            <a:pPr marL="457200" lvl="3" indent="0">
+              <a:buClr>
+                <a:schemeClr val="accent3"/>
+              </a:buClr>
+              <a:buSzPct val="95000"/>
+              <a:buNone/>
+            </a:pPr>
+            <a:r>
+              <a:rPr lang="en-US" sz="1600" dirty="0" smtClean="0"/>
+              <a:t>JS tries to complete the statement in multiple lines (</a:t>
+            </a:r>
+            <a:r>
+              <a:rPr lang="en-US" sz="1600" dirty="0" err="1" smtClean="0"/>
+              <a:t>var</a:t>
+            </a:r>
+            <a:r>
+              <a:rPr lang="en-US" sz="1600" dirty="0" smtClean="0"/>
+              <a:t>)</a:t>
+            </a:r>
+          </a:p>
+          <a:p>
+            <a:pPr marL="457200" lvl="3" indent="0">
+              <a:buClr>
+                <a:schemeClr val="accent3"/>
+              </a:buClr>
+              <a:buSzPct val="95000"/>
+              <a:buNone/>
+            </a:pPr>
+            <a:r>
+              <a:rPr lang="en-US" sz="1600" dirty="0"/>
+              <a:t>r</a:t>
+            </a:r>
+            <a:r>
+              <a:rPr lang="en-US" sz="1600" dirty="0" smtClean="0"/>
+              <a:t>eturn is considered complete (the same as return;)</a:t>
+            </a:r>
+          </a:p>
+          <a:p>
+            <a:pPr marL="742950" lvl="3" indent="-285750">
+              <a:buClr>
+                <a:schemeClr val="accent3"/>
+              </a:buClr>
+              <a:buSzPct val="95000"/>
+            </a:pPr>
+            <a:endParaRPr lang="en-US" dirty="0" smtClean="0"/>
+          </a:p>
+          <a:p>
+            <a:pPr marL="457200" lvl="3" indent="0">
+              <a:buClr>
+                <a:schemeClr val="accent3"/>
+              </a:buClr>
+              <a:buSzPct val="95000"/>
+              <a:buNone/>
+            </a:pPr>
+            <a:endParaRPr lang="en-US" dirty="0" smtClean="0"/>
+          </a:p>
+        </p:txBody>
+      </p:sp>
+    </p:spTree>
+    <p:extLst>
+      <p:ext uri="{BB962C8B-B14F-4D97-AF65-F5344CB8AC3E}">
+        <p14:creationId xmlns:p14="http://schemas.microsoft.com/office/powerpoint/2010/main" val="2863509352"/>
+      </p:ext>
+    </p:extLst>
+  </p:cSld>
+  <p:clrMapOvr>
+    <a:masterClrMapping/>
+  </p:clrMapOvr>
+  <mc:AlternateContent xmlns:mc="http://schemas.openxmlformats.org/markup-compatibility/2006" xmlns:p14="http://schemas.microsoft.com/office/powerpoint/2010/main">
+    <mc:Choice Requires="p14">
+      <p:transition p14:dur="0"/>
+    </mc:Choice>
+    <mc:Fallback xmlns="">
+      <p:transition/>
+    </mc:Fallback>
+  </mc:AlternateContent>
+  <p:timing>
+    <p:tnLst>
+      <p:par>
+        <p:cTn id="1" dur="indefinite" restart="never" nodeType="tmRoot"/>
+      </p:par>
+    </p:tnLst>
+  </p:timing>
+</p:sld>
+</file>
+
+<file path=ppt/slides/slide33.xml><?xml version="1.0" encoding="utf-8"?>
+<p:sld xmlns:a="http://schemas.openxmlformats.org/drawingml/2006/main" xmlns:r="http://schemas.openxmlformats.org/officeDocument/2006/relationships" xmlns:p="http://schemas.openxmlformats.org/presentationml/2006/main">
+  <p:cSld>
+    <p:spTree>
+      <p:nvGrpSpPr>
+        <p:cNvPr id="1" name=""/>
+        <p:cNvGrpSpPr/>
+        <p:nvPr/>
+      </p:nvGrpSpPr>
+      <p:grpSpPr>
+        <a:xfrm>
+          <a:off x="0" y="0"/>
+          <a:ext cx="0" cy="0"/>
+          <a:chOff x="0" y="0"/>
+          <a:chExt cx="0" cy="0"/>
+        </a:xfrm>
+      </p:grpSpPr>
+      <p:sp>
+        <p:nvSpPr>
+          <p:cNvPr id="2" name="Title 1"/>
+          <p:cNvSpPr>
+            <a:spLocks noGrp="1"/>
+          </p:cNvSpPr>
+          <p:nvPr>
+            <p:ph type="title"/>
+          </p:nvPr>
+        </p:nvSpPr>
+        <p:spPr>
+          <a:xfrm>
+            <a:off x="1295400" y="-305034"/>
+            <a:ext cx="9601200" cy="1142385"/>
+          </a:xfrm>
+        </p:spPr>
+        <p:txBody>
+          <a:bodyPr/>
+          <a:lstStyle/>
+          <a:p>
+            <a:r>
+              <a:rPr lang="en-US" dirty="0" smtClean="0"/>
+              <a:t>JavaScript </a:t>
+            </a:r>
+            <a:r>
+              <a:rPr lang="en-US" dirty="0" err="1" smtClean="0"/>
+              <a:t>elements&amp;</a:t>
+            </a:r>
+            <a:r>
+              <a:rPr lang="en-US" dirty="0" err="1" smtClean="0"/>
+              <a:t>syntax</a:t>
+            </a:r>
+            <a:endParaRPr lang="en-US" dirty="0"/>
+          </a:p>
+        </p:txBody>
+      </p:sp>
+      <p:sp>
+        <p:nvSpPr>
+          <p:cNvPr id="3" name="Content Placeholder 2"/>
+          <p:cNvSpPr>
+            <a:spLocks noGrp="1"/>
+          </p:cNvSpPr>
+          <p:nvPr>
+            <p:ph idx="1"/>
+          </p:nvPr>
+        </p:nvSpPr>
+        <p:spPr>
+          <a:xfrm>
+            <a:off x="404452" y="1031634"/>
+            <a:ext cx="5843954" cy="5040919"/>
+          </a:xfrm>
+        </p:spPr>
+        <p:txBody>
+          <a:bodyPr>
+            <a:noAutofit/>
+          </a:bodyPr>
+          <a:lstStyle/>
+          <a:p>
+            <a:pPr marL="0" lvl="1" indent="0">
+              <a:buClr>
+                <a:schemeClr val="accent3"/>
+              </a:buClr>
+              <a:buSzPct val="95000"/>
+              <a:buNone/>
+            </a:pPr>
+            <a:r>
+              <a:rPr lang="en-US" sz="2000" b="1" i="1" dirty="0" smtClean="0"/>
+              <a:t>Mistakes</a:t>
+            </a:r>
+            <a:endParaRPr lang="en-US" sz="2000" b="1" i="1" dirty="0"/>
+          </a:p>
+          <a:p>
+            <a:pPr marL="514350" lvl="2" indent="-285750">
+              <a:buClr>
+                <a:schemeClr val="accent3"/>
+              </a:buClr>
+              <a:buSzPct val="95000"/>
+              <a:buFontTx/>
+              <a:buChar char="-"/>
+            </a:pPr>
+            <a:r>
+              <a:rPr lang="en-US" sz="1800" dirty="0" smtClean="0"/>
+              <a:t>accessing arrays with named indexes (Example)</a:t>
+            </a:r>
+          </a:p>
+          <a:p>
+            <a:pPr marL="514350" lvl="2" indent="-285750">
+              <a:buClr>
+                <a:schemeClr val="accent3"/>
+              </a:buClr>
+              <a:buSzPct val="95000"/>
+              <a:buFontTx/>
+              <a:buChar char="-"/>
+            </a:pPr>
+            <a:endParaRPr lang="en-US" sz="1600" dirty="0" smtClean="0"/>
+          </a:p>
+          <a:p>
+            <a:pPr marL="742950" lvl="3" indent="-285750">
+              <a:buClr>
+                <a:schemeClr val="accent3"/>
+              </a:buClr>
+              <a:buSzPct val="95000"/>
+            </a:pPr>
+            <a:endParaRPr lang="en-US" dirty="0" smtClean="0"/>
+          </a:p>
+        </p:txBody>
+      </p:sp>
+      <p:sp>
+        <p:nvSpPr>
+          <p:cNvPr id="5" name="Content Placeholder 2"/>
+          <p:cNvSpPr txBox="1">
+            <a:spLocks/>
+          </p:cNvSpPr>
+          <p:nvPr/>
+        </p:nvSpPr>
+        <p:spPr>
+          <a:xfrm>
+            <a:off x="5292977" y="1418496"/>
+            <a:ext cx="5843954" cy="5040919"/>
+          </a:xfrm>
+          <a:prstGeom prst="rect">
+            <a:avLst/>
+          </a:prstGeom>
+        </p:spPr>
+        <p:txBody>
+          <a:bodyPr vert="horz" lIns="91440" tIns="45720" rIns="91440" bIns="45720" rtlCol="0">
+            <a:noAutofit/>
+          </a:bodyPr>
+          <a:lstStyle>
+            <a:lvl1pPr marL="228600" indent="-228600" algn="l" defTabSz="914400" rtl="0" eaLnBrk="1" latinLnBrk="0" hangingPunct="1">
+              <a:lnSpc>
+                <a:spcPct val="90000"/>
+              </a:lnSpc>
+              <a:spcBef>
+                <a:spcPts val="1800"/>
+              </a:spcBef>
+              <a:buClr>
+                <a:srgbClr val="016C48"/>
+              </a:buClr>
+              <a:buSzPct val="100000"/>
+              <a:buFont typeface="Arial" pitchFamily="34" charset="0"/>
+              <a:buChar char="•"/>
+              <a:defRPr sz="2000" kern="1200">
+                <a:solidFill>
+                  <a:schemeClr val="tx1"/>
+                </a:solidFill>
+                <a:latin typeface="Calibri" panose="020F0502020204030204" pitchFamily="34" charset="0"/>
+                <a:ea typeface="+mn-ea"/>
+                <a:cs typeface="+mn-cs"/>
+              </a:defRPr>
+            </a:lvl1pPr>
+            <a:lvl2pPr marL="457200" indent="-182880" algn="l" defTabSz="914400" rtl="0" eaLnBrk="1" latinLnBrk="0" hangingPunct="1">
+              <a:lnSpc>
+                <a:spcPct val="90000"/>
+              </a:lnSpc>
+              <a:spcBef>
+                <a:spcPts val="1200"/>
+              </a:spcBef>
+              <a:buClr>
+                <a:srgbClr val="016C48"/>
+              </a:buClr>
+              <a:buSzPct val="100000"/>
+              <a:buFont typeface="Arial" pitchFamily="34" charset="0"/>
+              <a:buChar char="-"/>
+              <a:defRPr sz="1800" kern="1200">
+                <a:solidFill>
+                  <a:schemeClr val="tx1"/>
+                </a:solidFill>
+                <a:latin typeface="Calibri" panose="020F0502020204030204" pitchFamily="34" charset="0"/>
+                <a:ea typeface="+mn-ea"/>
+                <a:cs typeface="+mn-cs"/>
+              </a:defRPr>
+            </a:lvl2pPr>
+            <a:lvl3pPr marL="685800" indent="-179388" algn="l" defTabSz="914400" rtl="0" eaLnBrk="1" latinLnBrk="0" hangingPunct="1">
+              <a:lnSpc>
+                <a:spcPct val="90000"/>
+              </a:lnSpc>
+              <a:spcBef>
+                <a:spcPts val="800"/>
+              </a:spcBef>
+              <a:buClr>
+                <a:srgbClr val="016C48"/>
+              </a:buClr>
+              <a:buSzPct val="100000"/>
+              <a:buFont typeface="Arial" pitchFamily="34" charset="0"/>
+              <a:buChar char="-"/>
+              <a:defRPr sz="1600" kern="1200">
+                <a:solidFill>
+                  <a:schemeClr val="tx1"/>
+                </a:solidFill>
+                <a:latin typeface="Calibri" panose="020F0502020204030204" pitchFamily="34" charset="0"/>
+                <a:ea typeface="+mn-ea"/>
+                <a:cs typeface="+mn-cs"/>
+              </a:defRPr>
+            </a:lvl3pPr>
+            <a:lvl4pPr marL="914400" indent="-182880" algn="l" defTabSz="914400" rtl="0" eaLnBrk="1" latinLnBrk="0" hangingPunct="1">
+              <a:lnSpc>
+                <a:spcPct val="90000"/>
+              </a:lnSpc>
+              <a:spcBef>
+                <a:spcPts val="800"/>
+              </a:spcBef>
+              <a:buClr>
+                <a:srgbClr val="016C48"/>
+              </a:buClr>
+              <a:buSzPct val="100000"/>
+              <a:buFont typeface="Arial" pitchFamily="34" charset="0"/>
+              <a:buChar char="-"/>
+              <a:defRPr sz="1400" kern="1200">
+                <a:solidFill>
+                  <a:schemeClr val="tx1"/>
+                </a:solidFill>
+                <a:latin typeface="Calibri" panose="020F0502020204030204" pitchFamily="34" charset="0"/>
+                <a:ea typeface="+mn-ea"/>
+                <a:cs typeface="+mn-cs"/>
+              </a:defRPr>
+            </a:lvl4pPr>
+            <a:lvl5pPr marL="1143000" indent="-179388" algn="l" defTabSz="914400" rtl="0" eaLnBrk="1" latinLnBrk="0" hangingPunct="1">
+              <a:lnSpc>
+                <a:spcPct val="90000"/>
+              </a:lnSpc>
+              <a:spcBef>
+                <a:spcPts val="600"/>
+              </a:spcBef>
+              <a:buClr>
+                <a:srgbClr val="016C48"/>
+              </a:buClr>
+              <a:buSzPct val="100000"/>
+              <a:buFont typeface="Arial" pitchFamily="34" charset="0"/>
+              <a:buChar char="-"/>
+              <a:defRPr sz="1400" kern="1200">
+                <a:solidFill>
+                  <a:schemeClr val="tx1"/>
+                </a:solidFill>
+                <a:latin typeface="Calibri" panose="020F0502020204030204" pitchFamily="34" charset="0"/>
+                <a:ea typeface="+mn-ea"/>
+                <a:cs typeface="+mn-cs"/>
+              </a:defRPr>
+            </a:lvl5pPr>
+            <a:lvl6pPr marL="1371600" indent="-182880" algn="l" defTabSz="914400" rtl="0" eaLnBrk="1" latinLnBrk="0" hangingPunct="1">
+              <a:lnSpc>
+                <a:spcPct val="90000"/>
+              </a:lnSpc>
+              <a:spcBef>
+                <a:spcPts val="600"/>
+              </a:spcBef>
+              <a:buClr>
+                <a:schemeClr val="accent1"/>
+              </a:buClr>
+              <a:buSzPct val="100000"/>
+              <a:buFont typeface="Arial" pitchFamily="34" charset="0"/>
+              <a:buChar char="▪"/>
+              <a:defRPr sz="1400" kern="1200">
+                <a:solidFill>
+                  <a:schemeClr val="tx1"/>
+                </a:solidFill>
+                <a:latin typeface="+mn-lt"/>
+                <a:ea typeface="+mn-ea"/>
+                <a:cs typeface="+mn-cs"/>
+              </a:defRPr>
+            </a:lvl6pPr>
+            <a:lvl7pPr marL="1600200" indent="-179388" algn="l" defTabSz="914400" rtl="0" eaLnBrk="1" latinLnBrk="0" hangingPunct="1">
+              <a:lnSpc>
+                <a:spcPct val="90000"/>
+              </a:lnSpc>
+              <a:spcBef>
+                <a:spcPts val="600"/>
+              </a:spcBef>
+              <a:buClr>
+                <a:schemeClr val="accent1"/>
+              </a:buClr>
+              <a:buSzPct val="100000"/>
+              <a:buFont typeface="Arial" pitchFamily="34" charset="0"/>
+              <a:buChar char="▪"/>
+              <a:defRPr sz="1400" kern="1200">
+                <a:solidFill>
+                  <a:schemeClr val="tx1"/>
+                </a:solidFill>
+                <a:latin typeface="+mn-lt"/>
+                <a:ea typeface="+mn-ea"/>
+                <a:cs typeface="+mn-cs"/>
+              </a:defRPr>
+            </a:lvl7pPr>
+            <a:lvl8pPr marL="1828800" indent="-182880" algn="l" defTabSz="914400" rtl="0" eaLnBrk="1" latinLnBrk="0" hangingPunct="1">
+              <a:lnSpc>
+                <a:spcPct val="90000"/>
+              </a:lnSpc>
+              <a:spcBef>
+                <a:spcPts val="600"/>
+              </a:spcBef>
+              <a:buClr>
+                <a:schemeClr val="accent1"/>
+              </a:buClr>
+              <a:buSzPct val="100000"/>
+              <a:buFont typeface="Arial" pitchFamily="34" charset="0"/>
+              <a:buChar char="▪"/>
+              <a:defRPr sz="1400" kern="1200">
+                <a:solidFill>
+                  <a:schemeClr val="tx1"/>
+                </a:solidFill>
+                <a:latin typeface="+mn-lt"/>
+                <a:ea typeface="+mn-ea"/>
+                <a:cs typeface="+mn-cs"/>
+              </a:defRPr>
+            </a:lvl8pPr>
+            <a:lvl9pPr marL="2057400" indent="-179388" algn="l" defTabSz="914400" rtl="0" eaLnBrk="1" latinLnBrk="0" hangingPunct="1">
+              <a:lnSpc>
+                <a:spcPct val="90000"/>
+              </a:lnSpc>
+              <a:spcBef>
+                <a:spcPts val="600"/>
+              </a:spcBef>
+              <a:buClr>
+                <a:schemeClr val="accent1"/>
+              </a:buClr>
+              <a:buSzPct val="100000"/>
+              <a:buFont typeface="Arial" pitchFamily="34" charset="0"/>
+              <a:buChar char="▪"/>
+              <a:defRPr sz="1400" kern="1200">
+                <a:solidFill>
+                  <a:schemeClr val="tx1"/>
+                </a:solidFill>
+                <a:latin typeface="+mn-lt"/>
+                <a:ea typeface="+mn-ea"/>
+                <a:cs typeface="+mn-cs"/>
+              </a:defRPr>
+            </a:lvl9pPr>
+          </a:lstStyle>
+          <a:p>
+            <a:pPr marL="457200" lvl="3" indent="0">
+              <a:buClr>
+                <a:schemeClr val="accent3"/>
+              </a:buClr>
+              <a:buSzPct val="95000"/>
+              <a:buNone/>
+            </a:pPr>
+            <a:endParaRPr lang="en-US" dirty="0" smtClean="0"/>
+          </a:p>
+        </p:txBody>
+      </p:sp>
+    </p:spTree>
+    <p:extLst>
+      <p:ext uri="{BB962C8B-B14F-4D97-AF65-F5344CB8AC3E}">
+        <p14:creationId xmlns:p14="http://schemas.microsoft.com/office/powerpoint/2010/main" val="1165723586"/>
+      </p:ext>
+    </p:extLst>
+  </p:cSld>
+  <p:clrMapOvr>
+    <a:masterClrMapping/>
+  </p:clrMapOvr>
+  <mc:AlternateContent xmlns:mc="http://schemas.openxmlformats.org/markup-compatibility/2006" xmlns:p14="http://schemas.microsoft.com/office/powerpoint/2010/main">
+    <mc:Choice Requires="p14">
+      <p:transition p14:dur="0"/>
+    </mc:Choice>
+    <mc:Fallback xmlns="">
+      <p:transition/>
+    </mc:Fallback>
+  </mc:AlternateContent>
+  <p:timing>
+    <p:tnLst>
+      <p:par>
+        <p:cTn id="1" dur="indefinite" restart="never" nodeType="tmRoot"/>
+      </p:par>
+    </p:tnLst>
+  </p:timing>
+</p:sld>
+</file>
+
+<file path=ppt/slides/slide34.xml><?xml version="1.0" encoding="utf-8"?>
+<p:sld xmlns:a="http://schemas.openxmlformats.org/drawingml/2006/main" xmlns:r="http://schemas.openxmlformats.org/officeDocument/2006/relationships" xmlns:p="http://schemas.openxmlformats.org/presentationml/2006/main">
+  <p:cSld>
+    <p:spTree>
+      <p:nvGrpSpPr>
+        <p:cNvPr id="1" name=""/>
+        <p:cNvGrpSpPr/>
+        <p:nvPr/>
+      </p:nvGrpSpPr>
+      <p:grpSpPr>
+        <a:xfrm>
+          <a:off x="0" y="0"/>
+          <a:ext cx="0" cy="0"/>
+          <a:chOff x="0" y="0"/>
+          <a:chExt cx="0" cy="0"/>
+        </a:xfrm>
+      </p:grpSpPr>
+      <p:sp>
+        <p:nvSpPr>
+          <p:cNvPr id="2" name="Title 1"/>
+          <p:cNvSpPr>
+            <a:spLocks noGrp="1"/>
+          </p:cNvSpPr>
+          <p:nvPr>
+            <p:ph type="title"/>
+          </p:nvPr>
+        </p:nvSpPr>
+        <p:spPr>
+          <a:xfrm>
+            <a:off x="1295400" y="-305034"/>
+            <a:ext cx="9601200" cy="1142385"/>
+          </a:xfrm>
+        </p:spPr>
+        <p:txBody>
+          <a:bodyPr/>
+          <a:lstStyle/>
+          <a:p>
+            <a:r>
+              <a:rPr lang="en-US" dirty="0" smtClean="0"/>
+              <a:t>JavaScript Labs</a:t>
+            </a:r>
+            <a:endParaRPr lang="en-US" dirty="0"/>
+          </a:p>
+        </p:txBody>
+      </p:sp>
+      <p:sp>
+        <p:nvSpPr>
+          <p:cNvPr id="3" name="Content Placeholder 2"/>
+          <p:cNvSpPr>
+            <a:spLocks noGrp="1"/>
+          </p:cNvSpPr>
+          <p:nvPr>
+            <p:ph idx="1"/>
+          </p:nvPr>
+        </p:nvSpPr>
+        <p:spPr>
+          <a:xfrm>
+            <a:off x="404451" y="1031634"/>
+            <a:ext cx="11166225" cy="5040919"/>
+          </a:xfrm>
+        </p:spPr>
+        <p:txBody>
+          <a:bodyPr>
+            <a:noAutofit/>
+          </a:bodyPr>
+          <a:lstStyle/>
+          <a:p>
+            <a:pPr marL="0" lvl="1" indent="0">
+              <a:buClr>
+                <a:schemeClr val="accent3"/>
+              </a:buClr>
+              <a:buSzPct val="95000"/>
+              <a:buNone/>
+            </a:pPr>
+            <a:r>
+              <a:rPr lang="en-US" sz="2000" b="1" i="1" dirty="0" smtClean="0"/>
+              <a:t>Example 1 – </a:t>
+            </a:r>
+            <a:r>
+              <a:rPr lang="en-US" sz="2000" dirty="0"/>
+              <a:t>Write an JavaScript program to convert a length given in feet to meters. </a:t>
+            </a:r>
+            <a:endParaRPr lang="en-US" sz="2000" b="1" i="1" dirty="0" smtClean="0"/>
+          </a:p>
+          <a:p>
+            <a:pPr marL="0" lvl="1" indent="0">
+              <a:buClr>
+                <a:schemeClr val="accent3"/>
+              </a:buClr>
+              <a:buSzPct val="95000"/>
+              <a:buNone/>
+            </a:pPr>
+            <a:r>
+              <a:rPr lang="en-US" sz="2000" b="1" i="1" dirty="0" smtClean="0"/>
+              <a:t>Lab1 – </a:t>
+            </a:r>
+            <a:r>
+              <a:rPr lang="en-US" sz="2000" dirty="0"/>
+              <a:t>Write an JavaScript program that will read the two sides of a rectangle and calculate its area</a:t>
+            </a:r>
+          </a:p>
+          <a:p>
+            <a:pPr marL="0" lvl="1" indent="0">
+              <a:buClr>
+                <a:schemeClr val="accent3"/>
+              </a:buClr>
+              <a:buSzPct val="95000"/>
+              <a:buNone/>
+            </a:pPr>
+            <a:r>
+              <a:rPr lang="en-US" sz="2000" b="1" i="1" dirty="0" smtClean="0"/>
+              <a:t>Time: 25 min</a:t>
+            </a:r>
+          </a:p>
+          <a:p>
+            <a:pPr marL="0" lvl="1" indent="0">
+              <a:buClr>
+                <a:schemeClr val="accent3"/>
+              </a:buClr>
+              <a:buSzPct val="95000"/>
+              <a:buNone/>
+            </a:pPr>
+            <a:endParaRPr lang="en-US" sz="2000" b="1" i="1" dirty="0"/>
+          </a:p>
+          <a:p>
+            <a:pPr marL="0" lvl="1" indent="0">
+              <a:buClr>
+                <a:schemeClr val="accent3"/>
+              </a:buClr>
+              <a:buSzPct val="95000"/>
+              <a:buNone/>
+            </a:pPr>
+            <a:r>
+              <a:rPr lang="en-US" sz="2000" b="1" i="1" dirty="0" smtClean="0"/>
+              <a:t>Example 2 - </a:t>
+            </a:r>
+            <a:r>
+              <a:rPr lang="en-US" sz="2000" dirty="0"/>
+              <a:t>Write an JavaScript program to determine, given two numbers, if the first one is bigger than the </a:t>
+            </a:r>
+            <a:r>
+              <a:rPr lang="en-US" sz="2000" dirty="0" smtClean="0"/>
+              <a:t>second</a:t>
+            </a:r>
+            <a:endParaRPr lang="en-US" sz="2000" b="1" i="1" dirty="0"/>
+          </a:p>
+          <a:p>
+            <a:pPr marL="0" lvl="1" indent="0">
+              <a:buClr>
+                <a:schemeClr val="accent3"/>
+              </a:buClr>
+              <a:buSzPct val="95000"/>
+              <a:buNone/>
+            </a:pPr>
+            <a:r>
+              <a:rPr lang="en-US" sz="2000" b="1" i="1" dirty="0" smtClean="0"/>
+              <a:t>Lab 2 – </a:t>
+            </a:r>
+            <a:r>
+              <a:rPr lang="en-US" sz="2000" dirty="0"/>
+              <a:t>Write an JavaScript program to read two values determine the largest value, and print </a:t>
+            </a:r>
+            <a:r>
+              <a:rPr lang="en-US" sz="2000" dirty="0" smtClean="0"/>
+              <a:t>it.</a:t>
+            </a:r>
+          </a:p>
+          <a:p>
+            <a:pPr marL="0" lvl="1" indent="0">
+              <a:buClr>
+                <a:schemeClr val="accent3"/>
+              </a:buClr>
+              <a:buSzPct val="95000"/>
+              <a:buNone/>
+            </a:pPr>
+            <a:r>
+              <a:rPr lang="en-US" sz="2000" b="1" i="1" dirty="0" smtClean="0"/>
+              <a:t>Time: 15 min</a:t>
+            </a:r>
+            <a:endParaRPr lang="en-US" sz="2000" b="1" i="1" dirty="0"/>
+          </a:p>
+          <a:p>
+            <a:pPr marL="0" lvl="1" indent="0">
+              <a:buClr>
+                <a:schemeClr val="accent3"/>
+              </a:buClr>
+              <a:buSzPct val="95000"/>
+              <a:buNone/>
+            </a:pPr>
+            <a:r>
+              <a:rPr lang="en-US" sz="2000" b="1" i="1" dirty="0" smtClean="0"/>
+              <a:t>Lab 3: </a:t>
+            </a:r>
+            <a:r>
+              <a:rPr lang="en-US" sz="2000" dirty="0"/>
+              <a:t>Write a JavaScript program for managing a simple address book. Each entry should have: first name, last name, age and phone data. </a:t>
+            </a:r>
+            <a:endParaRPr lang="en-US" sz="2000" dirty="0" smtClean="0"/>
+          </a:p>
+          <a:p>
+            <a:pPr marL="0" lvl="1" indent="0">
+              <a:buClr>
+                <a:schemeClr val="accent3"/>
+              </a:buClr>
+              <a:buSzPct val="95000"/>
+              <a:buNone/>
+            </a:pPr>
+            <a:r>
+              <a:rPr lang="en-US" sz="2000" dirty="0" smtClean="0"/>
+              <a:t>The </a:t>
+            </a:r>
+            <a:r>
+              <a:rPr lang="en-US" sz="2000" dirty="0"/>
+              <a:t>user should be able to: insert new </a:t>
+            </a:r>
+            <a:r>
+              <a:rPr lang="en-US" sz="2000" dirty="0" smtClean="0"/>
+              <a:t>entries</a:t>
+            </a:r>
+          </a:p>
+          <a:p>
+            <a:pPr marL="0" lvl="1" indent="0">
+              <a:buClr>
+                <a:schemeClr val="accent3"/>
+              </a:buClr>
+              <a:buSzPct val="95000"/>
+              <a:buNone/>
+            </a:pPr>
+            <a:r>
+              <a:rPr lang="en-US" sz="2000" dirty="0" smtClean="0"/>
+              <a:t>Use </a:t>
+            </a:r>
+            <a:endParaRPr lang="en-US" sz="2000" dirty="0"/>
+          </a:p>
+          <a:p>
+            <a:pPr marL="0" lvl="1" indent="0">
+              <a:buClr>
+                <a:schemeClr val="accent3"/>
+              </a:buClr>
+              <a:buSzPct val="95000"/>
+              <a:buNone/>
+            </a:pPr>
+            <a:endParaRPr lang="en-US" sz="2000" b="1" i="1" dirty="0" smtClean="0"/>
+          </a:p>
+          <a:p>
+            <a:pPr marL="0" lvl="1" indent="0">
+              <a:buClr>
+                <a:schemeClr val="accent3"/>
+              </a:buClr>
+              <a:buSzPct val="95000"/>
+              <a:buNone/>
+            </a:pPr>
+            <a:endParaRPr lang="en-US" sz="2000" b="1" i="1" dirty="0"/>
+          </a:p>
+          <a:p>
+            <a:pPr marL="0" lvl="1" indent="0">
+              <a:buClr>
+                <a:schemeClr val="accent3"/>
+              </a:buClr>
+              <a:buSzPct val="95000"/>
+              <a:buNone/>
+            </a:pPr>
+            <a:endParaRPr lang="en-US" sz="1800" dirty="0" smtClean="0"/>
+          </a:p>
+          <a:p>
+            <a:pPr marL="514350" lvl="2" indent="-285750">
+              <a:buClr>
+                <a:schemeClr val="accent3"/>
+              </a:buClr>
+              <a:buSzPct val="95000"/>
+              <a:buFontTx/>
+              <a:buChar char="-"/>
+            </a:pPr>
+            <a:endParaRPr lang="en-US" sz="1600" dirty="0" smtClean="0"/>
+          </a:p>
+          <a:p>
+            <a:pPr marL="742950" lvl="3" indent="-285750">
+              <a:buClr>
+                <a:schemeClr val="accent3"/>
+              </a:buClr>
+              <a:buSzPct val="95000"/>
+            </a:pPr>
+            <a:endParaRPr lang="en-US" dirty="0" smtClean="0"/>
+          </a:p>
+        </p:txBody>
+      </p:sp>
+      <p:sp>
+        <p:nvSpPr>
+          <p:cNvPr id="5" name="Content Placeholder 2"/>
+          <p:cNvSpPr txBox="1">
+            <a:spLocks/>
+          </p:cNvSpPr>
+          <p:nvPr/>
+        </p:nvSpPr>
+        <p:spPr>
+          <a:xfrm>
+            <a:off x="5292977" y="1418496"/>
+            <a:ext cx="5843954" cy="5040919"/>
+          </a:xfrm>
+          <a:prstGeom prst="rect">
+            <a:avLst/>
+          </a:prstGeom>
+        </p:spPr>
+        <p:txBody>
+          <a:bodyPr vert="horz" lIns="91440" tIns="45720" rIns="91440" bIns="45720" rtlCol="0">
+            <a:noAutofit/>
+          </a:bodyPr>
+          <a:lstStyle>
+            <a:lvl1pPr marL="228600" indent="-228600" algn="l" defTabSz="914400" rtl="0" eaLnBrk="1" latinLnBrk="0" hangingPunct="1">
+              <a:lnSpc>
+                <a:spcPct val="90000"/>
+              </a:lnSpc>
+              <a:spcBef>
+                <a:spcPts val="1800"/>
+              </a:spcBef>
+              <a:buClr>
+                <a:srgbClr val="016C48"/>
+              </a:buClr>
+              <a:buSzPct val="100000"/>
+              <a:buFont typeface="Arial" pitchFamily="34" charset="0"/>
+              <a:buChar char="•"/>
+              <a:defRPr sz="2000" kern="1200">
+                <a:solidFill>
+                  <a:schemeClr val="tx1"/>
+                </a:solidFill>
+                <a:latin typeface="Calibri" panose="020F0502020204030204" pitchFamily="34" charset="0"/>
+                <a:ea typeface="+mn-ea"/>
+                <a:cs typeface="+mn-cs"/>
+              </a:defRPr>
+            </a:lvl1pPr>
+            <a:lvl2pPr marL="457200" indent="-182880" algn="l" defTabSz="914400" rtl="0" eaLnBrk="1" latinLnBrk="0" hangingPunct="1">
+              <a:lnSpc>
+                <a:spcPct val="90000"/>
+              </a:lnSpc>
+              <a:spcBef>
+                <a:spcPts val="1200"/>
+              </a:spcBef>
+              <a:buClr>
+                <a:srgbClr val="016C48"/>
+              </a:buClr>
+              <a:buSzPct val="100000"/>
+              <a:buFont typeface="Arial" pitchFamily="34" charset="0"/>
+              <a:buChar char="-"/>
+              <a:defRPr sz="1800" kern="1200">
+                <a:solidFill>
+                  <a:schemeClr val="tx1"/>
+                </a:solidFill>
+                <a:latin typeface="Calibri" panose="020F0502020204030204" pitchFamily="34" charset="0"/>
+                <a:ea typeface="+mn-ea"/>
+                <a:cs typeface="+mn-cs"/>
+              </a:defRPr>
+            </a:lvl2pPr>
+            <a:lvl3pPr marL="685800" indent="-179388" algn="l" defTabSz="914400" rtl="0" eaLnBrk="1" latinLnBrk="0" hangingPunct="1">
+              <a:lnSpc>
+                <a:spcPct val="90000"/>
+              </a:lnSpc>
+              <a:spcBef>
+                <a:spcPts val="800"/>
+              </a:spcBef>
+              <a:buClr>
+                <a:srgbClr val="016C48"/>
+              </a:buClr>
+              <a:buSzPct val="100000"/>
+              <a:buFont typeface="Arial" pitchFamily="34" charset="0"/>
+              <a:buChar char="-"/>
+              <a:defRPr sz="1600" kern="1200">
+                <a:solidFill>
+                  <a:schemeClr val="tx1"/>
+                </a:solidFill>
+                <a:latin typeface="Calibri" panose="020F0502020204030204" pitchFamily="34" charset="0"/>
+                <a:ea typeface="+mn-ea"/>
+                <a:cs typeface="+mn-cs"/>
+              </a:defRPr>
+            </a:lvl3pPr>
+            <a:lvl4pPr marL="914400" indent="-182880" algn="l" defTabSz="914400" rtl="0" eaLnBrk="1" latinLnBrk="0" hangingPunct="1">
+              <a:lnSpc>
+                <a:spcPct val="90000"/>
+              </a:lnSpc>
+              <a:spcBef>
+                <a:spcPts val="800"/>
+              </a:spcBef>
+              <a:buClr>
+                <a:srgbClr val="016C48"/>
+              </a:buClr>
+              <a:buSzPct val="100000"/>
+              <a:buFont typeface="Arial" pitchFamily="34" charset="0"/>
+              <a:buChar char="-"/>
+              <a:defRPr sz="1400" kern="1200">
+                <a:solidFill>
+                  <a:schemeClr val="tx1"/>
+                </a:solidFill>
+                <a:latin typeface="Calibri" panose="020F0502020204030204" pitchFamily="34" charset="0"/>
+                <a:ea typeface="+mn-ea"/>
+                <a:cs typeface="+mn-cs"/>
+              </a:defRPr>
+            </a:lvl4pPr>
+            <a:lvl5pPr marL="1143000" indent="-179388" algn="l" defTabSz="914400" rtl="0" eaLnBrk="1" latinLnBrk="0" hangingPunct="1">
+              <a:lnSpc>
+                <a:spcPct val="90000"/>
+              </a:lnSpc>
+              <a:spcBef>
+                <a:spcPts val="600"/>
+              </a:spcBef>
+              <a:buClr>
+                <a:srgbClr val="016C48"/>
+              </a:buClr>
+              <a:buSzPct val="100000"/>
+              <a:buFont typeface="Arial" pitchFamily="34" charset="0"/>
+              <a:buChar char="-"/>
+              <a:defRPr sz="1400" kern="1200">
+                <a:solidFill>
+                  <a:schemeClr val="tx1"/>
+                </a:solidFill>
+                <a:latin typeface="Calibri" panose="020F0502020204030204" pitchFamily="34" charset="0"/>
+                <a:ea typeface="+mn-ea"/>
+                <a:cs typeface="+mn-cs"/>
+              </a:defRPr>
+            </a:lvl5pPr>
+            <a:lvl6pPr marL="1371600" indent="-182880" algn="l" defTabSz="914400" rtl="0" eaLnBrk="1" latinLnBrk="0" hangingPunct="1">
+              <a:lnSpc>
+                <a:spcPct val="90000"/>
+              </a:lnSpc>
+              <a:spcBef>
+                <a:spcPts val="600"/>
+              </a:spcBef>
+              <a:buClr>
+                <a:schemeClr val="accent1"/>
+              </a:buClr>
+              <a:buSzPct val="100000"/>
+              <a:buFont typeface="Arial" pitchFamily="34" charset="0"/>
+              <a:buChar char="▪"/>
+              <a:defRPr sz="1400" kern="1200">
+                <a:solidFill>
+                  <a:schemeClr val="tx1"/>
+                </a:solidFill>
+                <a:latin typeface="+mn-lt"/>
+                <a:ea typeface="+mn-ea"/>
+                <a:cs typeface="+mn-cs"/>
+              </a:defRPr>
+            </a:lvl6pPr>
+            <a:lvl7pPr marL="1600200" indent="-179388" algn="l" defTabSz="914400" rtl="0" eaLnBrk="1" latinLnBrk="0" hangingPunct="1">
+              <a:lnSpc>
+                <a:spcPct val="90000"/>
+              </a:lnSpc>
+              <a:spcBef>
+                <a:spcPts val="600"/>
+              </a:spcBef>
+              <a:buClr>
+                <a:schemeClr val="accent1"/>
+              </a:buClr>
+              <a:buSzPct val="100000"/>
+              <a:buFont typeface="Arial" pitchFamily="34" charset="0"/>
+              <a:buChar char="▪"/>
+              <a:defRPr sz="1400" kern="1200">
+                <a:solidFill>
+                  <a:schemeClr val="tx1"/>
+                </a:solidFill>
+                <a:latin typeface="+mn-lt"/>
+                <a:ea typeface="+mn-ea"/>
+                <a:cs typeface="+mn-cs"/>
+              </a:defRPr>
+            </a:lvl7pPr>
+            <a:lvl8pPr marL="1828800" indent="-182880" algn="l" defTabSz="914400" rtl="0" eaLnBrk="1" latinLnBrk="0" hangingPunct="1">
+              <a:lnSpc>
+                <a:spcPct val="90000"/>
+              </a:lnSpc>
+              <a:spcBef>
+                <a:spcPts val="600"/>
+              </a:spcBef>
+              <a:buClr>
+                <a:schemeClr val="accent1"/>
+              </a:buClr>
+              <a:buSzPct val="100000"/>
+              <a:buFont typeface="Arial" pitchFamily="34" charset="0"/>
+              <a:buChar char="▪"/>
+              <a:defRPr sz="1400" kern="1200">
+                <a:solidFill>
+                  <a:schemeClr val="tx1"/>
+                </a:solidFill>
+                <a:latin typeface="+mn-lt"/>
+                <a:ea typeface="+mn-ea"/>
+                <a:cs typeface="+mn-cs"/>
+              </a:defRPr>
+            </a:lvl8pPr>
+            <a:lvl9pPr marL="2057400" indent="-179388" algn="l" defTabSz="914400" rtl="0" eaLnBrk="1" latinLnBrk="0" hangingPunct="1">
+              <a:lnSpc>
+                <a:spcPct val="90000"/>
+              </a:lnSpc>
+              <a:spcBef>
+                <a:spcPts val="600"/>
+              </a:spcBef>
+              <a:buClr>
+                <a:schemeClr val="accent1"/>
+              </a:buClr>
+              <a:buSzPct val="100000"/>
+              <a:buFont typeface="Arial" pitchFamily="34" charset="0"/>
+              <a:buChar char="▪"/>
+              <a:defRPr sz="1400" kern="1200">
+                <a:solidFill>
+                  <a:schemeClr val="tx1"/>
+                </a:solidFill>
+                <a:latin typeface="+mn-lt"/>
+                <a:ea typeface="+mn-ea"/>
+                <a:cs typeface="+mn-cs"/>
+              </a:defRPr>
+            </a:lvl9pPr>
+          </a:lstStyle>
+          <a:p>
+            <a:pPr marL="457200" lvl="3" indent="0">
+              <a:buClr>
+                <a:schemeClr val="accent3"/>
+              </a:buClr>
+              <a:buSzPct val="95000"/>
+              <a:buNone/>
+            </a:pPr>
+            <a:endParaRPr lang="en-US" dirty="0" smtClean="0"/>
+          </a:p>
+        </p:txBody>
+      </p:sp>
+    </p:spTree>
+    <p:extLst>
+      <p:ext uri="{BB962C8B-B14F-4D97-AF65-F5344CB8AC3E}">
+        <p14:creationId xmlns:p14="http://schemas.microsoft.com/office/powerpoint/2010/main" val="311537595"/>
+      </p:ext>
+    </p:extLst>
+  </p:cSld>
+  <p:clrMapOvr>
+    <a:masterClrMapping/>
+  </p:clrMapOvr>
+  <mc:AlternateContent xmlns:mc="http://schemas.openxmlformats.org/markup-compatibility/2006" xmlns:p14="http://schemas.microsoft.com/office/powerpoint/2010/main">
+    <mc:Choice Requires="p14">
+      <p:transition p14:dur="0"/>
+    </mc:Choice>
+    <mc:Fallback xmlns="">
+      <p:transition/>
+    </mc:Fallback>
+  </mc:AlternateContent>
+  <p:timing>
+    <p:tnLst>
+      <p:par>
+        <p:cTn id="1" dur="indefinite" restart="never" nodeType="tmRoot"/>
+      </p:par>
+    </p:tnLst>
+  </p:timing>
+</p:sld>
+</file>
+
+<file path=ppt/slides/slide35.xml><?xml version="1.0" encoding="utf-8"?>
+<p:sld xmlns:a="http://schemas.openxmlformats.org/drawingml/2006/main" xmlns:r="http://schemas.openxmlformats.org/officeDocument/2006/relationships" xmlns:p="http://schemas.openxmlformats.org/presentationml/2006/main">
+  <p:cSld>
+    <p:spTree>
+      <p:nvGrpSpPr>
+        <p:cNvPr id="1" name=""/>
+        <p:cNvGrpSpPr/>
+        <p:nvPr/>
+      </p:nvGrpSpPr>
+      <p:grpSpPr>
+        <a:xfrm>
+          <a:off x="0" y="0"/>
+          <a:ext cx="0" cy="0"/>
+          <a:chOff x="0" y="0"/>
+          <a:chExt cx="0" cy="0"/>
+        </a:xfrm>
+      </p:grpSpPr>
+      <p:sp>
+        <p:nvSpPr>
+          <p:cNvPr id="4" name="Title 3"/>
+          <p:cNvSpPr>
+            <a:spLocks noGrp="1"/>
+          </p:cNvSpPr>
+          <p:nvPr>
+            <p:ph type="title"/>
+          </p:nvPr>
+        </p:nvSpPr>
+        <p:spPr/>
+        <p:txBody>
+          <a:bodyPr>
+            <a:normAutofit/>
+          </a:bodyPr>
+          <a:lstStyle/>
+          <a:p>
+            <a:r>
+              <a:rPr lang="en-US" sz="5400" dirty="0" smtClean="0"/>
+              <a:t>JavaScript libraries</a:t>
+            </a:r>
+            <a:endParaRPr lang="en-US" sz="5400" dirty="0"/>
+          </a:p>
+        </p:txBody>
+      </p:sp>
+    </p:spTree>
+    <p:extLst>
+      <p:ext uri="{BB962C8B-B14F-4D97-AF65-F5344CB8AC3E}">
+        <p14:creationId xmlns:p14="http://schemas.microsoft.com/office/powerpoint/2010/main" val="207146106"/>
+      </p:ext>
+    </p:extLst>
+  </p:cSld>
+  <p:clrMapOvr>
+    <a:masterClrMapping/>
+  </p:clrMapOvr>
+  <mc:AlternateContent xmlns:mc="http://schemas.openxmlformats.org/markup-compatibility/2006" xmlns:p14="http://schemas.microsoft.com/office/powerpoint/2010/main">
+    <mc:Choice Requires="p14">
+      <p:transition p14:dur="0"/>
+    </mc:Choice>
+    <mc:Fallback xmlns="">
+      <p:transition/>
+    </mc:Fallback>
+  </mc:AlternateContent>
+  <p:timing>
+    <p:tnLst>
+      <p:par>
+        <p:cTn id="1" dur="indefinite" restart="never" nodeType="tmRoot"/>
+      </p:par>
+    </p:tnLst>
+  </p:timing>
+</p:sld>
+</file>
+
+<file path=ppt/slides/slide36.xml><?xml version="1.0" encoding="utf-8"?>
+<p:sld xmlns:a="http://schemas.openxmlformats.org/drawingml/2006/main" xmlns:r="http://schemas.openxmlformats.org/officeDocument/2006/relationships" xmlns:p="http://schemas.openxmlformats.org/presentationml/2006/main">
+  <p:cSld>
+    <p:spTree>
+      <p:nvGrpSpPr>
+        <p:cNvPr id="1" name=""/>
+        <p:cNvGrpSpPr/>
+        <p:nvPr/>
+      </p:nvGrpSpPr>
+      <p:grpSpPr>
+        <a:xfrm>
+          <a:off x="0" y="0"/>
+          <a:ext cx="0" cy="0"/>
+          <a:chOff x="0" y="0"/>
+          <a:chExt cx="0" cy="0"/>
+        </a:xfrm>
+      </p:grpSpPr>
+      <p:sp>
+        <p:nvSpPr>
+          <p:cNvPr id="2" name="Title 1"/>
+          <p:cNvSpPr>
+            <a:spLocks noGrp="1"/>
+          </p:cNvSpPr>
+          <p:nvPr>
+            <p:ph type="title"/>
+          </p:nvPr>
+        </p:nvSpPr>
+        <p:spPr>
+          <a:xfrm>
+            <a:off x="1295400" y="-305034"/>
+            <a:ext cx="9601200" cy="1142385"/>
+          </a:xfrm>
+        </p:spPr>
+        <p:txBody>
+          <a:bodyPr/>
+          <a:lstStyle/>
+          <a:p>
+            <a:r>
+              <a:rPr lang="en-US" dirty="0" smtClean="0"/>
+              <a:t>JavaScript libraries</a:t>
+            </a:r>
+            <a:endParaRPr lang="en-US" dirty="0"/>
+          </a:p>
+        </p:txBody>
+      </p:sp>
+      <p:sp>
+        <p:nvSpPr>
+          <p:cNvPr id="3" name="Content Placeholder 2"/>
+          <p:cNvSpPr>
+            <a:spLocks noGrp="1"/>
+          </p:cNvSpPr>
+          <p:nvPr>
+            <p:ph idx="1"/>
+          </p:nvPr>
+        </p:nvSpPr>
+        <p:spPr>
+          <a:xfrm>
+            <a:off x="404452" y="1031634"/>
+            <a:ext cx="5843954" cy="5040919"/>
+          </a:xfrm>
+        </p:spPr>
+        <p:txBody>
+          <a:bodyPr>
+            <a:noAutofit/>
+          </a:bodyPr>
+          <a:lstStyle/>
+          <a:p>
+            <a:pPr marL="0" lvl="1" indent="0">
+              <a:buClr>
+                <a:schemeClr val="accent3"/>
+              </a:buClr>
+              <a:buSzPct val="95000"/>
+              <a:buNone/>
+            </a:pPr>
+            <a:r>
+              <a:rPr lang="en-US" sz="2000" b="1" i="1" dirty="0" smtClean="0"/>
+              <a:t>jQuery (slides 01.02 </a:t>
+            </a:r>
+            <a:r>
+              <a:rPr lang="en-US" sz="2000" b="1" i="1" dirty="0" err="1" smtClean="0"/>
+              <a:t>Seavus</a:t>
+            </a:r>
+            <a:r>
+              <a:rPr lang="en-US" sz="2000" b="1" i="1" dirty="0" smtClean="0"/>
+              <a:t> Talent Program-jQuery)</a:t>
+            </a:r>
+            <a:endParaRPr lang="en-US" sz="2000" b="1" i="1" dirty="0"/>
+          </a:p>
+          <a:p>
+            <a:pPr marL="514350" lvl="2" indent="-285750">
+              <a:buClr>
+                <a:schemeClr val="accent3"/>
+              </a:buClr>
+              <a:buSzPct val="95000"/>
+              <a:buFontTx/>
+              <a:buChar char="-"/>
+            </a:pPr>
+            <a:endParaRPr lang="en-US" sz="1600" dirty="0" smtClean="0"/>
+          </a:p>
+          <a:p>
+            <a:pPr marL="742950" lvl="3" indent="-285750">
+              <a:buClr>
+                <a:schemeClr val="accent3"/>
+              </a:buClr>
+              <a:buSzPct val="95000"/>
+            </a:pPr>
+            <a:endParaRPr lang="en-US" dirty="0" smtClean="0"/>
+          </a:p>
+        </p:txBody>
+      </p:sp>
+      <p:sp>
+        <p:nvSpPr>
+          <p:cNvPr id="5" name="Content Placeholder 2"/>
+          <p:cNvSpPr txBox="1">
+            <a:spLocks/>
+          </p:cNvSpPr>
+          <p:nvPr/>
+        </p:nvSpPr>
+        <p:spPr>
+          <a:xfrm>
+            <a:off x="5292977" y="1418496"/>
+            <a:ext cx="5843954" cy="5040919"/>
+          </a:xfrm>
+          <a:prstGeom prst="rect">
+            <a:avLst/>
+          </a:prstGeom>
+        </p:spPr>
+        <p:txBody>
+          <a:bodyPr vert="horz" lIns="91440" tIns="45720" rIns="91440" bIns="45720" rtlCol="0">
+            <a:noAutofit/>
+          </a:bodyPr>
+          <a:lstStyle>
+            <a:lvl1pPr marL="228600" indent="-228600" algn="l" defTabSz="914400" rtl="0" eaLnBrk="1" latinLnBrk="0" hangingPunct="1">
+              <a:lnSpc>
+                <a:spcPct val="90000"/>
+              </a:lnSpc>
+              <a:spcBef>
+                <a:spcPts val="1800"/>
+              </a:spcBef>
+              <a:buClr>
+                <a:srgbClr val="016C48"/>
+              </a:buClr>
+              <a:buSzPct val="100000"/>
+              <a:buFont typeface="Arial" pitchFamily="34" charset="0"/>
+              <a:buChar char="•"/>
+              <a:defRPr sz="2000" kern="1200">
+                <a:solidFill>
+                  <a:schemeClr val="tx1"/>
+                </a:solidFill>
+                <a:latin typeface="Calibri" panose="020F0502020204030204" pitchFamily="34" charset="0"/>
+                <a:ea typeface="+mn-ea"/>
+                <a:cs typeface="+mn-cs"/>
+              </a:defRPr>
+            </a:lvl1pPr>
+            <a:lvl2pPr marL="457200" indent="-182880" algn="l" defTabSz="914400" rtl="0" eaLnBrk="1" latinLnBrk="0" hangingPunct="1">
+              <a:lnSpc>
+                <a:spcPct val="90000"/>
+              </a:lnSpc>
+              <a:spcBef>
+                <a:spcPts val="1200"/>
+              </a:spcBef>
+              <a:buClr>
+                <a:srgbClr val="016C48"/>
+              </a:buClr>
+              <a:buSzPct val="100000"/>
+              <a:buFont typeface="Arial" pitchFamily="34" charset="0"/>
+              <a:buChar char="-"/>
+              <a:defRPr sz="1800" kern="1200">
+                <a:solidFill>
+                  <a:schemeClr val="tx1"/>
+                </a:solidFill>
+                <a:latin typeface="Calibri" panose="020F0502020204030204" pitchFamily="34" charset="0"/>
+                <a:ea typeface="+mn-ea"/>
+                <a:cs typeface="+mn-cs"/>
+              </a:defRPr>
+            </a:lvl2pPr>
+            <a:lvl3pPr marL="685800" indent="-179388" algn="l" defTabSz="914400" rtl="0" eaLnBrk="1" latinLnBrk="0" hangingPunct="1">
+              <a:lnSpc>
+                <a:spcPct val="90000"/>
+              </a:lnSpc>
+              <a:spcBef>
+                <a:spcPts val="800"/>
+              </a:spcBef>
+              <a:buClr>
+                <a:srgbClr val="016C48"/>
+              </a:buClr>
+              <a:buSzPct val="100000"/>
+              <a:buFont typeface="Arial" pitchFamily="34" charset="0"/>
+              <a:buChar char="-"/>
+              <a:defRPr sz="1600" kern="1200">
+                <a:solidFill>
+                  <a:schemeClr val="tx1"/>
+                </a:solidFill>
+                <a:latin typeface="Calibri" panose="020F0502020204030204" pitchFamily="34" charset="0"/>
+                <a:ea typeface="+mn-ea"/>
+                <a:cs typeface="+mn-cs"/>
+              </a:defRPr>
+            </a:lvl3pPr>
+            <a:lvl4pPr marL="914400" indent="-182880" algn="l" defTabSz="914400" rtl="0" eaLnBrk="1" latinLnBrk="0" hangingPunct="1">
+              <a:lnSpc>
+                <a:spcPct val="90000"/>
+              </a:lnSpc>
+              <a:spcBef>
+                <a:spcPts val="800"/>
+              </a:spcBef>
+              <a:buClr>
+                <a:srgbClr val="016C48"/>
+              </a:buClr>
+              <a:buSzPct val="100000"/>
+              <a:buFont typeface="Arial" pitchFamily="34" charset="0"/>
+              <a:buChar char="-"/>
+              <a:defRPr sz="1400" kern="1200">
+                <a:solidFill>
+                  <a:schemeClr val="tx1"/>
+                </a:solidFill>
+                <a:latin typeface="Calibri" panose="020F0502020204030204" pitchFamily="34" charset="0"/>
+                <a:ea typeface="+mn-ea"/>
+                <a:cs typeface="+mn-cs"/>
+              </a:defRPr>
+            </a:lvl4pPr>
+            <a:lvl5pPr marL="1143000" indent="-179388" algn="l" defTabSz="914400" rtl="0" eaLnBrk="1" latinLnBrk="0" hangingPunct="1">
+              <a:lnSpc>
+                <a:spcPct val="90000"/>
+              </a:lnSpc>
+              <a:spcBef>
+                <a:spcPts val="600"/>
+              </a:spcBef>
+              <a:buClr>
+                <a:srgbClr val="016C48"/>
+              </a:buClr>
+              <a:buSzPct val="100000"/>
+              <a:buFont typeface="Arial" pitchFamily="34" charset="0"/>
+              <a:buChar char="-"/>
+              <a:defRPr sz="1400" kern="1200">
+                <a:solidFill>
+                  <a:schemeClr val="tx1"/>
+                </a:solidFill>
+                <a:latin typeface="Calibri" panose="020F0502020204030204" pitchFamily="34" charset="0"/>
+                <a:ea typeface="+mn-ea"/>
+                <a:cs typeface="+mn-cs"/>
+              </a:defRPr>
+            </a:lvl5pPr>
+            <a:lvl6pPr marL="1371600" indent="-182880" algn="l" defTabSz="914400" rtl="0" eaLnBrk="1" latinLnBrk="0" hangingPunct="1">
+              <a:lnSpc>
+                <a:spcPct val="90000"/>
+              </a:lnSpc>
+              <a:spcBef>
+                <a:spcPts val="600"/>
+              </a:spcBef>
+              <a:buClr>
+                <a:schemeClr val="accent1"/>
+              </a:buClr>
+              <a:buSzPct val="100000"/>
+              <a:buFont typeface="Arial" pitchFamily="34" charset="0"/>
+              <a:buChar char="▪"/>
+              <a:defRPr sz="1400" kern="1200">
+                <a:solidFill>
+                  <a:schemeClr val="tx1"/>
+                </a:solidFill>
+                <a:latin typeface="+mn-lt"/>
+                <a:ea typeface="+mn-ea"/>
+                <a:cs typeface="+mn-cs"/>
+              </a:defRPr>
+            </a:lvl6pPr>
+            <a:lvl7pPr marL="1600200" indent="-179388" algn="l" defTabSz="914400" rtl="0" eaLnBrk="1" latinLnBrk="0" hangingPunct="1">
+              <a:lnSpc>
+                <a:spcPct val="90000"/>
+              </a:lnSpc>
+              <a:spcBef>
+                <a:spcPts val="600"/>
+              </a:spcBef>
+              <a:buClr>
+                <a:schemeClr val="accent1"/>
+              </a:buClr>
+              <a:buSzPct val="100000"/>
+              <a:buFont typeface="Arial" pitchFamily="34" charset="0"/>
+              <a:buChar char="▪"/>
+              <a:defRPr sz="1400" kern="1200">
+                <a:solidFill>
+                  <a:schemeClr val="tx1"/>
+                </a:solidFill>
+                <a:latin typeface="+mn-lt"/>
+                <a:ea typeface="+mn-ea"/>
+                <a:cs typeface="+mn-cs"/>
+              </a:defRPr>
+            </a:lvl7pPr>
+            <a:lvl8pPr marL="1828800" indent="-182880" algn="l" defTabSz="914400" rtl="0" eaLnBrk="1" latinLnBrk="0" hangingPunct="1">
+              <a:lnSpc>
+                <a:spcPct val="90000"/>
+              </a:lnSpc>
+              <a:spcBef>
+                <a:spcPts val="600"/>
+              </a:spcBef>
+              <a:buClr>
+                <a:schemeClr val="accent1"/>
+              </a:buClr>
+              <a:buSzPct val="100000"/>
+              <a:buFont typeface="Arial" pitchFamily="34" charset="0"/>
+              <a:buChar char="▪"/>
+              <a:defRPr sz="1400" kern="1200">
+                <a:solidFill>
+                  <a:schemeClr val="tx1"/>
+                </a:solidFill>
+                <a:latin typeface="+mn-lt"/>
+                <a:ea typeface="+mn-ea"/>
+                <a:cs typeface="+mn-cs"/>
+              </a:defRPr>
+            </a:lvl8pPr>
+            <a:lvl9pPr marL="2057400" indent="-179388" algn="l" defTabSz="914400" rtl="0" eaLnBrk="1" latinLnBrk="0" hangingPunct="1">
+              <a:lnSpc>
+                <a:spcPct val="90000"/>
+              </a:lnSpc>
+              <a:spcBef>
+                <a:spcPts val="600"/>
+              </a:spcBef>
+              <a:buClr>
+                <a:schemeClr val="accent1"/>
+              </a:buClr>
+              <a:buSzPct val="100000"/>
+              <a:buFont typeface="Arial" pitchFamily="34" charset="0"/>
+              <a:buChar char="▪"/>
+              <a:defRPr sz="1400" kern="1200">
+                <a:solidFill>
+                  <a:schemeClr val="tx1"/>
+                </a:solidFill>
+                <a:latin typeface="+mn-lt"/>
+                <a:ea typeface="+mn-ea"/>
+                <a:cs typeface="+mn-cs"/>
+              </a:defRPr>
+            </a:lvl9pPr>
+          </a:lstStyle>
+          <a:p>
+            <a:pPr marL="457200" lvl="3" indent="0">
+              <a:buClr>
+                <a:schemeClr val="accent3"/>
+              </a:buClr>
+              <a:buSzPct val="95000"/>
+              <a:buNone/>
+            </a:pPr>
+            <a:endParaRPr lang="en-US" dirty="0" smtClean="0"/>
+          </a:p>
+        </p:txBody>
+      </p:sp>
+    </p:spTree>
+    <p:extLst>
+      <p:ext uri="{BB962C8B-B14F-4D97-AF65-F5344CB8AC3E}">
+        <p14:creationId xmlns:p14="http://schemas.microsoft.com/office/powerpoint/2010/main" val="3955872540"/>
+      </p:ext>
+    </p:extLst>
+  </p:cSld>
+  <p:clrMapOvr>
+    <a:masterClrMapping/>
+  </p:clrMapOvr>
+  <mc:AlternateContent xmlns:mc="http://schemas.openxmlformats.org/markup-compatibility/2006" xmlns:p14="http://schemas.microsoft.com/office/powerpoint/2010/main">
+    <mc:Choice Requires="p14">
+      <p:transition p14:dur="0"/>
+    </mc:Choice>
+    <mc:Fallback xmlns="">
+      <p:transition/>
+    </mc:Fallback>
+  </mc:AlternateContent>
+  <p:timing>
+    <p:tnLst>
+      <p:par>
+        <p:cTn id="1" dur="indefinite" restart="never" nodeType="tmRoot"/>
+      </p:par>
+    </p:tnLst>
+  </p:timing>
+</p:sld>
+</file>
+
+<file path=ppt/slides/slide37.xml><?xml version="1.0" encoding="utf-8"?>
+<p:sld xmlns:a="http://schemas.openxmlformats.org/drawingml/2006/main" xmlns:r="http://schemas.openxmlformats.org/officeDocument/2006/relationships" xmlns:p="http://schemas.openxmlformats.org/presentationml/2006/main">
+  <p:cSld>
+    <p:spTree>
+      <p:nvGrpSpPr>
+        <p:cNvPr id="1" name=""/>
+        <p:cNvGrpSpPr/>
+        <p:nvPr/>
+      </p:nvGrpSpPr>
+      <p:grpSpPr>
+        <a:xfrm>
+          <a:off x="0" y="0"/>
+          <a:ext cx="0" cy="0"/>
+          <a:chOff x="0" y="0"/>
+          <a:chExt cx="0" cy="0"/>
+        </a:xfrm>
+      </p:grpSpPr>
+      <p:sp>
+        <p:nvSpPr>
+          <p:cNvPr id="4" name="Title 3"/>
+          <p:cNvSpPr>
+            <a:spLocks noGrp="1"/>
+          </p:cNvSpPr>
+          <p:nvPr>
+            <p:ph type="title"/>
+          </p:nvPr>
+        </p:nvSpPr>
+        <p:spPr/>
+        <p:txBody>
+          <a:bodyPr>
+            <a:normAutofit/>
+          </a:bodyPr>
+          <a:lstStyle/>
+          <a:p>
+            <a:r>
+              <a:rPr lang="en-US" sz="5400" dirty="0" smtClean="0"/>
+              <a:t>Going to SPA</a:t>
+            </a:r>
+            <a:endParaRPr lang="en-US" sz="5400" dirty="0"/>
+          </a:p>
+        </p:txBody>
+      </p:sp>
+    </p:spTree>
+    <p:extLst>
+      <p:ext uri="{BB962C8B-B14F-4D97-AF65-F5344CB8AC3E}">
+        <p14:creationId xmlns:p14="http://schemas.microsoft.com/office/powerpoint/2010/main" val="955905903"/>
+      </p:ext>
+    </p:extLst>
+  </p:cSld>
+  <p:clrMapOvr>
+    <a:masterClrMapping/>
+  </p:clrMapOvr>
+  <mc:AlternateContent xmlns:mc="http://schemas.openxmlformats.org/markup-compatibility/2006" xmlns:p14="http://schemas.microsoft.com/office/powerpoint/2010/main">
+    <mc:Choice Requires="p14">
+      <p:transition p14:dur="0"/>
+    </mc:Choice>
+    <mc:Fallback xmlns="">
+      <p:transition/>
+    </mc:Fallback>
+  </mc:AlternateContent>
+  <p:timing>
+    <p:tnLst>
+      <p:par>
+        <p:cTn id="1" dur="indefinite" restart="never" nodeType="tmRoot"/>
+      </p:par>
+    </p:tnLst>
+  </p:timing>
+</p:sld>
+</file>
+
+<file path=ppt/slides/slide38.xml><?xml version="1.0" encoding="utf-8"?>
+<p:sld xmlns:a="http://schemas.openxmlformats.org/drawingml/2006/main" xmlns:r="http://schemas.openxmlformats.org/officeDocument/2006/relationships" xmlns:p="http://schemas.openxmlformats.org/presentationml/2006/main">
+  <p:cSld>
+    <p:spTree>
+      <p:nvGrpSpPr>
+        <p:cNvPr id="1" name=""/>
+        <p:cNvGrpSpPr/>
+        <p:nvPr/>
+      </p:nvGrpSpPr>
+      <p:grpSpPr>
+        <a:xfrm>
+          <a:off x="0" y="0"/>
+          <a:ext cx="0" cy="0"/>
+          <a:chOff x="0" y="0"/>
+          <a:chExt cx="0" cy="0"/>
+        </a:xfrm>
+      </p:grpSpPr>
+      <p:sp>
+        <p:nvSpPr>
+          <p:cNvPr id="2" name="Title 1"/>
+          <p:cNvSpPr>
+            <a:spLocks noGrp="1"/>
+          </p:cNvSpPr>
+          <p:nvPr>
+            <p:ph type="title"/>
+          </p:nvPr>
+        </p:nvSpPr>
+        <p:spPr>
+          <a:xfrm>
+            <a:off x="1295400" y="-305034"/>
+            <a:ext cx="9601200" cy="1142385"/>
+          </a:xfrm>
+        </p:spPr>
+        <p:txBody>
+          <a:bodyPr/>
+          <a:lstStyle/>
+          <a:p>
+            <a:r>
+              <a:rPr lang="en-US" dirty="0" smtClean="0"/>
+              <a:t>JavaScript libraries</a:t>
+            </a:r>
+            <a:endParaRPr lang="en-US" dirty="0"/>
+          </a:p>
+        </p:txBody>
+      </p:sp>
+      <p:sp>
+        <p:nvSpPr>
+          <p:cNvPr id="3" name="Content Placeholder 2"/>
+          <p:cNvSpPr>
+            <a:spLocks noGrp="1"/>
+          </p:cNvSpPr>
+          <p:nvPr>
+            <p:ph idx="1"/>
+          </p:nvPr>
+        </p:nvSpPr>
+        <p:spPr>
+          <a:xfrm>
+            <a:off x="404452" y="1031634"/>
+            <a:ext cx="5843954" cy="5040919"/>
+          </a:xfrm>
+        </p:spPr>
+        <p:txBody>
+          <a:bodyPr>
+            <a:noAutofit/>
+          </a:bodyPr>
+          <a:lstStyle/>
+          <a:p>
+            <a:pPr marL="0" lvl="1" indent="0">
+              <a:buClr>
+                <a:schemeClr val="accent3"/>
+              </a:buClr>
+              <a:buSzPct val="95000"/>
+              <a:buNone/>
+            </a:pPr>
+            <a:r>
+              <a:rPr lang="en-US" sz="2000" b="1" i="1" dirty="0" err="1" smtClean="0"/>
+              <a:t>AngularBasics</a:t>
+            </a:r>
+            <a:endParaRPr lang="en-US" sz="2000" b="1" i="1" dirty="0"/>
+          </a:p>
+          <a:p>
+            <a:pPr marL="514350" lvl="2" indent="-285750">
+              <a:buClr>
+                <a:schemeClr val="accent3"/>
+              </a:buClr>
+              <a:buSzPct val="95000"/>
+              <a:buFontTx/>
+              <a:buChar char="-"/>
+            </a:pPr>
+            <a:endParaRPr lang="en-US" sz="1600" dirty="0" smtClean="0"/>
+          </a:p>
+          <a:p>
+            <a:pPr marL="742950" lvl="3" indent="-285750">
+              <a:buClr>
+                <a:schemeClr val="accent3"/>
+              </a:buClr>
+              <a:buSzPct val="95000"/>
+            </a:pPr>
+            <a:endParaRPr lang="en-US" dirty="0" smtClean="0"/>
+          </a:p>
+        </p:txBody>
+      </p:sp>
+      <p:sp>
+        <p:nvSpPr>
+          <p:cNvPr id="5" name="Content Placeholder 2"/>
+          <p:cNvSpPr txBox="1">
+            <a:spLocks/>
+          </p:cNvSpPr>
+          <p:nvPr/>
+        </p:nvSpPr>
+        <p:spPr>
+          <a:xfrm>
+            <a:off x="5292977" y="1418496"/>
+            <a:ext cx="5843954" cy="5040919"/>
+          </a:xfrm>
+          <a:prstGeom prst="rect">
+            <a:avLst/>
+          </a:prstGeom>
+        </p:spPr>
+        <p:txBody>
+          <a:bodyPr vert="horz" lIns="91440" tIns="45720" rIns="91440" bIns="45720" rtlCol="0">
+            <a:noAutofit/>
+          </a:bodyPr>
+          <a:lstStyle>
+            <a:lvl1pPr marL="228600" indent="-228600" algn="l" defTabSz="914400" rtl="0" eaLnBrk="1" latinLnBrk="0" hangingPunct="1">
+              <a:lnSpc>
+                <a:spcPct val="90000"/>
+              </a:lnSpc>
+              <a:spcBef>
+                <a:spcPts val="1800"/>
+              </a:spcBef>
+              <a:buClr>
+                <a:srgbClr val="016C48"/>
+              </a:buClr>
+              <a:buSzPct val="100000"/>
+              <a:buFont typeface="Arial" pitchFamily="34" charset="0"/>
+              <a:buChar char="•"/>
+              <a:defRPr sz="2000" kern="1200">
+                <a:solidFill>
+                  <a:schemeClr val="tx1"/>
+                </a:solidFill>
+                <a:latin typeface="Calibri" panose="020F0502020204030204" pitchFamily="34" charset="0"/>
+                <a:ea typeface="+mn-ea"/>
+                <a:cs typeface="+mn-cs"/>
+              </a:defRPr>
+            </a:lvl1pPr>
+            <a:lvl2pPr marL="457200" indent="-182880" algn="l" defTabSz="914400" rtl="0" eaLnBrk="1" latinLnBrk="0" hangingPunct="1">
+              <a:lnSpc>
+                <a:spcPct val="90000"/>
+              </a:lnSpc>
+              <a:spcBef>
+                <a:spcPts val="1200"/>
+              </a:spcBef>
+              <a:buClr>
+                <a:srgbClr val="016C48"/>
+              </a:buClr>
+              <a:buSzPct val="100000"/>
+              <a:buFont typeface="Arial" pitchFamily="34" charset="0"/>
+              <a:buChar char="-"/>
+              <a:defRPr sz="1800" kern="1200">
+                <a:solidFill>
+                  <a:schemeClr val="tx1"/>
+                </a:solidFill>
+                <a:latin typeface="Calibri" panose="020F0502020204030204" pitchFamily="34" charset="0"/>
+                <a:ea typeface="+mn-ea"/>
+                <a:cs typeface="+mn-cs"/>
+              </a:defRPr>
+            </a:lvl2pPr>
+            <a:lvl3pPr marL="685800" indent="-179388" algn="l" defTabSz="914400" rtl="0" eaLnBrk="1" latinLnBrk="0" hangingPunct="1">
+              <a:lnSpc>
+                <a:spcPct val="90000"/>
+              </a:lnSpc>
+              <a:spcBef>
+                <a:spcPts val="800"/>
+              </a:spcBef>
+              <a:buClr>
+                <a:srgbClr val="016C48"/>
+              </a:buClr>
+              <a:buSzPct val="100000"/>
+              <a:buFont typeface="Arial" pitchFamily="34" charset="0"/>
+              <a:buChar char="-"/>
+              <a:defRPr sz="1600" kern="1200">
+                <a:solidFill>
+                  <a:schemeClr val="tx1"/>
+                </a:solidFill>
+                <a:latin typeface="Calibri" panose="020F0502020204030204" pitchFamily="34" charset="0"/>
+                <a:ea typeface="+mn-ea"/>
+                <a:cs typeface="+mn-cs"/>
+              </a:defRPr>
+            </a:lvl3pPr>
+            <a:lvl4pPr marL="914400" indent="-182880" algn="l" defTabSz="914400" rtl="0" eaLnBrk="1" latinLnBrk="0" hangingPunct="1">
+              <a:lnSpc>
+                <a:spcPct val="90000"/>
+              </a:lnSpc>
+              <a:spcBef>
+                <a:spcPts val="800"/>
+              </a:spcBef>
+              <a:buClr>
+                <a:srgbClr val="016C48"/>
+              </a:buClr>
+              <a:buSzPct val="100000"/>
+              <a:buFont typeface="Arial" pitchFamily="34" charset="0"/>
+              <a:buChar char="-"/>
+              <a:defRPr sz="1400" kern="1200">
+                <a:solidFill>
+                  <a:schemeClr val="tx1"/>
+                </a:solidFill>
+                <a:latin typeface="Calibri" panose="020F0502020204030204" pitchFamily="34" charset="0"/>
+                <a:ea typeface="+mn-ea"/>
+                <a:cs typeface="+mn-cs"/>
+              </a:defRPr>
+            </a:lvl4pPr>
+            <a:lvl5pPr marL="1143000" indent="-179388" algn="l" defTabSz="914400" rtl="0" eaLnBrk="1" latinLnBrk="0" hangingPunct="1">
+              <a:lnSpc>
+                <a:spcPct val="90000"/>
+              </a:lnSpc>
+              <a:spcBef>
+                <a:spcPts val="600"/>
+              </a:spcBef>
+              <a:buClr>
+                <a:srgbClr val="016C48"/>
+              </a:buClr>
+              <a:buSzPct val="100000"/>
+              <a:buFont typeface="Arial" pitchFamily="34" charset="0"/>
+              <a:buChar char="-"/>
+              <a:defRPr sz="1400" kern="1200">
+                <a:solidFill>
+                  <a:schemeClr val="tx1"/>
+                </a:solidFill>
+                <a:latin typeface="Calibri" panose="020F0502020204030204" pitchFamily="34" charset="0"/>
+                <a:ea typeface="+mn-ea"/>
+                <a:cs typeface="+mn-cs"/>
+              </a:defRPr>
+            </a:lvl5pPr>
+            <a:lvl6pPr marL="1371600" indent="-182880" algn="l" defTabSz="914400" rtl="0" eaLnBrk="1" latinLnBrk="0" hangingPunct="1">
+              <a:lnSpc>
+                <a:spcPct val="90000"/>
+              </a:lnSpc>
+              <a:spcBef>
+                <a:spcPts val="600"/>
+              </a:spcBef>
+              <a:buClr>
+                <a:schemeClr val="accent1"/>
+              </a:buClr>
+              <a:buSzPct val="100000"/>
+              <a:buFont typeface="Arial" pitchFamily="34" charset="0"/>
+              <a:buChar char="▪"/>
+              <a:defRPr sz="1400" kern="1200">
+                <a:solidFill>
+                  <a:schemeClr val="tx1"/>
+                </a:solidFill>
+                <a:latin typeface="+mn-lt"/>
+                <a:ea typeface="+mn-ea"/>
+                <a:cs typeface="+mn-cs"/>
+              </a:defRPr>
+            </a:lvl6pPr>
+            <a:lvl7pPr marL="1600200" indent="-179388" algn="l" defTabSz="914400" rtl="0" eaLnBrk="1" latinLnBrk="0" hangingPunct="1">
+              <a:lnSpc>
+                <a:spcPct val="90000"/>
+              </a:lnSpc>
+              <a:spcBef>
+                <a:spcPts val="600"/>
+              </a:spcBef>
+              <a:buClr>
+                <a:schemeClr val="accent1"/>
+              </a:buClr>
+              <a:buSzPct val="100000"/>
+              <a:buFont typeface="Arial" pitchFamily="34" charset="0"/>
+              <a:buChar char="▪"/>
+              <a:defRPr sz="1400" kern="1200">
+                <a:solidFill>
+                  <a:schemeClr val="tx1"/>
+                </a:solidFill>
+                <a:latin typeface="+mn-lt"/>
+                <a:ea typeface="+mn-ea"/>
+                <a:cs typeface="+mn-cs"/>
+              </a:defRPr>
+            </a:lvl7pPr>
+            <a:lvl8pPr marL="1828800" indent="-182880" algn="l" defTabSz="914400" rtl="0" eaLnBrk="1" latinLnBrk="0" hangingPunct="1">
+              <a:lnSpc>
+                <a:spcPct val="90000"/>
+              </a:lnSpc>
+              <a:spcBef>
+                <a:spcPts val="600"/>
+              </a:spcBef>
+              <a:buClr>
+                <a:schemeClr val="accent1"/>
+              </a:buClr>
+              <a:buSzPct val="100000"/>
+              <a:buFont typeface="Arial" pitchFamily="34" charset="0"/>
+              <a:buChar char="▪"/>
+              <a:defRPr sz="1400" kern="1200">
+                <a:solidFill>
+                  <a:schemeClr val="tx1"/>
+                </a:solidFill>
+                <a:latin typeface="+mn-lt"/>
+                <a:ea typeface="+mn-ea"/>
+                <a:cs typeface="+mn-cs"/>
+              </a:defRPr>
+            </a:lvl8pPr>
+            <a:lvl9pPr marL="2057400" indent="-179388" algn="l" defTabSz="914400" rtl="0" eaLnBrk="1" latinLnBrk="0" hangingPunct="1">
+              <a:lnSpc>
+                <a:spcPct val="90000"/>
+              </a:lnSpc>
+              <a:spcBef>
+                <a:spcPts val="600"/>
+              </a:spcBef>
+              <a:buClr>
+                <a:schemeClr val="accent1"/>
+              </a:buClr>
+              <a:buSzPct val="100000"/>
+              <a:buFont typeface="Arial" pitchFamily="34" charset="0"/>
+              <a:buChar char="▪"/>
+              <a:defRPr sz="1400" kern="1200">
+                <a:solidFill>
+                  <a:schemeClr val="tx1"/>
+                </a:solidFill>
+                <a:latin typeface="+mn-lt"/>
+                <a:ea typeface="+mn-ea"/>
+                <a:cs typeface="+mn-cs"/>
+              </a:defRPr>
+            </a:lvl9pPr>
+          </a:lstStyle>
+          <a:p>
+            <a:pPr marL="457200" lvl="3" indent="0">
+              <a:buClr>
+                <a:schemeClr val="accent3"/>
+              </a:buClr>
+              <a:buSzPct val="95000"/>
+              <a:buNone/>
+            </a:pPr>
+            <a:endParaRPr lang="en-US" dirty="0" smtClean="0"/>
+          </a:p>
+        </p:txBody>
+      </p:sp>
+    </p:spTree>
+    <p:extLst>
+      <p:ext uri="{BB962C8B-B14F-4D97-AF65-F5344CB8AC3E}">
+        <p14:creationId xmlns:p14="http://schemas.microsoft.com/office/powerpoint/2010/main" val="1667879059"/>
       </p:ext>
     </p:extLst>
   </p:cSld>
@@ -15554,7 +24823,6 @@
               <a:rPr lang="en-US" dirty="0" smtClean="0"/>
               <a:t>, central entry point for execution of command</a:t>
             </a:r>
-            <a:endParaRPr lang="en-US" dirty="0" smtClean="0"/>
           </a:p>
           <a:p>
             <a:pPr>
@@ -15703,6 +24971,318 @@
     <p:extLst>
       <p:ext uri="{BB962C8B-B14F-4D97-AF65-F5344CB8AC3E}">
         <p14:creationId xmlns:p14="http://schemas.microsoft.com/office/powerpoint/2010/main" val="2803089066"/>
+      </p:ext>
+    </p:extLst>
+  </p:cSld>
+  <p:clrMapOvr>
+    <a:masterClrMapping/>
+  </p:clrMapOvr>
+  <mc:AlternateContent xmlns:mc="http://schemas.openxmlformats.org/markup-compatibility/2006" xmlns:p14="http://schemas.microsoft.com/office/powerpoint/2010/main">
+    <mc:Choice Requires="p14">
+      <p:transition p14:dur="0"/>
+    </mc:Choice>
+    <mc:Fallback xmlns="">
+      <p:transition/>
+    </mc:Fallback>
+  </mc:AlternateContent>
+  <p:timing>
+    <p:tnLst>
+      <p:par>
+        <p:cTn id="1" dur="indefinite" restart="never" nodeType="tmRoot"/>
+      </p:par>
+    </p:tnLst>
+  </p:timing>
+</p:sld>
+</file>
+
+<file path=ppt/slides/slide7.xml><?xml version="1.0" encoding="utf-8"?>
+<p:sld xmlns:a="http://schemas.openxmlformats.org/drawingml/2006/main" xmlns:r="http://schemas.openxmlformats.org/officeDocument/2006/relationships" xmlns:p="http://schemas.openxmlformats.org/presentationml/2006/main">
+  <p:cSld>
+    <p:spTree>
+      <p:nvGrpSpPr>
+        <p:cNvPr id="1" name=""/>
+        <p:cNvGrpSpPr/>
+        <p:nvPr/>
+      </p:nvGrpSpPr>
+      <p:grpSpPr>
+        <a:xfrm>
+          <a:off x="0" y="0"/>
+          <a:ext cx="0" cy="0"/>
+          <a:chOff x="0" y="0"/>
+          <a:chExt cx="0" cy="0"/>
+        </a:xfrm>
+      </p:grpSpPr>
+      <p:sp>
+        <p:nvSpPr>
+          <p:cNvPr id="4" name="Title 3"/>
+          <p:cNvSpPr>
+            <a:spLocks noGrp="1"/>
+          </p:cNvSpPr>
+          <p:nvPr>
+            <p:ph type="title"/>
+          </p:nvPr>
+        </p:nvSpPr>
+        <p:spPr/>
+        <p:txBody>
+          <a:bodyPr>
+            <a:normAutofit/>
+          </a:bodyPr>
+          <a:lstStyle/>
+          <a:p>
+            <a:r>
+              <a:rPr lang="en-US" sz="5400" dirty="0" smtClean="0"/>
+              <a:t>Accessing data with EF</a:t>
+            </a:r>
+            <a:endParaRPr lang="en-US" sz="5400" dirty="0"/>
+          </a:p>
+        </p:txBody>
+      </p:sp>
+    </p:spTree>
+    <p:extLst>
+      <p:ext uri="{BB962C8B-B14F-4D97-AF65-F5344CB8AC3E}">
+        <p14:creationId xmlns:p14="http://schemas.microsoft.com/office/powerpoint/2010/main" val="146810266"/>
+      </p:ext>
+    </p:extLst>
+  </p:cSld>
+  <p:clrMapOvr>
+    <a:masterClrMapping/>
+  </p:clrMapOvr>
+  <mc:AlternateContent xmlns:mc="http://schemas.openxmlformats.org/markup-compatibility/2006" xmlns:p14="http://schemas.microsoft.com/office/powerpoint/2010/main">
+    <mc:Choice Requires="p14">
+      <p:transition p14:dur="0"/>
+    </mc:Choice>
+    <mc:Fallback xmlns="">
+      <p:transition/>
+    </mc:Fallback>
+  </mc:AlternateContent>
+  <p:timing>
+    <p:tnLst>
+      <p:par>
+        <p:cTn id="1" dur="indefinite" restart="never" nodeType="tmRoot"/>
+      </p:par>
+    </p:tnLst>
+  </p:timing>
+</p:sld>
+</file>
+
+<file path=ppt/slides/slide8.xml><?xml version="1.0" encoding="utf-8"?>
+<p:sld xmlns:a="http://schemas.openxmlformats.org/drawingml/2006/main" xmlns:r="http://schemas.openxmlformats.org/officeDocument/2006/relationships" xmlns:p="http://schemas.openxmlformats.org/presentationml/2006/main">
+  <p:cSld>
+    <p:spTree>
+      <p:nvGrpSpPr>
+        <p:cNvPr id="1" name=""/>
+        <p:cNvGrpSpPr/>
+        <p:nvPr/>
+      </p:nvGrpSpPr>
+      <p:grpSpPr>
+        <a:xfrm>
+          <a:off x="0" y="0"/>
+          <a:ext cx="0" cy="0"/>
+          <a:chOff x="0" y="0"/>
+          <a:chExt cx="0" cy="0"/>
+        </a:xfrm>
+      </p:grpSpPr>
+      <p:sp>
+        <p:nvSpPr>
+          <p:cNvPr id="4" name="Title 3"/>
+          <p:cNvSpPr>
+            <a:spLocks noGrp="1"/>
+          </p:cNvSpPr>
+          <p:nvPr>
+            <p:ph type="title"/>
+          </p:nvPr>
+        </p:nvSpPr>
+        <p:spPr/>
+        <p:txBody>
+          <a:bodyPr>
+            <a:normAutofit/>
+          </a:bodyPr>
+          <a:lstStyle/>
+          <a:p>
+            <a:r>
+              <a:rPr lang="en-US" sz="5400" dirty="0" smtClean="0"/>
+              <a:t>Improving the design with patterns</a:t>
+            </a:r>
+            <a:endParaRPr lang="en-US" sz="5400" dirty="0"/>
+          </a:p>
+        </p:txBody>
+      </p:sp>
+    </p:spTree>
+    <p:extLst>
+      <p:ext uri="{BB962C8B-B14F-4D97-AF65-F5344CB8AC3E}">
+        <p14:creationId xmlns:p14="http://schemas.microsoft.com/office/powerpoint/2010/main" val="1208426732"/>
+      </p:ext>
+    </p:extLst>
+  </p:cSld>
+  <p:clrMapOvr>
+    <a:masterClrMapping/>
+  </p:clrMapOvr>
+  <mc:AlternateContent xmlns:mc="http://schemas.openxmlformats.org/markup-compatibility/2006" xmlns:p14="http://schemas.microsoft.com/office/powerpoint/2010/main">
+    <mc:Choice Requires="p14">
+      <p:transition p14:dur="0"/>
+    </mc:Choice>
+    <mc:Fallback xmlns="">
+      <p:transition/>
+    </mc:Fallback>
+  </mc:AlternateContent>
+  <p:timing>
+    <p:tnLst>
+      <p:par>
+        <p:cTn id="1" dur="indefinite" restart="never" nodeType="tmRoot"/>
+      </p:par>
+    </p:tnLst>
+  </p:timing>
+</p:sld>
+</file>
+
+<file path=ppt/slides/slide9.xml><?xml version="1.0" encoding="utf-8"?>
+<p:sld xmlns:a="http://schemas.openxmlformats.org/drawingml/2006/main" xmlns:r="http://schemas.openxmlformats.org/officeDocument/2006/relationships" xmlns:p="http://schemas.openxmlformats.org/presentationml/2006/main">
+  <p:cSld>
+    <p:spTree>
+      <p:nvGrpSpPr>
+        <p:cNvPr id="1" name=""/>
+        <p:cNvGrpSpPr/>
+        <p:nvPr/>
+      </p:nvGrpSpPr>
+      <p:grpSpPr>
+        <a:xfrm>
+          <a:off x="0" y="0"/>
+          <a:ext cx="0" cy="0"/>
+          <a:chOff x="0" y="0"/>
+          <a:chExt cx="0" cy="0"/>
+        </a:xfrm>
+      </p:grpSpPr>
+      <p:sp>
+        <p:nvSpPr>
+          <p:cNvPr id="2" name="Title 1"/>
+          <p:cNvSpPr>
+            <a:spLocks noGrp="1"/>
+          </p:cNvSpPr>
+          <p:nvPr>
+            <p:ph type="title"/>
+          </p:nvPr>
+        </p:nvSpPr>
+        <p:spPr/>
+        <p:txBody>
+          <a:bodyPr/>
+          <a:lstStyle/>
+          <a:p>
+            <a:r>
+              <a:rPr lang="en-US" dirty="0" smtClean="0"/>
+              <a:t>Patterns</a:t>
+            </a:r>
+            <a:endParaRPr lang="en-US" dirty="0"/>
+          </a:p>
+        </p:txBody>
+      </p:sp>
+      <p:sp>
+        <p:nvSpPr>
+          <p:cNvPr id="3" name="Content Placeholder 2"/>
+          <p:cNvSpPr>
+            <a:spLocks noGrp="1"/>
+          </p:cNvSpPr>
+          <p:nvPr>
+            <p:ph idx="1"/>
+          </p:nvPr>
+        </p:nvSpPr>
+        <p:spPr>
+          <a:xfrm>
+            <a:off x="1295400" y="1582615"/>
+            <a:ext cx="9601200" cy="4478216"/>
+          </a:xfrm>
+        </p:spPr>
+        <p:txBody>
+          <a:bodyPr>
+            <a:normAutofit/>
+          </a:bodyPr>
+          <a:lstStyle/>
+          <a:p>
+            <a:pPr marL="0" indent="0">
+              <a:buNone/>
+            </a:pPr>
+            <a:r>
+              <a:rPr lang="en-US" b="1" i="1" dirty="0" err="1" smtClean="0"/>
+              <a:t>RepositoryPattern</a:t>
+            </a:r>
+            <a:r>
+              <a:rPr lang="en-US" b="1" i="1" dirty="0" smtClean="0"/>
+              <a:t> </a:t>
+            </a:r>
+          </a:p>
+          <a:p>
+            <a:pPr>
+              <a:buFontTx/>
+              <a:buChar char="-"/>
+            </a:pPr>
+            <a:endParaRPr lang="en-US" dirty="0" smtClean="0"/>
+          </a:p>
+          <a:p>
+            <a:pPr>
+              <a:buFontTx/>
+              <a:buChar char="-"/>
+            </a:pPr>
+            <a:endParaRPr lang="en-US" dirty="0"/>
+          </a:p>
+          <a:p>
+            <a:pPr>
+              <a:buFontTx/>
+              <a:buChar char="-"/>
+            </a:pPr>
+            <a:endParaRPr lang="en-US" dirty="0"/>
+          </a:p>
+          <a:p>
+            <a:pPr marL="0" indent="0">
+              <a:buNone/>
+            </a:pPr>
+            <a:endParaRPr lang="en-US" b="1" i="1" dirty="0" smtClean="0"/>
+          </a:p>
+        </p:txBody>
+      </p:sp>
+      <p:pic>
+        <p:nvPicPr>
+          <p:cNvPr id="1028" name="Picture 4" descr="http://www.martinfowler.com/eaaCatalog/repositorySketch.gif"/>
+          <p:cNvPicPr>
+            <a:picLocks noChangeAspect="1" noChangeArrowheads="1"/>
+          </p:cNvPicPr>
+          <p:nvPr/>
+        </p:nvPicPr>
+        <p:blipFill>
+          <a:blip r:embed="rId2">
+            <a:extLst>
+              <a:ext uri="{28A0092B-C50C-407E-A947-70E740481C1C}">
+                <a14:useLocalDpi xmlns:a14="http://schemas.microsoft.com/office/drawing/2010/main" val="0"/>
+              </a:ext>
+            </a:extLst>
+          </a:blip>
+          <a:srcRect/>
+          <a:stretch>
+            <a:fillRect/>
+          </a:stretch>
+        </p:blipFill>
+        <p:spPr bwMode="auto">
+          <a:xfrm>
+            <a:off x="2113332" y="2231169"/>
+            <a:ext cx="6866544" cy="3669424"/>
+          </a:xfrm>
+          <a:prstGeom prst="rect">
+            <a:avLst/>
+          </a:prstGeom>
+          <a:noFill/>
+          <a:extLst>
+            <a:ext uri="{909E8E84-426E-40DD-AFC4-6F175D3DCCD1}">
+              <a14:hiddenFill xmlns:a14="http://schemas.microsoft.com/office/drawing/2010/main">
+                <a:solidFill>
+                  <a:srgbClr val="FFFFFF"/>
+                </a:solidFill>
+              </a14:hiddenFill>
+            </a:ext>
+          </a:extLst>
+        </p:spPr>
+      </p:pic>
+    </p:spTree>
+    <p:extLst>
+      <p:ext uri="{BB962C8B-B14F-4D97-AF65-F5344CB8AC3E}">
+        <p14:creationId xmlns:p14="http://schemas.microsoft.com/office/powerpoint/2010/main" val="3231577710"/>
       </p:ext>
     </p:extLst>
   </p:cSld>
